--- a/docs/figures/powerpoint/powerpoint_figures.pptx
+++ b/docs/figures/powerpoint/powerpoint_figures.pptx
@@ -5,7 +5,7 @@
     <p:sldMasterId id="2147483648" r:id="rId4"/>
   </p:sldMasterIdLst>
   <p:notesMasterIdLst>
-    <p:notesMasterId r:id="rId19"/>
+    <p:notesMasterId r:id="rId21"/>
   </p:notesMasterIdLst>
   <p:sldIdLst>
     <p:sldId id="261" r:id="rId5"/>
@@ -19,9 +19,11 @@
     <p:sldId id="295" r:id="rId13"/>
     <p:sldId id="296" r:id="rId14"/>
     <p:sldId id="282" r:id="rId15"/>
-    <p:sldId id="500" r:id="rId16"/>
-    <p:sldId id="501" r:id="rId17"/>
-    <p:sldId id="502" r:id="rId18"/>
+    <p:sldId id="503" r:id="rId16"/>
+    <p:sldId id="504" r:id="rId17"/>
+    <p:sldId id="500" r:id="rId18"/>
+    <p:sldId id="501" r:id="rId19"/>
+    <p:sldId id="502" r:id="rId20"/>
   </p:sldIdLst>
   <p:sldSz cx="12192000" cy="6858000"/>
   <p:notesSz cx="6858000" cy="9144000"/>
@@ -210,7 +212,7 @@
           <a:p>
             <a:fld id="{711A52A6-9D8E-41FC-9651-78B3E515F872}" type="datetimeFigureOut">
               <a:rPr lang="en-US" smtClean="0"/>
-              <a:t>5/10/2024</a:t>
+              <a:t>5/16/2024</a:t>
             </a:fld>
             <a:endParaRPr lang="en-US"/>
           </a:p>
@@ -637,7 +639,7 @@
           <a:p>
             <a:fld id="{77F775AD-3704-4F98-A581-F4E052B5E341}" type="datetime1">
               <a:rPr lang="en-US" smtClean="0"/>
-              <a:t>5/10/2024</a:t>
+              <a:t>5/16/2024</a:t>
             </a:fld>
             <a:endParaRPr lang="en-US" dirty="0"/>
           </a:p>
@@ -886,7 +888,7 @@
           <a:p>
             <a:fld id="{B49B97F0-8049-4B63-9B9F-B08800B08AEA}" type="datetime1">
               <a:rPr lang="en-US" smtClean="0"/>
-              <a:t>5/10/2024</a:t>
+              <a:t>5/16/2024</a:t>
             </a:fld>
             <a:endParaRPr lang="en-US"/>
           </a:p>
@@ -1126,7 +1128,7 @@
           <a:p>
             <a:fld id="{76BB3555-78C2-4894-951A-9F28C24107FA}" type="datetime1">
               <a:rPr lang="en-US" smtClean="0"/>
-              <a:t>5/10/2024</a:t>
+              <a:t>5/16/2024</a:t>
             </a:fld>
             <a:endParaRPr lang="en-US"/>
           </a:p>
@@ -1356,7 +1358,7 @@
           <a:p>
             <a:fld id="{37A4B9B3-CD86-4259-A27A-F9B9C6081119}" type="datetime1">
               <a:rPr lang="en-US" smtClean="0"/>
-              <a:t>5/10/2024</a:t>
+              <a:t>5/16/2024</a:t>
             </a:fld>
             <a:endParaRPr lang="en-US"/>
           </a:p>
@@ -1634,7 +1636,7 @@
           <a:p>
             <a:fld id="{66287512-E62E-4968-99B9-D028D358C1D6}" type="datetime1">
               <a:rPr lang="en-US" smtClean="0"/>
-              <a:t>5/10/2024</a:t>
+              <a:t>5/16/2024</a:t>
             </a:fld>
             <a:endParaRPr lang="en-US"/>
           </a:p>
@@ -1957,7 +1959,7 @@
           <a:p>
             <a:fld id="{356AD7E7-9EE9-4D28-82A7-0AE338FFEED9}" type="datetime1">
               <a:rPr lang="en-US" smtClean="0"/>
-              <a:t>5/10/2024</a:t>
+              <a:t>5/16/2024</a:t>
             </a:fld>
             <a:endParaRPr lang="en-US"/>
           </a:p>
@@ -2431,7 +2433,7 @@
           <a:p>
             <a:fld id="{0B5CD5E0-6150-412F-8881-52709F06EC3B}" type="datetime1">
               <a:rPr lang="en-US" smtClean="0"/>
-              <a:t>5/10/2024</a:t>
+              <a:t>5/16/2024</a:t>
             </a:fld>
             <a:endParaRPr lang="en-US"/>
           </a:p>
@@ -2578,7 +2580,7 @@
           <a:p>
             <a:fld id="{9428AFA3-5281-4B53-8B8B-8FD665A2F0D7}" type="datetime1">
               <a:rPr lang="en-US" smtClean="0"/>
-              <a:t>5/10/2024</a:t>
+              <a:t>5/16/2024</a:t>
             </a:fld>
             <a:endParaRPr lang="en-US"/>
           </a:p>
@@ -2691,7 +2693,7 @@
           <a:p>
             <a:fld id="{556D1394-26AC-45DA-9E25-AB3CC25C7422}" type="datetime1">
               <a:rPr lang="en-US" smtClean="0"/>
-              <a:t>5/10/2024</a:t>
+              <a:t>5/16/2024</a:t>
             </a:fld>
             <a:endParaRPr lang="en-US"/>
           </a:p>
@@ -3016,7 +3018,7 @@
           <a:p>
             <a:fld id="{B641D803-18D9-4B72-95D8-021B736F630F}" type="datetime1">
               <a:rPr lang="en-US" smtClean="0"/>
-              <a:t>5/10/2024</a:t>
+              <a:t>5/16/2024</a:t>
             </a:fld>
             <a:endParaRPr lang="en-US"/>
           </a:p>
@@ -3308,7 +3310,7 @@
           <a:p>
             <a:fld id="{9F82DFCB-4787-4629-B4F0-DCD676BE203A}" type="datetime1">
               <a:rPr lang="en-US" smtClean="0"/>
-              <a:t>5/10/2024</a:t>
+              <a:t>5/16/2024</a:t>
             </a:fld>
             <a:endParaRPr lang="en-US"/>
           </a:p>
@@ -3548,7 +3550,7 @@
           <a:p>
             <a:fld id="{300C2ECC-D91C-40D5-A01C-469FC90F0645}" type="datetime1">
               <a:rPr lang="en-US" smtClean="0"/>
-              <a:t>5/10/2024</a:t>
+              <a:t>5/16/2024</a:t>
             </a:fld>
             <a:endParaRPr lang="en-US" dirty="0"/>
           </a:p>
@@ -7678,10 +7680,10 @@
       </p:grpSpPr>
       <p:sp>
         <p:nvSpPr>
-          <p:cNvPr id="46" name="Rectangle 45">
-            <a:extLst>
-              <a:ext uri="{FF2B5EF4-FFF2-40B4-BE49-F238E27FC236}">
-                <a16:creationId xmlns:a16="http://schemas.microsoft.com/office/drawing/2014/main" id="{72127004-8A7D-A358-ADEB-B3629DBFE527}"/>
+          <p:cNvPr id="47" name="Rectangle 46">
+            <a:extLst>
+              <a:ext uri="{FF2B5EF4-FFF2-40B4-BE49-F238E27FC236}">
+                <a16:creationId xmlns:a16="http://schemas.microsoft.com/office/drawing/2014/main" id="{6E3E3584-227D-7E46-0587-6F88879284F0}"/>
               </a:ext>
             </a:extLst>
           </p:cNvPr>
@@ -7690,232 +7692,8 @@
         </p:nvSpPr>
         <p:spPr>
           <a:xfrm>
-            <a:off x="3860814" y="5838288"/>
-            <a:ext cx="6392648" cy="856947"/>
-          </a:xfrm>
-          <a:prstGeom prst="rect">
-            <a:avLst/>
-          </a:prstGeom>
-          <a:solidFill>
-            <a:srgbClr val="F1D9F1"/>
-          </a:solidFill>
-          <a:ln>
-            <a:noFill/>
-          </a:ln>
-        </p:spPr>
-        <p:style>
-          <a:lnRef idx="2">
-            <a:schemeClr val="accent1">
-              <a:shade val="15000"/>
-            </a:schemeClr>
-          </a:lnRef>
-          <a:fillRef idx="1">
-            <a:schemeClr val="accent1"/>
-          </a:fillRef>
-          <a:effectRef idx="0">
-            <a:schemeClr val="accent1"/>
-          </a:effectRef>
-          <a:fontRef idx="minor">
-            <a:schemeClr val="lt1"/>
-          </a:fontRef>
-        </p:style>
-        <p:txBody>
-          <a:bodyPr rtlCol="0" anchor="ctr"/>
-          <a:lstStyle/>
-          <a:p>
-            <a:pPr algn="ctr"/>
-            <a:endParaRPr lang="en-US" sz="1400" b="1" dirty="0">
-              <a:solidFill>
-                <a:schemeClr val="tx1"/>
-              </a:solidFill>
-            </a:endParaRPr>
-          </a:p>
-        </p:txBody>
-      </p:sp>
-      <p:sp>
-        <p:nvSpPr>
-          <p:cNvPr id="12" name="Rectangle 11">
-            <a:extLst>
-              <a:ext uri="{FF2B5EF4-FFF2-40B4-BE49-F238E27FC236}">
-                <a16:creationId xmlns:a16="http://schemas.microsoft.com/office/drawing/2014/main" id="{E3774B39-3B4C-D81E-872A-828DD7656DFD}"/>
-              </a:ext>
-            </a:extLst>
-          </p:cNvPr>
-          <p:cNvSpPr/>
-          <p:nvPr/>
-        </p:nvSpPr>
-        <p:spPr>
-          <a:xfrm>
-            <a:off x="3830098" y="5073270"/>
-            <a:ext cx="6430023" cy="768917"/>
-          </a:xfrm>
-          <a:prstGeom prst="rect">
-            <a:avLst/>
-          </a:prstGeom>
-          <a:solidFill>
-            <a:schemeClr val="accent6">
-              <a:lumMod val="20000"/>
-              <a:lumOff val="80000"/>
-            </a:schemeClr>
-          </a:solidFill>
-          <a:ln>
-            <a:noFill/>
-          </a:ln>
-        </p:spPr>
-        <p:style>
-          <a:lnRef idx="2">
-            <a:schemeClr val="accent1">
-              <a:shade val="15000"/>
-            </a:schemeClr>
-          </a:lnRef>
-          <a:fillRef idx="1">
-            <a:schemeClr val="accent1"/>
-          </a:fillRef>
-          <a:effectRef idx="0">
-            <a:schemeClr val="accent1"/>
-          </a:effectRef>
-          <a:fontRef idx="minor">
-            <a:schemeClr val="lt1"/>
-          </a:fontRef>
-        </p:style>
-        <p:txBody>
-          <a:bodyPr rtlCol="0" anchor="ctr"/>
-          <a:lstStyle/>
-          <a:p>
-            <a:pPr algn="ctr"/>
-            <a:endParaRPr lang="en-US" sz="1400" dirty="0">
-              <a:solidFill>
-                <a:schemeClr val="tx1"/>
-              </a:solidFill>
-            </a:endParaRPr>
-          </a:p>
-        </p:txBody>
-      </p:sp>
-      <p:sp>
-        <p:nvSpPr>
-          <p:cNvPr id="36" name="Rectangle 35">
-            <a:extLst>
-              <a:ext uri="{FF2B5EF4-FFF2-40B4-BE49-F238E27FC236}">
-                <a16:creationId xmlns:a16="http://schemas.microsoft.com/office/drawing/2014/main" id="{A9639FBB-FEB5-DA38-1257-27E1770ED7AB}"/>
-              </a:ext>
-            </a:extLst>
-          </p:cNvPr>
-          <p:cNvSpPr/>
-          <p:nvPr/>
-        </p:nvSpPr>
-        <p:spPr>
-          <a:xfrm>
-            <a:off x="3823439" y="2886436"/>
-            <a:ext cx="6430023" cy="2192036"/>
-          </a:xfrm>
-          <a:prstGeom prst="rect">
-            <a:avLst/>
-          </a:prstGeom>
-          <a:solidFill>
-            <a:schemeClr val="accent1">
-              <a:lumMod val="20000"/>
-              <a:lumOff val="80000"/>
-            </a:schemeClr>
-          </a:solidFill>
-          <a:ln>
-            <a:noFill/>
-          </a:ln>
-        </p:spPr>
-        <p:style>
-          <a:lnRef idx="2">
-            <a:schemeClr val="accent1">
-              <a:shade val="15000"/>
-            </a:schemeClr>
-          </a:lnRef>
-          <a:fillRef idx="1">
-            <a:schemeClr val="accent1"/>
-          </a:fillRef>
-          <a:effectRef idx="0">
-            <a:schemeClr val="accent1"/>
-          </a:effectRef>
-          <a:fontRef idx="minor">
-            <a:schemeClr val="lt1"/>
-          </a:fontRef>
-        </p:style>
-        <p:txBody>
-          <a:bodyPr rtlCol="0" anchor="ctr"/>
-          <a:lstStyle/>
-          <a:p>
-            <a:pPr algn="ctr"/>
-            <a:endParaRPr lang="en-US"/>
-          </a:p>
-        </p:txBody>
-      </p:sp>
-      <p:sp>
-        <p:nvSpPr>
-          <p:cNvPr id="16" name="Rectangle 15">
-            <a:extLst>
-              <a:ext uri="{FF2B5EF4-FFF2-40B4-BE49-F238E27FC236}">
-                <a16:creationId xmlns:a16="http://schemas.microsoft.com/office/drawing/2014/main" id="{72C539D4-1CBA-B5E5-2E88-785897940B49}"/>
-              </a:ext>
-            </a:extLst>
-          </p:cNvPr>
-          <p:cNvSpPr/>
-          <p:nvPr/>
-        </p:nvSpPr>
-        <p:spPr>
-          <a:xfrm>
-            <a:off x="4036872" y="2386227"/>
-            <a:ext cx="3639847" cy="488526"/>
-          </a:xfrm>
-          <a:prstGeom prst="rect">
-            <a:avLst/>
-          </a:prstGeom>
-          <a:solidFill>
-            <a:schemeClr val="bg2">
-              <a:lumMod val="90000"/>
-            </a:schemeClr>
-          </a:solidFill>
-          <a:ln>
-            <a:noFill/>
-          </a:ln>
-        </p:spPr>
-        <p:style>
-          <a:lnRef idx="2">
-            <a:schemeClr val="accent1">
-              <a:shade val="15000"/>
-            </a:schemeClr>
-          </a:lnRef>
-          <a:fillRef idx="1">
-            <a:schemeClr val="accent1"/>
-          </a:fillRef>
-          <a:effectRef idx="0">
-            <a:schemeClr val="accent1"/>
-          </a:effectRef>
-          <a:fontRef idx="minor">
-            <a:schemeClr val="lt1"/>
-          </a:fontRef>
-        </p:style>
-        <p:txBody>
-          <a:bodyPr rtlCol="0" anchor="ctr"/>
-          <a:lstStyle/>
-          <a:p>
-            <a:pPr algn="ctr"/>
-            <a:endParaRPr lang="en-US"/>
-          </a:p>
-        </p:txBody>
-      </p:sp>
-      <p:sp>
-        <p:nvSpPr>
-          <p:cNvPr id="13" name="Rectangle 12">
-            <a:extLst>
-              <a:ext uri="{FF2B5EF4-FFF2-40B4-BE49-F238E27FC236}">
-                <a16:creationId xmlns:a16="http://schemas.microsoft.com/office/drawing/2014/main" id="{2CBCDC26-00E5-A3E1-F5B6-30FDC541BC9D}"/>
-              </a:ext>
-            </a:extLst>
-          </p:cNvPr>
-          <p:cNvSpPr/>
-          <p:nvPr/>
-        </p:nvSpPr>
-        <p:spPr>
-          <a:xfrm>
-            <a:off x="4036873" y="2161579"/>
-            <a:ext cx="1976763" cy="221943"/>
+            <a:off x="646999" y="4990293"/>
+            <a:ext cx="1583017" cy="347848"/>
           </a:xfrm>
           <a:prstGeom prst="rect">
             <a:avLst/>
@@ -7951,16 +7729,20 @@
           <a:lstStyle/>
           <a:p>
             <a:pPr algn="ctr"/>
-            <a:endParaRPr lang="en-US"/>
-          </a:p>
-        </p:txBody>
-      </p:sp>
-      <p:sp>
-        <p:nvSpPr>
-          <p:cNvPr id="8" name="Rectangle 7">
-            <a:extLst>
-              <a:ext uri="{FF2B5EF4-FFF2-40B4-BE49-F238E27FC236}">
-                <a16:creationId xmlns:a16="http://schemas.microsoft.com/office/drawing/2014/main" id="{1C026455-CAB0-7107-5E06-73B62BD22F6E}"/>
+            <a:endParaRPr lang="en-US" sz="1400" dirty="0">
+              <a:solidFill>
+                <a:schemeClr val="tx1"/>
+              </a:solidFill>
+            </a:endParaRPr>
+          </a:p>
+        </p:txBody>
+      </p:sp>
+      <p:sp>
+        <p:nvSpPr>
+          <p:cNvPr id="45" name="Rectangle 44">
+            <a:extLst>
+              <a:ext uri="{FF2B5EF4-FFF2-40B4-BE49-F238E27FC236}">
+                <a16:creationId xmlns:a16="http://schemas.microsoft.com/office/drawing/2014/main" id="{73E2ED7F-4DC9-2335-F24F-A1C31AA19CD2}"/>
               </a:ext>
             </a:extLst>
           </p:cNvPr>
@@ -7969,8 +7751,385 @@
         </p:nvSpPr>
         <p:spPr>
           <a:xfrm>
-            <a:off x="4036873" y="1876641"/>
-            <a:ext cx="2601157" cy="269288"/>
+            <a:off x="613775" y="4704663"/>
+            <a:ext cx="2334698" cy="347847"/>
+          </a:xfrm>
+          <a:prstGeom prst="rect">
+            <a:avLst/>
+          </a:prstGeom>
+          <a:solidFill>
+            <a:srgbClr val="FA7676"/>
+          </a:solidFill>
+          <a:ln>
+            <a:noFill/>
+          </a:ln>
+        </p:spPr>
+        <p:style>
+          <a:lnRef idx="0">
+            <a:scrgbClr r="0" g="0" b="0"/>
+          </a:lnRef>
+          <a:fillRef idx="0">
+            <a:scrgbClr r="0" g="0" b="0"/>
+          </a:fillRef>
+          <a:effectRef idx="0">
+            <a:scrgbClr r="0" g="0" b="0"/>
+          </a:effectRef>
+          <a:fontRef idx="minor">
+            <a:schemeClr val="lt1"/>
+          </a:fontRef>
+        </p:style>
+        <p:txBody>
+          <a:bodyPr rtlCol="0" anchor="ctr"/>
+          <a:lstStyle/>
+          <a:p>
+            <a:pPr marL="0" marR="0" lvl="0" indent="0" algn="ctr" defTabSz="914400" rtl="0" eaLnBrk="1" fontAlgn="auto" latinLnBrk="0" hangingPunct="1">
+              <a:lnSpc>
+                <a:spcPct val="100000"/>
+              </a:lnSpc>
+              <a:spcBef>
+                <a:spcPts val="0"/>
+              </a:spcBef>
+              <a:spcAft>
+                <a:spcPts val="0"/>
+              </a:spcAft>
+              <a:buClrTx/>
+              <a:buSzTx/>
+              <a:buFontTx/>
+              <a:buNone/>
+              <a:tabLst/>
+              <a:defRPr/>
+            </a:pPr>
+            <a:endParaRPr lang="en-US" dirty="0"/>
+          </a:p>
+        </p:txBody>
+      </p:sp>
+      <p:sp>
+        <p:nvSpPr>
+          <p:cNvPr id="37" name="Rectangle 36">
+            <a:extLst>
+              <a:ext uri="{FF2B5EF4-FFF2-40B4-BE49-F238E27FC236}">
+                <a16:creationId xmlns:a16="http://schemas.microsoft.com/office/drawing/2014/main" id="{E7FDA4EB-098B-1E78-EDBE-908157E2832A}"/>
+              </a:ext>
+            </a:extLst>
+          </p:cNvPr>
+          <p:cNvSpPr/>
+          <p:nvPr/>
+        </p:nvSpPr>
+        <p:spPr>
+          <a:xfrm>
+            <a:off x="646999" y="4101560"/>
+            <a:ext cx="4100829" cy="665117"/>
+          </a:xfrm>
+          <a:prstGeom prst="rect">
+            <a:avLst/>
+          </a:prstGeom>
+          <a:solidFill>
+            <a:srgbClr val="F1D9F1"/>
+          </a:solidFill>
+          <a:ln>
+            <a:noFill/>
+          </a:ln>
+        </p:spPr>
+        <p:style>
+          <a:lnRef idx="2">
+            <a:schemeClr val="accent1">
+              <a:shade val="15000"/>
+            </a:schemeClr>
+          </a:lnRef>
+          <a:fillRef idx="1">
+            <a:schemeClr val="accent1"/>
+          </a:fillRef>
+          <a:effectRef idx="0">
+            <a:schemeClr val="accent1"/>
+          </a:effectRef>
+          <a:fontRef idx="minor">
+            <a:schemeClr val="lt1"/>
+          </a:fontRef>
+        </p:style>
+        <p:txBody>
+          <a:bodyPr rtlCol="0" anchor="ctr"/>
+          <a:lstStyle/>
+          <a:p>
+            <a:pPr algn="ctr"/>
+            <a:endParaRPr lang="en-US" sz="1400" b="1" dirty="0">
+              <a:solidFill>
+                <a:schemeClr val="tx1"/>
+              </a:solidFill>
+            </a:endParaRPr>
+          </a:p>
+        </p:txBody>
+      </p:sp>
+      <p:sp>
+        <p:nvSpPr>
+          <p:cNvPr id="30" name="Rectangle 29">
+            <a:extLst>
+              <a:ext uri="{FF2B5EF4-FFF2-40B4-BE49-F238E27FC236}">
+                <a16:creationId xmlns:a16="http://schemas.microsoft.com/office/drawing/2014/main" id="{81D0A73A-8B97-E20D-C276-F3F28FF97A4D}"/>
+              </a:ext>
+            </a:extLst>
+          </p:cNvPr>
+          <p:cNvSpPr/>
+          <p:nvPr/>
+        </p:nvSpPr>
+        <p:spPr>
+          <a:xfrm>
+            <a:off x="5145561" y="1938114"/>
+            <a:ext cx="4992785" cy="334094"/>
+          </a:xfrm>
+          <a:prstGeom prst="rect">
+            <a:avLst/>
+          </a:prstGeom>
+          <a:solidFill>
+            <a:schemeClr val="bg2">
+              <a:lumMod val="90000"/>
+            </a:schemeClr>
+          </a:solidFill>
+          <a:ln>
+            <a:solidFill>
+              <a:schemeClr val="accent1">
+                <a:lumMod val="20000"/>
+                <a:lumOff val="80000"/>
+              </a:schemeClr>
+            </a:solidFill>
+          </a:ln>
+        </p:spPr>
+        <p:style>
+          <a:lnRef idx="2">
+            <a:schemeClr val="accent1">
+              <a:shade val="15000"/>
+            </a:schemeClr>
+          </a:lnRef>
+          <a:fillRef idx="1">
+            <a:schemeClr val="accent1"/>
+          </a:fillRef>
+          <a:effectRef idx="0">
+            <a:schemeClr val="accent1"/>
+          </a:effectRef>
+          <a:fontRef idx="minor">
+            <a:schemeClr val="lt1"/>
+          </a:fontRef>
+        </p:style>
+        <p:txBody>
+          <a:bodyPr rtlCol="0" anchor="ctr"/>
+          <a:lstStyle/>
+          <a:p>
+            <a:pPr algn="ctr"/>
+            <a:endParaRPr lang="en-US" sz="1400" dirty="0">
+              <a:solidFill>
+                <a:schemeClr val="tx1"/>
+              </a:solidFill>
+            </a:endParaRPr>
+          </a:p>
+        </p:txBody>
+      </p:sp>
+      <p:sp>
+        <p:nvSpPr>
+          <p:cNvPr id="25" name="Rectangle 24">
+            <a:extLst>
+              <a:ext uri="{FF2B5EF4-FFF2-40B4-BE49-F238E27FC236}">
+                <a16:creationId xmlns:a16="http://schemas.microsoft.com/office/drawing/2014/main" id="{513E456E-4943-61DF-34C0-62DB5DA7A545}"/>
+              </a:ext>
+            </a:extLst>
+          </p:cNvPr>
+          <p:cNvSpPr/>
+          <p:nvPr/>
+        </p:nvSpPr>
+        <p:spPr>
+          <a:xfrm>
+            <a:off x="5145562" y="1367209"/>
+            <a:ext cx="2647714" cy="369332"/>
+          </a:xfrm>
+          <a:prstGeom prst="rect">
+            <a:avLst/>
+          </a:prstGeom>
+          <a:solidFill>
+            <a:schemeClr val="accent4">
+              <a:lumMod val="40000"/>
+              <a:lumOff val="60000"/>
+            </a:schemeClr>
+          </a:solidFill>
+          <a:ln>
+            <a:solidFill>
+              <a:schemeClr val="accent1">
+                <a:lumMod val="20000"/>
+                <a:lumOff val="80000"/>
+              </a:schemeClr>
+            </a:solidFill>
+          </a:ln>
+        </p:spPr>
+        <p:style>
+          <a:lnRef idx="2">
+            <a:schemeClr val="accent1">
+              <a:shade val="15000"/>
+            </a:schemeClr>
+          </a:lnRef>
+          <a:fillRef idx="1">
+            <a:schemeClr val="accent1"/>
+          </a:fillRef>
+          <a:effectRef idx="0">
+            <a:schemeClr val="accent1"/>
+          </a:effectRef>
+          <a:fontRef idx="minor">
+            <a:schemeClr val="lt1"/>
+          </a:fontRef>
+        </p:style>
+        <p:txBody>
+          <a:bodyPr rtlCol="0" anchor="ctr"/>
+          <a:lstStyle/>
+          <a:p>
+            <a:pPr algn="ctr"/>
+            <a:endParaRPr lang="en-US" sz="1400" dirty="0">
+              <a:solidFill>
+                <a:schemeClr val="tx1"/>
+              </a:solidFill>
+            </a:endParaRPr>
+          </a:p>
+        </p:txBody>
+      </p:sp>
+      <p:sp>
+        <p:nvSpPr>
+          <p:cNvPr id="17" name="Rectangle 16">
+            <a:extLst>
+              <a:ext uri="{FF2B5EF4-FFF2-40B4-BE49-F238E27FC236}">
+                <a16:creationId xmlns:a16="http://schemas.microsoft.com/office/drawing/2014/main" id="{AF08E9D8-9C65-7752-4B6F-87BEE9AB394D}"/>
+              </a:ext>
+            </a:extLst>
+          </p:cNvPr>
+          <p:cNvSpPr/>
+          <p:nvPr/>
+        </p:nvSpPr>
+        <p:spPr>
+          <a:xfrm>
+            <a:off x="994561" y="1214301"/>
+            <a:ext cx="865097" cy="567847"/>
+          </a:xfrm>
+          <a:prstGeom prst="rect">
+            <a:avLst/>
+          </a:prstGeom>
+          <a:solidFill>
+            <a:schemeClr val="accent1">
+              <a:lumMod val="40000"/>
+              <a:lumOff val="60000"/>
+            </a:schemeClr>
+          </a:solidFill>
+          <a:ln>
+            <a:solidFill>
+              <a:schemeClr val="accent1">
+                <a:lumMod val="20000"/>
+                <a:lumOff val="80000"/>
+              </a:schemeClr>
+            </a:solidFill>
+          </a:ln>
+        </p:spPr>
+        <p:style>
+          <a:lnRef idx="2">
+            <a:schemeClr val="accent1">
+              <a:shade val="15000"/>
+            </a:schemeClr>
+          </a:lnRef>
+          <a:fillRef idx="1">
+            <a:schemeClr val="accent1"/>
+          </a:fillRef>
+          <a:effectRef idx="0">
+            <a:schemeClr val="accent1"/>
+          </a:effectRef>
+          <a:fontRef idx="minor">
+            <a:schemeClr val="lt1"/>
+          </a:fontRef>
+        </p:style>
+        <p:txBody>
+          <a:bodyPr rtlCol="0" anchor="ctr"/>
+          <a:lstStyle/>
+          <a:p>
+            <a:pPr algn="ctr"/>
+            <a:endParaRPr lang="en-US" sz="1400" dirty="0">
+              <a:solidFill>
+                <a:schemeClr val="tx1"/>
+              </a:solidFill>
+            </a:endParaRPr>
+          </a:p>
+        </p:txBody>
+      </p:sp>
+      <p:sp>
+        <p:nvSpPr>
+          <p:cNvPr id="16" name="Rectangle 15">
+            <a:extLst>
+              <a:ext uri="{FF2B5EF4-FFF2-40B4-BE49-F238E27FC236}">
+                <a16:creationId xmlns:a16="http://schemas.microsoft.com/office/drawing/2014/main" id="{D74D2E71-19F1-3EBF-3C2C-0079DFF87A09}"/>
+              </a:ext>
+            </a:extLst>
+          </p:cNvPr>
+          <p:cNvSpPr/>
+          <p:nvPr/>
+        </p:nvSpPr>
+        <p:spPr>
+          <a:xfrm>
+            <a:off x="1809557" y="1214301"/>
+            <a:ext cx="653726" cy="567846"/>
+          </a:xfrm>
+          <a:prstGeom prst="rect">
+            <a:avLst/>
+          </a:prstGeom>
+          <a:solidFill>
+            <a:schemeClr val="accent2">
+              <a:lumMod val="40000"/>
+              <a:lumOff val="60000"/>
+            </a:schemeClr>
+          </a:solidFill>
+          <a:ln>
+            <a:solidFill>
+              <a:schemeClr val="accent1">
+                <a:lumMod val="20000"/>
+                <a:lumOff val="80000"/>
+              </a:schemeClr>
+            </a:solidFill>
+          </a:ln>
+        </p:spPr>
+        <p:style>
+          <a:lnRef idx="2">
+            <a:schemeClr val="accent1">
+              <a:shade val="15000"/>
+            </a:schemeClr>
+          </a:lnRef>
+          <a:fillRef idx="1">
+            <a:schemeClr val="accent1"/>
+          </a:fillRef>
+          <a:effectRef idx="0">
+            <a:schemeClr val="accent1"/>
+          </a:effectRef>
+          <a:fontRef idx="minor">
+            <a:schemeClr val="lt1"/>
+          </a:fontRef>
+        </p:style>
+        <p:txBody>
+          <a:bodyPr rtlCol="0" anchor="ctr"/>
+          <a:lstStyle/>
+          <a:p>
+            <a:pPr algn="ctr"/>
+            <a:endParaRPr lang="en-US" sz="1400" dirty="0">
+              <a:solidFill>
+                <a:schemeClr val="tx1"/>
+              </a:solidFill>
+            </a:endParaRPr>
+          </a:p>
+        </p:txBody>
+      </p:sp>
+      <p:sp>
+        <p:nvSpPr>
+          <p:cNvPr id="15" name="Rectangle 14">
+            <a:extLst>
+              <a:ext uri="{FF2B5EF4-FFF2-40B4-BE49-F238E27FC236}">
+                <a16:creationId xmlns:a16="http://schemas.microsoft.com/office/drawing/2014/main" id="{41188504-BF51-14F1-B1F5-5BF81B37EC09}"/>
+              </a:ext>
+            </a:extLst>
+          </p:cNvPr>
+          <p:cNvSpPr/>
+          <p:nvPr/>
+        </p:nvSpPr>
+        <p:spPr>
+          <a:xfrm>
+            <a:off x="2375490" y="1214301"/>
+            <a:ext cx="1468722" cy="567847"/>
           </a:xfrm>
           <a:prstGeom prst="rect">
             <a:avLst/>
@@ -7982,7 +8141,12 @@
             </a:schemeClr>
           </a:solidFill>
           <a:ln>
-            <a:noFill/>
+            <a:solidFill>
+              <a:schemeClr val="accent1">
+                <a:lumMod val="20000"/>
+                <a:lumOff val="80000"/>
+              </a:schemeClr>
+            </a:solidFill>
           </a:ln>
         </p:spPr>
         <p:style>
@@ -8006,16 +8170,20 @@
           <a:lstStyle/>
           <a:p>
             <a:pPr algn="ctr"/>
-            <a:endParaRPr lang="en-US"/>
-          </a:p>
-        </p:txBody>
-      </p:sp>
-      <p:sp>
-        <p:nvSpPr>
-          <p:cNvPr id="9" name="Rectangle 8">
-            <a:extLst>
-              <a:ext uri="{FF2B5EF4-FFF2-40B4-BE49-F238E27FC236}">
-                <a16:creationId xmlns:a16="http://schemas.microsoft.com/office/drawing/2014/main" id="{1757DC22-740F-82D7-A00D-42CF44D23CA6}"/>
+            <a:endParaRPr lang="en-US" sz="1400" dirty="0">
+              <a:solidFill>
+                <a:schemeClr val="tx1"/>
+              </a:solidFill>
+            </a:endParaRPr>
+          </a:p>
+        </p:txBody>
+      </p:sp>
+      <p:sp>
+        <p:nvSpPr>
+          <p:cNvPr id="6" name="Rectangle 5">
+            <a:extLst>
+              <a:ext uri="{FF2B5EF4-FFF2-40B4-BE49-F238E27FC236}">
+                <a16:creationId xmlns:a16="http://schemas.microsoft.com/office/drawing/2014/main" id="{35070845-5D0F-5ACA-9BCF-31CFC714FB7B}"/>
               </a:ext>
             </a:extLst>
           </p:cNvPr>
@@ -8024,115 +8192,8 @@
         </p:nvSpPr>
         <p:spPr>
           <a:xfrm>
-            <a:off x="4036873" y="1414401"/>
-            <a:ext cx="4225772" cy="488526"/>
-          </a:xfrm>
-          <a:prstGeom prst="rect">
-            <a:avLst/>
-          </a:prstGeom>
-          <a:solidFill>
-            <a:schemeClr val="accent4"/>
-          </a:solidFill>
-          <a:ln>
-            <a:noFill/>
-          </a:ln>
-        </p:spPr>
-        <p:style>
-          <a:lnRef idx="2">
-            <a:schemeClr val="accent1">
-              <a:shade val="15000"/>
-            </a:schemeClr>
-          </a:lnRef>
-          <a:fillRef idx="1">
-            <a:schemeClr val="accent1"/>
-          </a:fillRef>
-          <a:effectRef idx="0">
-            <a:schemeClr val="accent1"/>
-          </a:effectRef>
-          <a:fontRef idx="minor">
-            <a:schemeClr val="lt1"/>
-          </a:fontRef>
-        </p:style>
-        <p:txBody>
-          <a:bodyPr rtlCol="0" anchor="ctr"/>
-          <a:lstStyle/>
-          <a:p>
-            <a:pPr algn="ctr"/>
-            <a:endParaRPr lang="en-US"/>
-          </a:p>
-        </p:txBody>
-      </p:sp>
-      <p:sp>
-        <p:nvSpPr>
-          <p:cNvPr id="7" name="Rectangle 6">
-            <a:extLst>
-              <a:ext uri="{FF2B5EF4-FFF2-40B4-BE49-F238E27FC236}">
-                <a16:creationId xmlns:a16="http://schemas.microsoft.com/office/drawing/2014/main" id="{790F2CA3-19A2-C7F6-C82D-20112C0EFFC8}"/>
-              </a:ext>
-            </a:extLst>
-          </p:cNvPr>
-          <p:cNvSpPr/>
-          <p:nvPr/>
-        </p:nvSpPr>
-        <p:spPr>
-          <a:xfrm>
-            <a:off x="4036874" y="460052"/>
-            <a:ext cx="2177618" cy="954349"/>
-          </a:xfrm>
-          <a:prstGeom prst="rect">
-            <a:avLst/>
-          </a:prstGeom>
-          <a:solidFill>
-            <a:schemeClr val="accent1">
-              <a:lumMod val="40000"/>
-              <a:lumOff val="60000"/>
-            </a:schemeClr>
-          </a:solidFill>
-          <a:ln>
-            <a:noFill/>
-          </a:ln>
-        </p:spPr>
-        <p:style>
-          <a:lnRef idx="2">
-            <a:schemeClr val="accent1">
-              <a:shade val="15000"/>
-            </a:schemeClr>
-          </a:lnRef>
-          <a:fillRef idx="1">
-            <a:schemeClr val="accent1"/>
-          </a:fillRef>
-          <a:effectRef idx="0">
-            <a:schemeClr val="accent1"/>
-          </a:effectRef>
-          <a:fontRef idx="minor">
-            <a:schemeClr val="lt1"/>
-          </a:fontRef>
-        </p:style>
-        <p:txBody>
-          <a:bodyPr rtlCol="0" anchor="ctr"/>
-          <a:lstStyle/>
-          <a:p>
-            <a:pPr algn="ctr"/>
-            <a:endParaRPr lang="en-US"/>
-          </a:p>
-        </p:txBody>
-      </p:sp>
-      <p:sp>
-        <p:nvSpPr>
-          <p:cNvPr id="6" name="Rectangle 5">
-            <a:extLst>
-              <a:ext uri="{FF2B5EF4-FFF2-40B4-BE49-F238E27FC236}">
-                <a16:creationId xmlns:a16="http://schemas.microsoft.com/office/drawing/2014/main" id="{5D85A8FA-8E6E-79A7-59E0-7676B5C606A4}"/>
-              </a:ext>
-            </a:extLst>
-          </p:cNvPr>
-          <p:cNvSpPr/>
-          <p:nvPr/>
-        </p:nvSpPr>
-        <p:spPr>
-          <a:xfrm>
-            <a:off x="3823439" y="136525"/>
-            <a:ext cx="6436682" cy="6547028"/>
+            <a:off x="764651" y="956664"/>
+            <a:ext cx="3900652" cy="933062"/>
           </a:xfrm>
           <a:prstGeom prst="rect">
             <a:avLst/>
@@ -8168,11 +8229,199 @@
             </a:r>
             <a:r>
               <a:rPr lang="en-US" sz="1600" dirty="0" err="1"/>
-              <a:t>FunctionName</a:t>
+              <a:t>StateName</a:t>
             </a:r>
             <a:r>
               <a:rPr lang="en-US" sz="1600" dirty="0"/>
-              <a:t>(Function):</a:t>
+              <a:t>(State):</a:t>
+            </a:r>
+          </a:p>
+          <a:p>
+            <a:r>
+              <a:rPr lang="en-US" sz="1600" dirty="0"/>
+              <a:t>    varname1: float = 1.0</a:t>
+            </a:r>
+          </a:p>
+          <a:p>
+            <a:r>
+              <a:rPr lang="en-US" sz="1600" dirty="0"/>
+              <a:t>    varname2: str = “</a:t>
+            </a:r>
+            <a:r>
+              <a:rPr lang="en-US" sz="1600" dirty="0" err="1"/>
+              <a:t>default_value</a:t>
+            </a:r>
+            <a:r>
+              <a:rPr lang="en-US" sz="1600" dirty="0"/>
+              <a:t>”</a:t>
+            </a:r>
+          </a:p>
+        </p:txBody>
+      </p:sp>
+      <p:sp>
+        <p:nvSpPr>
+          <p:cNvPr id="7" name="Rectangle 6">
+            <a:extLst>
+              <a:ext uri="{FF2B5EF4-FFF2-40B4-BE49-F238E27FC236}">
+                <a16:creationId xmlns:a16="http://schemas.microsoft.com/office/drawing/2014/main" id="{E9D4A9F2-AB40-E7B4-93E6-86058C2BEB8C}"/>
+              </a:ext>
+            </a:extLst>
+          </p:cNvPr>
+          <p:cNvSpPr/>
+          <p:nvPr/>
+        </p:nvSpPr>
+        <p:spPr>
+          <a:xfrm>
+            <a:off x="5026521" y="884341"/>
+            <a:ext cx="5533509" cy="1287625"/>
+          </a:xfrm>
+          <a:prstGeom prst="rect">
+            <a:avLst/>
+          </a:prstGeom>
+          <a:noFill/>
+          <a:ln w="28575">
+            <a:solidFill>
+              <a:schemeClr val="accent1"/>
+            </a:solidFill>
+          </a:ln>
+        </p:spPr>
+        <p:style>
+          <a:lnRef idx="2">
+            <a:schemeClr val="dk1"/>
+          </a:lnRef>
+          <a:fillRef idx="1">
+            <a:schemeClr val="lt1"/>
+          </a:fillRef>
+          <a:effectRef idx="0">
+            <a:schemeClr val="dk1"/>
+          </a:effectRef>
+          <a:fontRef idx="minor">
+            <a:schemeClr val="dk1"/>
+          </a:fontRef>
+        </p:style>
+        <p:txBody>
+          <a:bodyPr rtlCol="0" anchor="t"/>
+          <a:lstStyle/>
+          <a:p>
+            <a:r>
+              <a:rPr lang="en-US" sz="1600" dirty="0"/>
+              <a:t>class </a:t>
+            </a:r>
+            <a:r>
+              <a:rPr lang="en-US" sz="1600" dirty="0" err="1"/>
+              <a:t>ParameterName</a:t>
+            </a:r>
+            <a:r>
+              <a:rPr lang="en-US" sz="1600" dirty="0"/>
+              <a:t>(Parameter):</a:t>
+            </a:r>
+          </a:p>
+          <a:p>
+            <a:r>
+              <a:rPr lang="en-US" sz="1600" dirty="0"/>
+              <a:t>    varname1: float = 1.0</a:t>
+            </a:r>
+          </a:p>
+          <a:p>
+            <a:r>
+              <a:rPr lang="en-US" sz="1600" dirty="0"/>
+              <a:t>    varname1_range = (0.0, 10.0)</a:t>
+            </a:r>
+          </a:p>
+          <a:p>
+            <a:r>
+              <a:rPr lang="en-US" sz="1600" dirty="0"/>
+              <a:t>    varname2 : str = “</a:t>
+            </a:r>
+            <a:r>
+              <a:rPr lang="en-US" sz="1600" dirty="0" err="1"/>
+              <a:t>default_value</a:t>
+            </a:r>
+            <a:r>
+              <a:rPr lang="en-US" sz="1600" dirty="0"/>
+              <a:t>”</a:t>
+            </a:r>
+          </a:p>
+          <a:p>
+            <a:r>
+              <a:rPr lang="en-US" sz="1600" dirty="0"/>
+              <a:t>    varname2_set = (“</a:t>
+            </a:r>
+            <a:r>
+              <a:rPr lang="en-US" sz="1600" dirty="0" err="1"/>
+              <a:t>default_value</a:t>
+            </a:r>
+            <a:r>
+              <a:rPr lang="en-US" sz="1600" dirty="0"/>
+              <a:t>”, “</a:t>
+            </a:r>
+            <a:r>
+              <a:rPr lang="en-US" sz="1600" dirty="0" err="1"/>
+              <a:t>other_possible_value</a:t>
+            </a:r>
+            <a:r>
+              <a:rPr lang="en-US" sz="1600" dirty="0"/>
+              <a:t>”)</a:t>
+            </a:r>
+          </a:p>
+        </p:txBody>
+      </p:sp>
+      <p:sp>
+        <p:nvSpPr>
+          <p:cNvPr id="8" name="Rectangle 7">
+            <a:extLst>
+              <a:ext uri="{FF2B5EF4-FFF2-40B4-BE49-F238E27FC236}">
+                <a16:creationId xmlns:a16="http://schemas.microsoft.com/office/drawing/2014/main" id="{994732F1-90B0-DA8E-3B66-8C9633111125}"/>
+              </a:ext>
+            </a:extLst>
+          </p:cNvPr>
+          <p:cNvSpPr/>
+          <p:nvPr/>
+        </p:nvSpPr>
+        <p:spPr>
+          <a:xfrm>
+            <a:off x="438079" y="4018053"/>
+            <a:ext cx="5533509" cy="1287625"/>
+          </a:xfrm>
+          <a:prstGeom prst="rect">
+            <a:avLst/>
+          </a:prstGeom>
+          <a:noFill/>
+          <a:ln w="28575">
+            <a:solidFill>
+              <a:schemeClr val="accent1"/>
+            </a:solidFill>
+          </a:ln>
+        </p:spPr>
+        <p:style>
+          <a:lnRef idx="2">
+            <a:schemeClr val="dk1"/>
+          </a:lnRef>
+          <a:fillRef idx="1">
+            <a:schemeClr val="lt1"/>
+          </a:fillRef>
+          <a:effectRef idx="0">
+            <a:schemeClr val="dk1"/>
+          </a:effectRef>
+          <a:fontRef idx="minor">
+            <a:schemeClr val="dk1"/>
+          </a:fontRef>
+        </p:style>
+        <p:txBody>
+          <a:bodyPr rtlCol="0" anchor="t"/>
+          <a:lstStyle/>
+          <a:p>
+            <a:r>
+              <a:rPr lang="en-US" sz="1600" dirty="0"/>
+              <a:t>class </a:t>
+            </a:r>
+            <a:r>
+              <a:rPr lang="en-US" sz="1600" dirty="0" err="1"/>
+              <a:t>ModeName</a:t>
+            </a:r>
+            <a:r>
+              <a:rPr lang="en-US" sz="1600" dirty="0"/>
+              <a:t>(Mode):</a:t>
             </a:r>
           </a:p>
           <a:p>
@@ -8182,17 +8431,18 @@
             </a:r>
             <a:r>
               <a:rPr lang="en-US" sz="1600" dirty="0" err="1"/>
-              <a:t>container_s</a:t>
+              <a:t>fm_args</a:t>
             </a:r>
             <a:r>
               <a:rPr lang="en-US" sz="1600" dirty="0"/>
-              <a:t> = </a:t>
-            </a:r>
-            <a:r>
-              <a:rPr lang="en-US" sz="1600" dirty="0" err="1"/>
-              <a:t>FunctionState</a:t>
-            </a:r>
-            <a:endParaRPr lang="en-US" sz="1600" dirty="0"/>
+              <a:t> = {‘fault_1’: (0.001, 200.0),</a:t>
+            </a:r>
+          </a:p>
+          <a:p>
+            <a:r>
+              <a:rPr lang="en-US" sz="1600" dirty="0"/>
+              <a:t>	    ‘fault_2’: 0.00001, 100.0, {‘on’: 1.0}}</a:t>
+            </a:r>
           </a:p>
           <a:p>
             <a:r>
@@ -8201,350 +8451,132 @@
             </a:r>
             <a:r>
               <a:rPr lang="en-US" sz="1600" dirty="0" err="1"/>
-              <a:t>container_m</a:t>
+              <a:t>opermodes</a:t>
             </a:r>
             <a:r>
               <a:rPr lang="en-US" sz="1600" dirty="0"/>
-              <a:t> = </a:t>
-            </a:r>
-            <a:r>
-              <a:rPr lang="en-US" sz="1600" dirty="0" err="1"/>
-              <a:t>FunctionMode</a:t>
-            </a:r>
-            <a:endParaRPr lang="en-US" sz="1600" dirty="0"/>
+              <a:t> = [“off”, “on”]</a:t>
+            </a:r>
           </a:p>
           <a:p>
             <a:r>
               <a:rPr lang="en-US" sz="1600" dirty="0"/>
-              <a:t>    </a:t>
-            </a:r>
-            <a:r>
-              <a:rPr lang="en-US" sz="1600" dirty="0" err="1"/>
-              <a:t>container_t</a:t>
-            </a:r>
-            <a:r>
-              <a:rPr lang="en-US" sz="1600" dirty="0"/>
-              <a:t> = </a:t>
-            </a:r>
-            <a:r>
-              <a:rPr lang="en-US" sz="1600" dirty="0" err="1"/>
-              <a:t>FunctionTime</a:t>
-            </a:r>
-            <a:endParaRPr lang="en-US" sz="1600" dirty="0"/>
-          </a:p>
-          <a:p>
-            <a:r>
-              <a:rPr lang="en-US" sz="1600" dirty="0"/>
-              <a:t>    …</a:t>
-            </a:r>
-          </a:p>
-          <a:p>
-            <a:r>
-              <a:rPr lang="en-US" sz="1600" dirty="0"/>
-              <a:t>    flow_flowname1 = FlowClass1</a:t>
-            </a:r>
-          </a:p>
-          <a:p>
-            <a:r>
-              <a:rPr lang="en-US" sz="1600" dirty="0"/>
-              <a:t>    </a:t>
-            </a:r>
-            <a:r>
-              <a:rPr lang="en-US" sz="1600" dirty="0" err="1"/>
-              <a:t>flownames</a:t>
-            </a:r>
-            <a:r>
-              <a:rPr lang="en-US" sz="1600" dirty="0"/>
-              <a:t> = {“outsideflowname”:”flowname1”}</a:t>
-            </a:r>
-          </a:p>
-          <a:p>
-            <a:r>
-              <a:rPr lang="en-US" sz="1600" dirty="0"/>
-              <a:t>    </a:t>
-            </a:r>
-            <a:r>
-              <a:rPr lang="en-US" sz="1600" dirty="0" err="1"/>
-              <a:t>default_sp</a:t>
-            </a:r>
-            <a:r>
-              <a:rPr lang="en-US" sz="1600" dirty="0"/>
-              <a:t> = {‘</a:t>
-            </a:r>
-            <a:r>
-              <a:rPr lang="en-US" sz="1600" dirty="0" err="1"/>
-              <a:t>end_time</a:t>
-            </a:r>
-            <a:r>
-              <a:rPr lang="en-US" sz="1600" dirty="0"/>
-              <a:t>’: </a:t>
-            </a:r>
-            <a:r>
-              <a:rPr lang="en-US" sz="1600" dirty="0">
-                <a:sym typeface="Wingdings" panose="05000000000000000000" pitchFamily="2" charset="2"/>
-              </a:rPr>
-              <a:t>100</a:t>
-            </a:r>
-            <a:r>
-              <a:rPr lang="en-US" sz="1600" dirty="0"/>
-              <a:t>}</a:t>
-            </a:r>
-          </a:p>
-          <a:p>
-            <a:r>
-              <a:rPr lang="en-US" sz="1600" dirty="0"/>
-              <a:t>    </a:t>
-            </a:r>
-            <a:r>
-              <a:rPr lang="en-US" sz="1600" dirty="0" err="1"/>
-              <a:t>default_track</a:t>
-            </a:r>
-            <a:r>
-              <a:rPr lang="en-US" sz="1600" dirty="0"/>
-              <a:t> = [‘</a:t>
-            </a:r>
-            <a:r>
-              <a:rPr lang="en-US" sz="1600" dirty="0" err="1"/>
-              <a:t>s’,’m</a:t>
-            </a:r>
-            <a:r>
-              <a:rPr lang="en-US" sz="1600" dirty="0"/>
-              <a:t>’]</a:t>
-            </a:r>
-          </a:p>
-          <a:p>
-            <a:r>
-              <a:rPr lang="en-US" sz="1600" dirty="0"/>
-              <a:t>    def </a:t>
-            </a:r>
-            <a:r>
-              <a:rPr lang="en-US" sz="1600" dirty="0" err="1"/>
-              <a:t>init_block</a:t>
-            </a:r>
-            <a:r>
-              <a:rPr lang="en-US" sz="1600" dirty="0"/>
-              <a:t>(self, **</a:t>
-            </a:r>
-            <a:r>
-              <a:rPr lang="en-US" sz="1600" dirty="0" err="1"/>
-              <a:t>kwargs</a:t>
-            </a:r>
-            <a:r>
-              <a:rPr lang="en-US" sz="1600" dirty="0"/>
-              <a:t>):</a:t>
-            </a:r>
-          </a:p>
-          <a:p>
-            <a:r>
-              <a:rPr lang="en-US" sz="1600" dirty="0"/>
-              <a:t>        &lt;e.g., </a:t>
-            </a:r>
-            <a:r>
-              <a:rPr lang="en-US" sz="1600" dirty="0" err="1"/>
-              <a:t>self.s.x</a:t>
-            </a:r>
-            <a:r>
-              <a:rPr lang="en-US" sz="1600" dirty="0"/>
-              <a:t> = 2.0&gt;</a:t>
-            </a:r>
-          </a:p>
-          <a:p>
-            <a:r>
-              <a:rPr lang="en-US" sz="1600" dirty="0"/>
-              <a:t>   def </a:t>
-            </a:r>
-            <a:r>
-              <a:rPr lang="en-US" sz="1600" dirty="0" err="1"/>
-              <a:t>static_behavior</a:t>
-            </a:r>
-            <a:r>
-              <a:rPr lang="en-US" sz="1600" dirty="0"/>
-              <a:t>(self, time):</a:t>
-            </a:r>
-          </a:p>
-          <a:p>
-            <a:r>
-              <a:rPr lang="en-US" sz="1600" dirty="0"/>
-              <a:t>        </a:t>
-            </a:r>
-            <a:r>
-              <a:rPr lang="en-US" sz="1600" dirty="0">
-                <a:highlight>
-                  <a:srgbClr val="00FFFF"/>
-                </a:highlight>
-              </a:rPr>
-              <a:t>Runs only in static propagation steps</a:t>
-            </a:r>
-          </a:p>
-          <a:p>
-            <a:r>
-              <a:rPr lang="en-US" sz="1600" dirty="0"/>
-              <a:t>    def </a:t>
-            </a:r>
-            <a:r>
-              <a:rPr lang="en-US" sz="1600" dirty="0" err="1"/>
-              <a:t>dynamic_behavior</a:t>
-            </a:r>
-            <a:r>
-              <a:rPr lang="en-US" sz="1600" dirty="0"/>
-              <a:t>(self, time):</a:t>
-            </a:r>
-          </a:p>
-          <a:p>
-            <a:r>
-              <a:rPr lang="en-US" sz="1600" dirty="0"/>
-              <a:t>        </a:t>
-            </a:r>
-            <a:r>
-              <a:rPr lang="en-US" sz="1600" dirty="0">
-                <a:highlight>
-                  <a:srgbClr val="00FFFF"/>
-                </a:highlight>
-              </a:rPr>
-              <a:t>Runs only in dynamic propagation steps</a:t>
-            </a:r>
-          </a:p>
-          <a:p>
-            <a:r>
-              <a:rPr lang="en-US" sz="1600" dirty="0"/>
-              <a:t>     def behavior(self, time):</a:t>
-            </a:r>
-          </a:p>
-          <a:p>
-            <a:r>
-              <a:rPr lang="en-US" sz="1600" dirty="0"/>
-              <a:t>        </a:t>
-            </a:r>
-            <a:r>
-              <a:rPr lang="en-US" sz="1600" dirty="0">
-                <a:highlight>
-                  <a:srgbClr val="00FFFF"/>
-                </a:highlight>
-              </a:rPr>
-              <a:t>Runs in static propagation step (same as </a:t>
-            </a:r>
-            <a:r>
-              <a:rPr lang="en-US" sz="1600" dirty="0" err="1">
-                <a:highlight>
-                  <a:srgbClr val="00FFFF"/>
-                </a:highlight>
-              </a:rPr>
-              <a:t>static_behavior</a:t>
-            </a:r>
-            <a:r>
-              <a:rPr lang="en-US" sz="1600" dirty="0">
-                <a:highlight>
-                  <a:srgbClr val="00FFFF"/>
-                </a:highlight>
-              </a:rPr>
-              <a:t>)</a:t>
-            </a:r>
-            <a:endParaRPr lang="en-US" sz="1600" dirty="0"/>
-          </a:p>
-          <a:p>
-            <a:r>
-              <a:rPr lang="en-US" sz="1600" dirty="0"/>
-              <a:t>    def </a:t>
-            </a:r>
-            <a:r>
-              <a:rPr lang="en-US" sz="1600" dirty="0" err="1"/>
-              <a:t>condfaults</a:t>
-            </a:r>
-            <a:r>
-              <a:rPr lang="en-US" sz="1600" dirty="0"/>
-              <a:t>(self, time):</a:t>
-            </a:r>
-          </a:p>
-          <a:p>
-            <a:r>
-              <a:rPr lang="en-US" sz="1600" dirty="0"/>
-              <a:t>        </a:t>
-            </a:r>
-            <a:r>
-              <a:rPr lang="en-US" sz="1600" dirty="0">
-                <a:highlight>
-                  <a:srgbClr val="00FFFF"/>
-                </a:highlight>
-              </a:rPr>
-              <a:t>Runs in both static and dynamic propagation steps prior to behaviors and internal fault propagation (to components  and actions)</a:t>
-            </a:r>
-          </a:p>
-          <a:p>
-            <a:r>
-              <a:rPr lang="en-US" sz="1600" dirty="0"/>
-              <a:t>    def </a:t>
-            </a:r>
-            <a:r>
-              <a:rPr lang="en-US" sz="1600" dirty="0" err="1"/>
-              <a:t>indicate_XXX</a:t>
-            </a:r>
-            <a:r>
-              <a:rPr lang="en-US" sz="1600" dirty="0"/>
-              <a:t>(self, time):</a:t>
-            </a:r>
-          </a:p>
-          <a:p>
-            <a:r>
-              <a:rPr lang="en-US" sz="1600" dirty="0"/>
-              <a:t>        </a:t>
-            </a:r>
-            <a:r>
-              <a:rPr lang="en-US" sz="1600" dirty="0">
-                <a:highlight>
-                  <a:srgbClr val="00FF00"/>
-                </a:highlight>
-              </a:rPr>
-              <a:t>Conditional statement (e.g., </a:t>
-            </a:r>
-            <a:r>
-              <a:rPr lang="en-US" sz="1600" dirty="0" err="1">
-                <a:highlight>
-                  <a:srgbClr val="00FF00"/>
-                </a:highlight>
-              </a:rPr>
-              <a:t>self.s.state</a:t>
-            </a:r>
-            <a:r>
-              <a:rPr lang="en-US" sz="1600" dirty="0">
-                <a:highlight>
-                  <a:srgbClr val="00FF00"/>
-                </a:highlight>
-              </a:rPr>
-              <a:t>&gt;threshold) which is logged in the history and may be used to terminate simulations</a:t>
-            </a:r>
-          </a:p>
-          <a:p>
-            <a:r>
-              <a:rPr lang="en-US" sz="1600" dirty="0"/>
-              <a:t>    def </a:t>
-            </a:r>
-            <a:r>
-              <a:rPr lang="en-US" sz="1600" dirty="0" err="1"/>
-              <a:t>find_classification</a:t>
-            </a:r>
-            <a:r>
-              <a:rPr lang="en-US" sz="1600" dirty="0"/>
-              <a:t>(self, time):</a:t>
-            </a:r>
-          </a:p>
-          <a:p>
-            <a:r>
-              <a:rPr lang="en-US" sz="1600" dirty="0">
-                <a:highlight>
-                  <a:srgbClr val="E997E9"/>
-                </a:highlight>
-              </a:rPr>
-              <a:t>        Returns a Result dictionary (calculated at completion)</a:t>
-            </a:r>
-          </a:p>
-        </p:txBody>
-      </p:sp>
-      <p:sp>
-        <p:nvSpPr>
-          <p:cNvPr id="10" name="Rectangle 9">
-            <a:extLst>
-              <a:ext uri="{FF2B5EF4-FFF2-40B4-BE49-F238E27FC236}">
-                <a16:creationId xmlns:a16="http://schemas.microsoft.com/office/drawing/2014/main" id="{FF99E59A-7941-6350-EE6B-CB334F86800C}"/>
+              <a:t>    mode: str = “off”</a:t>
+            </a:r>
+          </a:p>
+        </p:txBody>
+      </p:sp>
+      <p:sp>
+        <p:nvSpPr>
+          <p:cNvPr id="9" name="TextBox 8">
+            <a:extLst>
+              <a:ext uri="{FF2B5EF4-FFF2-40B4-BE49-F238E27FC236}">
+                <a16:creationId xmlns:a16="http://schemas.microsoft.com/office/drawing/2014/main" id="{17365AE3-4F9A-EDD0-019A-5A7994D97D75}"/>
+              </a:ext>
+            </a:extLst>
+          </p:cNvPr>
+          <p:cNvSpPr txBox="1"/>
+          <p:nvPr/>
+        </p:nvSpPr>
+        <p:spPr>
+          <a:xfrm>
+            <a:off x="289055" y="225584"/>
+            <a:ext cx="4618653" cy="646331"/>
+          </a:xfrm>
+          <a:prstGeom prst="rect">
+            <a:avLst/>
+          </a:prstGeom>
+          <a:noFill/>
+        </p:spPr>
+        <p:txBody>
+          <a:bodyPr wrap="square" rtlCol="0">
+            <a:spAutoFit/>
+          </a:bodyPr>
+          <a:lstStyle/>
+          <a:p>
+            <a:r>
+              <a:rPr lang="en-US" b="1" dirty="0"/>
+              <a:t>State classes are used to represent variables (called fields) that change over time </a:t>
+            </a:r>
+          </a:p>
+        </p:txBody>
+      </p:sp>
+      <p:sp>
+        <p:nvSpPr>
+          <p:cNvPr id="10" name="TextBox 9">
+            <a:extLst>
+              <a:ext uri="{FF2B5EF4-FFF2-40B4-BE49-F238E27FC236}">
+                <a16:creationId xmlns:a16="http://schemas.microsoft.com/office/drawing/2014/main" id="{AE74FEB2-B158-D527-32D3-6F942715F958}"/>
+              </a:ext>
+            </a:extLst>
+          </p:cNvPr>
+          <p:cNvSpPr txBox="1"/>
+          <p:nvPr/>
+        </p:nvSpPr>
+        <p:spPr>
+          <a:xfrm>
+            <a:off x="5283555" y="95362"/>
+            <a:ext cx="5418657" cy="646331"/>
+          </a:xfrm>
+          <a:prstGeom prst="rect">
+            <a:avLst/>
+          </a:prstGeom>
+          <a:noFill/>
+        </p:spPr>
+        <p:txBody>
+          <a:bodyPr wrap="square" rtlCol="0">
+            <a:spAutoFit/>
+          </a:bodyPr>
+          <a:lstStyle/>
+          <a:p>
+            <a:r>
+              <a:rPr lang="en-US" b="1" dirty="0"/>
+              <a:t>Parameter classes are used to represent variables that don’t change over time, with similar syntax to States </a:t>
+            </a:r>
+          </a:p>
+        </p:txBody>
+      </p:sp>
+      <p:sp>
+        <p:nvSpPr>
+          <p:cNvPr id="11" name="TextBox 10">
+            <a:extLst>
+              <a:ext uri="{FF2B5EF4-FFF2-40B4-BE49-F238E27FC236}">
+                <a16:creationId xmlns:a16="http://schemas.microsoft.com/office/drawing/2014/main" id="{F69ECC82-9084-E2C6-CAF2-AA2E726052B8}"/>
+              </a:ext>
+            </a:extLst>
+          </p:cNvPr>
+          <p:cNvSpPr txBox="1"/>
+          <p:nvPr/>
+        </p:nvSpPr>
+        <p:spPr>
+          <a:xfrm>
+            <a:off x="344774" y="3219160"/>
+            <a:ext cx="5856980" cy="646331"/>
+          </a:xfrm>
+          <a:prstGeom prst="rect">
+            <a:avLst/>
+          </a:prstGeom>
+          <a:noFill/>
+        </p:spPr>
+        <p:txBody>
+          <a:bodyPr wrap="square" rtlCol="0">
+            <a:spAutoFit/>
+          </a:bodyPr>
+          <a:lstStyle/>
+          <a:p>
+            <a:r>
+              <a:rPr lang="en-US" b="1" dirty="0"/>
+              <a:t>Mode classes are used to represent modes (faults and operational modes) that could occur in the system</a:t>
+            </a:r>
+          </a:p>
+        </p:txBody>
+      </p:sp>
+      <p:sp>
+        <p:nvSpPr>
+          <p:cNvPr id="12" name="Rectangle 11">
+            <a:extLst>
+              <a:ext uri="{FF2B5EF4-FFF2-40B4-BE49-F238E27FC236}">
+                <a16:creationId xmlns:a16="http://schemas.microsoft.com/office/drawing/2014/main" id="{32857048-6292-CD42-0F46-CBCFA871371E}"/>
               </a:ext>
             </a:extLst>
           </p:cNvPr>
@@ -8553,753 +8585,8 @@
         </p:nvSpPr>
         <p:spPr>
           <a:xfrm>
-            <a:off x="151599" y="2003056"/>
-            <a:ext cx="3328941" cy="1410896"/>
-          </a:xfrm>
-          <a:prstGeom prst="rect">
-            <a:avLst/>
-          </a:prstGeom>
-          <a:solidFill>
-            <a:schemeClr val="accent2">
-              <a:lumMod val="40000"/>
-              <a:lumOff val="60000"/>
-            </a:schemeClr>
-          </a:solidFill>
-          <a:ln>
-            <a:noFill/>
-          </a:ln>
-        </p:spPr>
-        <p:style>
-          <a:lnRef idx="2">
-            <a:schemeClr val="accent1">
-              <a:shade val="15000"/>
-            </a:schemeClr>
-          </a:lnRef>
-          <a:fillRef idx="1">
-            <a:schemeClr val="accent1"/>
-          </a:fillRef>
-          <a:effectRef idx="0">
-            <a:schemeClr val="accent1"/>
-          </a:effectRef>
-          <a:fontRef idx="minor">
-            <a:schemeClr val="lt1"/>
-          </a:fontRef>
-        </p:style>
-        <p:txBody>
-          <a:bodyPr rtlCol="0" anchor="ctr"/>
-          <a:lstStyle/>
-          <a:p>
-            <a:pPr algn="ctr"/>
-            <a:r>
-              <a:rPr lang="en-US" sz="1400" dirty="0">
-                <a:solidFill>
-                  <a:schemeClr val="tx1"/>
-                </a:solidFill>
-              </a:rPr>
-              <a:t>Specifies </a:t>
-            </a:r>
-            <a:r>
-              <a:rPr lang="en-US" sz="1400" b="1" dirty="0">
-                <a:solidFill>
-                  <a:schemeClr val="tx1"/>
-                </a:solidFill>
-              </a:rPr>
-              <a:t>what should be tracked</a:t>
-            </a:r>
-            <a:r>
-              <a:rPr lang="en-US" sz="1400" dirty="0">
-                <a:solidFill>
-                  <a:schemeClr val="tx1"/>
-                </a:solidFill>
-              </a:rPr>
-              <a:t> in the </a:t>
-            </a:r>
-            <a:r>
-              <a:rPr lang="en-US" sz="1400" dirty="0" err="1">
-                <a:solidFill>
-                  <a:schemeClr val="tx1"/>
-                </a:solidFill>
-              </a:rPr>
-              <a:t>FxnBlock</a:t>
-            </a:r>
-            <a:r>
-              <a:rPr lang="en-US" sz="1400" dirty="0">
-                <a:solidFill>
-                  <a:schemeClr val="tx1"/>
-                </a:solidFill>
-              </a:rPr>
-              <a:t> history (</a:t>
-            </a:r>
-            <a:r>
-              <a:rPr lang="en-US" sz="1400" dirty="0" err="1">
-                <a:solidFill>
-                  <a:schemeClr val="tx1"/>
-                </a:solidFill>
-              </a:rPr>
-              <a:t>fxnname.h</a:t>
-            </a:r>
-            <a:r>
-              <a:rPr lang="en-US" sz="1400" dirty="0">
-                <a:solidFill>
-                  <a:schemeClr val="tx1"/>
-                </a:solidFill>
-              </a:rPr>
-              <a:t>) by default. May be a </a:t>
-            </a:r>
-            <a:r>
-              <a:rPr lang="en-US" sz="1400" dirty="0" err="1">
-                <a:solidFill>
-                  <a:schemeClr val="tx1"/>
-                </a:solidFill>
-              </a:rPr>
-              <a:t>dict</a:t>
-            </a:r>
-            <a:r>
-              <a:rPr lang="en-US" sz="1400" dirty="0">
-                <a:solidFill>
-                  <a:schemeClr val="tx1"/>
-                </a:solidFill>
-              </a:rPr>
-              <a:t> ({</a:t>
-            </a:r>
-            <a:r>
-              <a:rPr lang="en-US" sz="1400" dirty="0" err="1">
-                <a:solidFill>
-                  <a:schemeClr val="tx1"/>
-                </a:solidFill>
-              </a:rPr>
-              <a:t>role:value</a:t>
-            </a:r>
-            <a:r>
-              <a:rPr lang="en-US" sz="1400" dirty="0">
-                <a:solidFill>
-                  <a:schemeClr val="tx1"/>
-                </a:solidFill>
-              </a:rPr>
-              <a:t>}), list ([role1, role2]), or string (“</a:t>
-            </a:r>
-            <a:r>
-              <a:rPr lang="en-US" sz="1400" dirty="0" err="1">
-                <a:solidFill>
-                  <a:schemeClr val="tx1"/>
-                </a:solidFill>
-              </a:rPr>
-              <a:t>all”,”none</a:t>
-            </a:r>
-            <a:r>
-              <a:rPr lang="en-US" sz="1400" dirty="0">
-                <a:solidFill>
-                  <a:schemeClr val="tx1"/>
-                </a:solidFill>
-              </a:rPr>
-              <a:t>”, </a:t>
-            </a:r>
-            <a:r>
-              <a:rPr lang="en-US" sz="1400" dirty="0" err="1">
-                <a:solidFill>
-                  <a:schemeClr val="tx1"/>
-                </a:solidFill>
-              </a:rPr>
-              <a:t>etc</a:t>
-            </a:r>
-            <a:r>
-              <a:rPr lang="en-US" sz="1400" dirty="0">
-                <a:solidFill>
-                  <a:schemeClr val="tx1"/>
-                </a:solidFill>
-              </a:rPr>
-              <a:t>). Overwritten by the track option in propagate. </a:t>
-            </a:r>
-          </a:p>
-        </p:txBody>
-      </p:sp>
-      <p:sp>
-        <p:nvSpPr>
-          <p:cNvPr id="11" name="Rectangle 10">
-            <a:extLst>
-              <a:ext uri="{FF2B5EF4-FFF2-40B4-BE49-F238E27FC236}">
-                <a16:creationId xmlns:a16="http://schemas.microsoft.com/office/drawing/2014/main" id="{1EF27A4B-E6D1-E3FB-020B-333E46CFE23E}"/>
-              </a:ext>
-            </a:extLst>
-          </p:cNvPr>
-          <p:cNvSpPr/>
-          <p:nvPr/>
-        </p:nvSpPr>
-        <p:spPr>
-          <a:xfrm>
-            <a:off x="257946" y="253687"/>
-            <a:ext cx="3222594" cy="1597751"/>
-          </a:xfrm>
-          <a:prstGeom prst="rect">
-            <a:avLst/>
-          </a:prstGeom>
-          <a:solidFill>
-            <a:schemeClr val="accent4"/>
-          </a:solidFill>
-          <a:ln>
-            <a:noFill/>
-          </a:ln>
-        </p:spPr>
-        <p:style>
-          <a:lnRef idx="2">
-            <a:schemeClr val="accent1">
-              <a:shade val="15000"/>
-            </a:schemeClr>
-          </a:lnRef>
-          <a:fillRef idx="1">
-            <a:schemeClr val="accent1"/>
-          </a:fillRef>
-          <a:effectRef idx="0">
-            <a:schemeClr val="accent1"/>
-          </a:effectRef>
-          <a:fontRef idx="minor">
-            <a:schemeClr val="lt1"/>
-          </a:fontRef>
-        </p:style>
-        <p:txBody>
-          <a:bodyPr rtlCol="0" anchor="ctr"/>
-          <a:lstStyle/>
-          <a:p>
-            <a:pPr algn="ctr"/>
-            <a:r>
-              <a:rPr lang="en-US" sz="1400" dirty="0">
-                <a:solidFill>
-                  <a:schemeClr val="tx1"/>
-                </a:solidFill>
-              </a:rPr>
-              <a:t>If not one of the given roles (s, m, t, etc.), _</a:t>
-            </a:r>
-            <a:r>
-              <a:rPr lang="en-US" sz="1400" dirty="0" err="1">
-                <a:solidFill>
-                  <a:schemeClr val="tx1"/>
-                </a:solidFill>
-              </a:rPr>
-              <a:t>init_XXX</a:t>
-            </a:r>
-            <a:r>
-              <a:rPr lang="en-US" sz="1400" dirty="0">
-                <a:solidFill>
-                  <a:schemeClr val="tx1"/>
-                </a:solidFill>
-              </a:rPr>
-              <a:t> is assumed to correspond to a </a:t>
-            </a:r>
-            <a:r>
-              <a:rPr lang="en-US" sz="1400" b="1" dirty="0">
-                <a:solidFill>
-                  <a:schemeClr val="tx1"/>
-                </a:solidFill>
-              </a:rPr>
-              <a:t>flow </a:t>
-            </a:r>
-            <a:r>
-              <a:rPr lang="en-US" sz="1400" dirty="0">
-                <a:solidFill>
-                  <a:schemeClr val="tx1"/>
-                </a:solidFill>
-              </a:rPr>
-              <a:t>named XXX which the </a:t>
-            </a:r>
-            <a:r>
-              <a:rPr lang="en-US" sz="1400" dirty="0" err="1">
-                <a:solidFill>
-                  <a:schemeClr val="tx1"/>
-                </a:solidFill>
-              </a:rPr>
-              <a:t>FxnBlock</a:t>
-            </a:r>
-            <a:r>
-              <a:rPr lang="en-US" sz="1400" dirty="0">
-                <a:solidFill>
-                  <a:schemeClr val="tx1"/>
-                </a:solidFill>
-              </a:rPr>
-              <a:t> will contain. If the flow(s) has a different name outside the function (optional), </a:t>
-            </a:r>
-            <a:r>
-              <a:rPr lang="en-US" sz="1400" dirty="0" err="1">
-                <a:solidFill>
-                  <a:schemeClr val="tx1"/>
-                </a:solidFill>
-              </a:rPr>
-              <a:t>flownames</a:t>
-            </a:r>
-            <a:r>
-              <a:rPr lang="en-US" sz="1400" dirty="0">
-                <a:solidFill>
-                  <a:schemeClr val="tx1"/>
-                </a:solidFill>
-              </a:rPr>
-              <a:t> matches the external name to the internal name</a:t>
-            </a:r>
-          </a:p>
-        </p:txBody>
-      </p:sp>
-      <p:sp>
-        <p:nvSpPr>
-          <p:cNvPr id="14" name="Rectangle 13">
-            <a:extLst>
-              <a:ext uri="{FF2B5EF4-FFF2-40B4-BE49-F238E27FC236}">
-                <a16:creationId xmlns:a16="http://schemas.microsoft.com/office/drawing/2014/main" id="{0D391646-A2EB-6DB7-673E-EBCE48A81170}"/>
-              </a:ext>
-            </a:extLst>
-          </p:cNvPr>
-          <p:cNvSpPr/>
-          <p:nvPr/>
-        </p:nvSpPr>
-        <p:spPr>
-          <a:xfrm>
-            <a:off x="7269642" y="431937"/>
-            <a:ext cx="4602318" cy="954350"/>
-          </a:xfrm>
-          <a:prstGeom prst="rect">
-            <a:avLst/>
-          </a:prstGeom>
-          <a:solidFill>
-            <a:schemeClr val="accent1">
-              <a:lumMod val="40000"/>
-              <a:lumOff val="60000"/>
-            </a:schemeClr>
-          </a:solidFill>
-          <a:ln>
-            <a:noFill/>
-          </a:ln>
-        </p:spPr>
-        <p:style>
-          <a:lnRef idx="2">
-            <a:schemeClr val="accent1">
-              <a:shade val="15000"/>
-            </a:schemeClr>
-          </a:lnRef>
-          <a:fillRef idx="1">
-            <a:schemeClr val="accent1"/>
-          </a:fillRef>
-          <a:effectRef idx="0">
-            <a:schemeClr val="accent1"/>
-          </a:effectRef>
-          <a:fontRef idx="minor">
-            <a:schemeClr val="lt1"/>
-          </a:fontRef>
-        </p:style>
-        <p:txBody>
-          <a:bodyPr rtlCol="0" anchor="ctr"/>
-          <a:lstStyle/>
-          <a:p>
-            <a:pPr algn="ctr"/>
-            <a:r>
-              <a:rPr lang="en-US" sz="1400" dirty="0">
-                <a:solidFill>
-                  <a:schemeClr val="tx1"/>
-                </a:solidFill>
-              </a:rPr>
-              <a:t>Specifies which classes play specific </a:t>
-            </a:r>
-            <a:r>
-              <a:rPr lang="en-US" sz="1400" dirty="0" err="1">
-                <a:solidFill>
-                  <a:schemeClr val="tx1"/>
-                </a:solidFill>
-              </a:rPr>
-              <a:t>FxnBlock</a:t>
-            </a:r>
-            <a:r>
-              <a:rPr lang="en-US" sz="1400" dirty="0">
-                <a:solidFill>
-                  <a:schemeClr val="tx1"/>
-                </a:solidFill>
-              </a:rPr>
-              <a:t> </a:t>
-            </a:r>
-            <a:r>
-              <a:rPr lang="en-US" sz="1400" b="1" dirty="0">
-                <a:solidFill>
-                  <a:schemeClr val="tx1"/>
-                </a:solidFill>
-              </a:rPr>
-              <a:t>roles </a:t>
-            </a:r>
-            <a:r>
-              <a:rPr lang="en-US" sz="1400" dirty="0">
-                <a:solidFill>
-                  <a:schemeClr val="tx1"/>
-                </a:solidFill>
-              </a:rPr>
-              <a:t>(e.g., s corresponds to the state role, m corresponds to the mode role, </a:t>
-            </a:r>
-            <a:r>
-              <a:rPr lang="en-US" sz="1400" dirty="0" err="1">
-                <a:solidFill>
-                  <a:schemeClr val="tx1"/>
-                </a:solidFill>
-              </a:rPr>
-              <a:t>etc</a:t>
-            </a:r>
-            <a:r>
-              <a:rPr lang="en-US" sz="1400" dirty="0">
-                <a:solidFill>
-                  <a:schemeClr val="tx1"/>
-                </a:solidFill>
-              </a:rPr>
-              <a:t>)</a:t>
-            </a:r>
-          </a:p>
-        </p:txBody>
-      </p:sp>
-      <p:sp>
-        <p:nvSpPr>
-          <p:cNvPr id="15" name="Rectangle 14">
-            <a:extLst>
-              <a:ext uri="{FF2B5EF4-FFF2-40B4-BE49-F238E27FC236}">
-                <a16:creationId xmlns:a16="http://schemas.microsoft.com/office/drawing/2014/main" id="{1F890D35-88DD-C827-1F33-F89FED5D13D0}"/>
-              </a:ext>
-            </a:extLst>
-          </p:cNvPr>
-          <p:cNvSpPr/>
-          <p:nvPr/>
-        </p:nvSpPr>
-        <p:spPr>
-          <a:xfrm>
-            <a:off x="8240869" y="2313204"/>
-            <a:ext cx="3639846" cy="867598"/>
-          </a:xfrm>
-          <a:prstGeom prst="rect">
-            <a:avLst/>
-          </a:prstGeom>
-          <a:solidFill>
-            <a:schemeClr val="bg2">
-              <a:lumMod val="90000"/>
-            </a:schemeClr>
-          </a:solidFill>
-          <a:ln>
-            <a:noFill/>
-          </a:ln>
-        </p:spPr>
-        <p:style>
-          <a:lnRef idx="2">
-            <a:schemeClr val="accent1">
-              <a:shade val="15000"/>
-            </a:schemeClr>
-          </a:lnRef>
-          <a:fillRef idx="1">
-            <a:schemeClr val="accent1"/>
-          </a:fillRef>
-          <a:effectRef idx="0">
-            <a:schemeClr val="accent1"/>
-          </a:effectRef>
-          <a:fontRef idx="minor">
-            <a:schemeClr val="lt1"/>
-          </a:fontRef>
-        </p:style>
-        <p:txBody>
-          <a:bodyPr rtlCol="0" anchor="ctr"/>
-          <a:lstStyle/>
-          <a:p>
-            <a:pPr algn="ctr"/>
-            <a:r>
-              <a:rPr lang="en-US" sz="1400" b="1" dirty="0">
-                <a:solidFill>
-                  <a:schemeClr val="tx1"/>
-                </a:solidFill>
-              </a:rPr>
-              <a:t>Optional</a:t>
-            </a:r>
-            <a:r>
-              <a:rPr lang="en-US" sz="1400" dirty="0">
-                <a:solidFill>
-                  <a:schemeClr val="tx1"/>
-                </a:solidFill>
-              </a:rPr>
-              <a:t> method to call to set up </a:t>
-            </a:r>
-            <a:r>
-              <a:rPr lang="en-US" sz="1400" dirty="0" err="1">
-                <a:solidFill>
-                  <a:schemeClr val="tx1"/>
-                </a:solidFill>
-              </a:rPr>
-              <a:t>FxnBlock</a:t>
-            </a:r>
-            <a:r>
-              <a:rPr lang="en-US" sz="1400" dirty="0">
-                <a:solidFill>
-                  <a:schemeClr val="tx1"/>
-                </a:solidFill>
-              </a:rPr>
-              <a:t> in ways not already defined by role </a:t>
-            </a:r>
-            <a:r>
-              <a:rPr lang="en-US" sz="1400" dirty="0" err="1">
-                <a:solidFill>
-                  <a:schemeClr val="tx1"/>
-                </a:solidFill>
-              </a:rPr>
-              <a:t>initalization</a:t>
-            </a:r>
-            <a:r>
-              <a:rPr lang="en-US" sz="1400" dirty="0">
-                <a:solidFill>
-                  <a:schemeClr val="tx1"/>
-                </a:solidFill>
-              </a:rPr>
-              <a:t> (e.g., attaching local </a:t>
-            </a:r>
-            <a:r>
-              <a:rPr lang="en-US" sz="1400" dirty="0" err="1">
-                <a:solidFill>
-                  <a:schemeClr val="tx1"/>
-                </a:solidFill>
-              </a:rPr>
-              <a:t>MultiFlows</a:t>
-            </a:r>
-            <a:r>
-              <a:rPr lang="en-US" sz="1400" dirty="0">
-                <a:solidFill>
-                  <a:schemeClr val="tx1"/>
-                </a:solidFill>
-              </a:rPr>
-              <a:t> or setting initial values for States from Parameter)</a:t>
-            </a:r>
-          </a:p>
-        </p:txBody>
-      </p:sp>
-      <p:cxnSp>
-        <p:nvCxnSpPr>
-          <p:cNvPr id="18" name="Straight Arrow Connector 17">
-            <a:extLst>
-              <a:ext uri="{FF2B5EF4-FFF2-40B4-BE49-F238E27FC236}">
-                <a16:creationId xmlns:a16="http://schemas.microsoft.com/office/drawing/2014/main" id="{C412D98A-A8CB-E5EE-CD28-4B2D28CA3DD0}"/>
-              </a:ext>
-            </a:extLst>
-          </p:cNvPr>
-          <p:cNvCxnSpPr>
-            <a:cxnSpLocks/>
-          </p:cNvCxnSpPr>
-          <p:nvPr/>
-        </p:nvCxnSpPr>
-        <p:spPr>
-          <a:xfrm flipH="1">
-            <a:off x="6146800" y="909112"/>
-            <a:ext cx="1122842" cy="0"/>
-          </a:xfrm>
-          <a:prstGeom prst="straightConnector1">
-            <a:avLst/>
-          </a:prstGeom>
-          <a:ln w="38100">
-            <a:tailEnd type="triangle"/>
-          </a:ln>
-        </p:spPr>
-        <p:style>
-          <a:lnRef idx="1">
-            <a:schemeClr val="accent1"/>
-          </a:lnRef>
-          <a:fillRef idx="0">
-            <a:schemeClr val="accent1"/>
-          </a:fillRef>
-          <a:effectRef idx="0">
-            <a:schemeClr val="accent1"/>
-          </a:effectRef>
-          <a:fontRef idx="minor">
-            <a:schemeClr val="tx1"/>
-          </a:fontRef>
-        </p:style>
-      </p:cxnSp>
-      <p:cxnSp>
-        <p:nvCxnSpPr>
-          <p:cNvPr id="21" name="Straight Arrow Connector 20">
-            <a:extLst>
-              <a:ext uri="{FF2B5EF4-FFF2-40B4-BE49-F238E27FC236}">
-                <a16:creationId xmlns:a16="http://schemas.microsoft.com/office/drawing/2014/main" id="{70D3E556-B5AF-E72D-AC7A-7B463B25E468}"/>
-              </a:ext>
-            </a:extLst>
-          </p:cNvPr>
-          <p:cNvCxnSpPr>
-            <a:cxnSpLocks/>
-          </p:cNvCxnSpPr>
-          <p:nvPr/>
-        </p:nvCxnSpPr>
-        <p:spPr>
-          <a:xfrm>
-            <a:off x="3446694" y="1658664"/>
-            <a:ext cx="644000" cy="0"/>
-          </a:xfrm>
-          <a:prstGeom prst="straightConnector1">
-            <a:avLst/>
-          </a:prstGeom>
-          <a:ln w="38100">
-            <a:solidFill>
-              <a:schemeClr val="accent2"/>
-            </a:solidFill>
-            <a:tailEnd type="triangle"/>
-          </a:ln>
-        </p:spPr>
-        <p:style>
-          <a:lnRef idx="1">
-            <a:schemeClr val="accent1"/>
-          </a:lnRef>
-          <a:fillRef idx="0">
-            <a:schemeClr val="accent1"/>
-          </a:fillRef>
-          <a:effectRef idx="0">
-            <a:schemeClr val="accent1"/>
-          </a:effectRef>
-          <a:fontRef idx="minor">
-            <a:schemeClr val="tx1"/>
-          </a:fontRef>
-        </p:style>
-      </p:cxnSp>
-      <p:cxnSp>
-        <p:nvCxnSpPr>
-          <p:cNvPr id="25" name="Straight Arrow Connector 24">
-            <a:extLst>
-              <a:ext uri="{FF2B5EF4-FFF2-40B4-BE49-F238E27FC236}">
-                <a16:creationId xmlns:a16="http://schemas.microsoft.com/office/drawing/2014/main" id="{331E180F-8F33-EF2F-BF23-D21BBB7BD54A}"/>
-              </a:ext>
-            </a:extLst>
-          </p:cNvPr>
-          <p:cNvCxnSpPr>
-            <a:cxnSpLocks/>
-          </p:cNvCxnSpPr>
-          <p:nvPr/>
-        </p:nvCxnSpPr>
-        <p:spPr>
-          <a:xfrm>
-            <a:off x="3480540" y="2272550"/>
-            <a:ext cx="610154" cy="0"/>
-          </a:xfrm>
-          <a:prstGeom prst="straightConnector1">
-            <a:avLst/>
-          </a:prstGeom>
-          <a:ln w="38100">
-            <a:solidFill>
-              <a:schemeClr val="accent2">
-                <a:lumMod val="75000"/>
-              </a:schemeClr>
-            </a:solidFill>
-            <a:tailEnd type="triangle"/>
-          </a:ln>
-        </p:spPr>
-        <p:style>
-          <a:lnRef idx="1">
-            <a:schemeClr val="accent1"/>
-          </a:lnRef>
-          <a:fillRef idx="0">
-            <a:schemeClr val="accent1"/>
-          </a:fillRef>
-          <a:effectRef idx="0">
-            <a:schemeClr val="accent1"/>
-          </a:effectRef>
-          <a:fontRef idx="minor">
-            <a:schemeClr val="tx1"/>
-          </a:fontRef>
-        </p:style>
-      </p:cxnSp>
-      <p:cxnSp>
-        <p:nvCxnSpPr>
-          <p:cNvPr id="30" name="Straight Arrow Connector 29">
-            <a:extLst>
-              <a:ext uri="{FF2B5EF4-FFF2-40B4-BE49-F238E27FC236}">
-                <a16:creationId xmlns:a16="http://schemas.microsoft.com/office/drawing/2014/main" id="{EA0BCC97-D1D8-DF39-176F-86523512AC28}"/>
-              </a:ext>
-            </a:extLst>
-          </p:cNvPr>
-          <p:cNvCxnSpPr>
-            <a:cxnSpLocks/>
-          </p:cNvCxnSpPr>
-          <p:nvPr/>
-        </p:nvCxnSpPr>
-        <p:spPr>
-          <a:xfrm flipH="1">
-            <a:off x="6638030" y="2003056"/>
-            <a:ext cx="1833241" cy="0"/>
-          </a:xfrm>
-          <a:prstGeom prst="straightConnector1">
-            <a:avLst/>
-          </a:prstGeom>
-          <a:ln w="38100">
-            <a:solidFill>
-              <a:schemeClr val="accent6"/>
-            </a:solidFill>
-            <a:tailEnd type="triangle"/>
-          </a:ln>
-        </p:spPr>
-        <p:style>
-          <a:lnRef idx="1">
-            <a:schemeClr val="accent1"/>
-          </a:lnRef>
-          <a:fillRef idx="0">
-            <a:schemeClr val="accent1"/>
-          </a:fillRef>
-          <a:effectRef idx="0">
-            <a:schemeClr val="accent1"/>
-          </a:effectRef>
-          <a:fontRef idx="minor">
-            <a:schemeClr val="tx1"/>
-          </a:fontRef>
-        </p:style>
-      </p:cxnSp>
-      <p:cxnSp>
-        <p:nvCxnSpPr>
-          <p:cNvPr id="33" name="Straight Arrow Connector 32">
-            <a:extLst>
-              <a:ext uri="{FF2B5EF4-FFF2-40B4-BE49-F238E27FC236}">
-                <a16:creationId xmlns:a16="http://schemas.microsoft.com/office/drawing/2014/main" id="{8FFE40E2-32A7-0D24-42D4-DDDE4CCAA3E9}"/>
-              </a:ext>
-            </a:extLst>
-          </p:cNvPr>
-          <p:cNvCxnSpPr>
-            <a:cxnSpLocks/>
-          </p:cNvCxnSpPr>
-          <p:nvPr/>
-        </p:nvCxnSpPr>
-        <p:spPr>
-          <a:xfrm flipH="1">
-            <a:off x="7676719" y="2677020"/>
-            <a:ext cx="564150" cy="0"/>
-          </a:xfrm>
-          <a:prstGeom prst="straightConnector1">
-            <a:avLst/>
-          </a:prstGeom>
-          <a:ln w="38100">
-            <a:solidFill>
-              <a:schemeClr val="bg1">
-                <a:lumMod val="50000"/>
-              </a:schemeClr>
-            </a:solidFill>
-            <a:tailEnd type="triangle"/>
-          </a:ln>
-        </p:spPr>
-        <p:style>
-          <a:lnRef idx="1">
-            <a:schemeClr val="accent1"/>
-          </a:lnRef>
-          <a:fillRef idx="0">
-            <a:schemeClr val="accent1"/>
-          </a:fillRef>
-          <a:effectRef idx="0">
-            <a:schemeClr val="accent1"/>
-          </a:effectRef>
-          <a:fontRef idx="minor">
-            <a:schemeClr val="tx1"/>
-          </a:fontRef>
-        </p:style>
-      </p:cxnSp>
-      <p:sp>
-        <p:nvSpPr>
-          <p:cNvPr id="37" name="Rectangle 36">
-            <a:extLst>
-              <a:ext uri="{FF2B5EF4-FFF2-40B4-BE49-F238E27FC236}">
-                <a16:creationId xmlns:a16="http://schemas.microsoft.com/office/drawing/2014/main" id="{954CDA26-7188-7FC2-53F5-F949AB4666D7}"/>
-              </a:ext>
-            </a:extLst>
-          </p:cNvPr>
-          <p:cNvSpPr/>
-          <p:nvPr/>
-        </p:nvSpPr>
-        <p:spPr>
-          <a:xfrm>
-            <a:off x="257946" y="3693884"/>
-            <a:ext cx="3040112" cy="952215"/>
+            <a:off x="438079" y="2034988"/>
+            <a:ext cx="1287889" cy="521602"/>
           </a:xfrm>
           <a:prstGeom prst="rect">
             <a:avLst/>
@@ -9346,112 +8633,44 @@
                   <a:schemeClr val="tx1"/>
                 </a:solidFill>
               </a:rPr>
-              <a:t>These methods define the </a:t>
-            </a:r>
-            <a:r>
-              <a:rPr lang="en-US" sz="1400" b="1" dirty="0">
-                <a:solidFill>
-                  <a:schemeClr val="tx1"/>
-                </a:solidFill>
-              </a:rPr>
-              <a:t>behavior</a:t>
-            </a:r>
-            <a:r>
-              <a:rPr lang="en-US" sz="1400" dirty="0">
-                <a:solidFill>
-                  <a:schemeClr val="tx1"/>
-                </a:solidFill>
-              </a:rPr>
-              <a:t> of the </a:t>
-            </a:r>
-            <a:r>
-              <a:rPr lang="en-US" sz="1400" dirty="0" err="1">
-                <a:solidFill>
-                  <a:schemeClr val="tx1"/>
-                </a:solidFill>
-              </a:rPr>
-              <a:t>FxnBlock</a:t>
-            </a:r>
-            <a:r>
-              <a:rPr lang="en-US" sz="1400" dirty="0">
-                <a:solidFill>
-                  <a:schemeClr val="tx1"/>
-                </a:solidFill>
-              </a:rPr>
-              <a:t> and thus simulate at each time-step of the simulation. </a:t>
-            </a:r>
-          </a:p>
-        </p:txBody>
-      </p:sp>
-      <p:cxnSp>
-        <p:nvCxnSpPr>
-          <p:cNvPr id="38" name="Straight Arrow Connector 37">
-            <a:extLst>
-              <a:ext uri="{FF2B5EF4-FFF2-40B4-BE49-F238E27FC236}">
-                <a16:creationId xmlns:a16="http://schemas.microsoft.com/office/drawing/2014/main" id="{ECB4D921-7315-0CD4-C005-045DA48F73E2}"/>
-              </a:ext>
-            </a:extLst>
-          </p:cNvPr>
-          <p:cNvCxnSpPr>
-            <a:cxnSpLocks/>
-          </p:cNvCxnSpPr>
-          <p:nvPr/>
-        </p:nvCxnSpPr>
+              <a:t>Field name</a:t>
+            </a:r>
+          </a:p>
+        </p:txBody>
+      </p:sp>
+      <p:sp>
+        <p:nvSpPr>
+          <p:cNvPr id="13" name="Rectangle 12">
+            <a:extLst>
+              <a:ext uri="{FF2B5EF4-FFF2-40B4-BE49-F238E27FC236}">
+                <a16:creationId xmlns:a16="http://schemas.microsoft.com/office/drawing/2014/main" id="{277F69E7-6A81-066C-FC09-D8FFFC050E51}"/>
+              </a:ext>
+            </a:extLst>
+          </p:cNvPr>
+          <p:cNvSpPr/>
+          <p:nvPr/>
+        </p:nvSpPr>
         <p:spPr>
           <a:xfrm>
-            <a:off x="3284738" y="4239718"/>
-            <a:ext cx="538701" cy="0"/>
-          </a:xfrm>
-          <a:prstGeom prst="straightConnector1">
-            <a:avLst/>
-          </a:prstGeom>
-          <a:ln w="38100">
-            <a:tailEnd type="triangle"/>
-          </a:ln>
-        </p:spPr>
-        <p:style>
-          <a:lnRef idx="1">
-            <a:schemeClr val="accent1"/>
-          </a:lnRef>
-          <a:fillRef idx="0">
-            <a:schemeClr val="accent1"/>
-          </a:fillRef>
-          <a:effectRef idx="0">
-            <a:schemeClr val="accent1"/>
-          </a:effectRef>
-          <a:fontRef idx="minor">
-            <a:schemeClr val="tx1"/>
-          </a:fontRef>
-        </p:style>
-      </p:cxnSp>
-      <p:sp>
-        <p:nvSpPr>
-          <p:cNvPr id="41" name="Rectangle 40">
-            <a:extLst>
-              <a:ext uri="{FF2B5EF4-FFF2-40B4-BE49-F238E27FC236}">
-                <a16:creationId xmlns:a16="http://schemas.microsoft.com/office/drawing/2014/main" id="{0C53CCF7-9DEF-5A5C-C935-E0DC29EA5CAC}"/>
-              </a:ext>
-            </a:extLst>
-          </p:cNvPr>
-          <p:cNvSpPr/>
-          <p:nvPr/>
-        </p:nvSpPr>
-        <p:spPr>
-          <a:xfrm>
-            <a:off x="256648" y="5010793"/>
-            <a:ext cx="3040112" cy="740651"/>
+            <a:off x="1809557" y="2040292"/>
+            <a:ext cx="1287889" cy="521602"/>
           </a:xfrm>
           <a:prstGeom prst="rect">
             <a:avLst/>
           </a:prstGeom>
           <a:solidFill>
-            <a:schemeClr val="accent6">
-              <a:lumMod val="20000"/>
-              <a:lumOff val="80000"/>
+            <a:schemeClr val="accent2">
+              <a:lumMod val="40000"/>
+              <a:lumOff val="60000"/>
             </a:schemeClr>
           </a:solidFill>
           <a:ln>
-            <a:noFill/>
+            <a:solidFill>
+              <a:schemeClr val="accent1">
+                <a:lumMod val="20000"/>
+                <a:lumOff val="80000"/>
+              </a:schemeClr>
+            </a:solidFill>
           </a:ln>
         </p:spPr>
         <p:style>
@@ -9481,65 +8700,17 @@
                   <a:schemeClr val="tx1"/>
                 </a:solidFill>
               </a:rPr>
-              <a:t>These methods define </a:t>
-            </a:r>
-            <a:r>
-              <a:rPr lang="en-US" sz="1400" dirty="0" err="1">
-                <a:solidFill>
-                  <a:schemeClr val="tx1"/>
-                </a:solidFill>
-              </a:rPr>
-              <a:t>FxnBlock</a:t>
-            </a:r>
-            <a:r>
-              <a:rPr lang="en-US" sz="1400" dirty="0">
-                <a:solidFill>
-                  <a:schemeClr val="tx1"/>
-                </a:solidFill>
-              </a:rPr>
-              <a:t> </a:t>
-            </a:r>
-            <a:r>
-              <a:rPr lang="en-US" sz="1400" b="1" dirty="0">
-                <a:solidFill>
-                  <a:schemeClr val="tx1"/>
-                </a:solidFill>
-              </a:rPr>
-              <a:t>indicators</a:t>
-            </a:r>
-            <a:r>
-              <a:rPr lang="en-US" sz="1400" dirty="0">
-                <a:solidFill>
-                  <a:schemeClr val="tx1"/>
-                </a:solidFill>
-              </a:rPr>
-              <a:t> and are called/tracked during simulation (in </a:t>
-            </a:r>
-            <a:r>
-              <a:rPr lang="en-US" sz="1400" dirty="0" err="1">
-                <a:solidFill>
-                  <a:schemeClr val="tx1"/>
-                </a:solidFill>
-              </a:rPr>
-              <a:t>fxnname.i</a:t>
-            </a:r>
-            <a:r>
-              <a:rPr lang="en-US" sz="1400" dirty="0">
-                <a:solidFill>
-                  <a:schemeClr val="tx1"/>
-                </a:solidFill>
-              </a:rPr>
-              <a:t>)</a:t>
-            </a:r>
-          </a:p>
-        </p:txBody>
-      </p:sp>
-      <p:sp>
-        <p:nvSpPr>
-          <p:cNvPr id="42" name="Rectangle 41">
-            <a:extLst>
-              <a:ext uri="{FF2B5EF4-FFF2-40B4-BE49-F238E27FC236}">
-                <a16:creationId xmlns:a16="http://schemas.microsoft.com/office/drawing/2014/main" id="{8CDCE0CD-812F-C5E1-0CB4-58D9C56432A5}"/>
+              <a:t>Field type or class</a:t>
+            </a:r>
+          </a:p>
+        </p:txBody>
+      </p:sp>
+      <p:sp>
+        <p:nvSpPr>
+          <p:cNvPr id="14" name="Rectangle 13">
+            <a:extLst>
+              <a:ext uri="{FF2B5EF4-FFF2-40B4-BE49-F238E27FC236}">
+                <a16:creationId xmlns:a16="http://schemas.microsoft.com/office/drawing/2014/main" id="{78842B17-396E-6512-A2B8-923EEFEF084B}"/>
               </a:ext>
             </a:extLst>
           </p:cNvPr>
@@ -9548,8 +8719,8 @@
         </p:nvSpPr>
         <p:spPr>
           <a:xfrm>
-            <a:off x="8480026" y="1572546"/>
-            <a:ext cx="3400689" cy="740658"/>
+            <a:off x="3142607" y="2034988"/>
+            <a:ext cx="1287889" cy="521602"/>
           </a:xfrm>
           <a:prstGeom prst="rect">
             <a:avLst/>
@@ -9561,7 +8732,12 @@
             </a:schemeClr>
           </a:solidFill>
           <a:ln>
-            <a:noFill/>
+            <a:solidFill>
+              <a:schemeClr val="accent1">
+                <a:lumMod val="20000"/>
+                <a:lumOff val="80000"/>
+              </a:schemeClr>
+            </a:solidFill>
           </a:ln>
         </p:spPr>
         <p:style>
@@ -9591,57 +8767,17 @@
                   <a:schemeClr val="tx1"/>
                 </a:solidFill>
               </a:rPr>
-              <a:t>Default </a:t>
-            </a:r>
-            <a:r>
-              <a:rPr lang="en-US" sz="1400" b="1" dirty="0">
-                <a:solidFill>
-                  <a:schemeClr val="tx1"/>
-                </a:solidFill>
-              </a:rPr>
-              <a:t>keyword arguments for </a:t>
-            </a:r>
-            <a:r>
-              <a:rPr lang="en-US" sz="1400" b="1" dirty="0" err="1">
-                <a:solidFill>
-                  <a:schemeClr val="tx1"/>
-                </a:solidFill>
-              </a:rPr>
-              <a:t>SimParam</a:t>
-            </a:r>
-            <a:r>
-              <a:rPr lang="en-US" sz="1400" dirty="0">
-                <a:solidFill>
-                  <a:schemeClr val="tx1"/>
-                </a:solidFill>
-              </a:rPr>
-              <a:t>. Only necessary when the </a:t>
-            </a:r>
-            <a:r>
-              <a:rPr lang="en-US" sz="1400" dirty="0" err="1">
-                <a:solidFill>
-                  <a:schemeClr val="tx1"/>
-                </a:solidFill>
-              </a:rPr>
-              <a:t>functionblock</a:t>
-            </a:r>
-            <a:r>
-              <a:rPr lang="en-US" sz="1400" dirty="0">
-                <a:solidFill>
-                  <a:schemeClr val="tx1"/>
-                </a:solidFill>
-              </a:rPr>
-              <a:t> will be simulated individually.</a:t>
+              <a:t>Default initial value</a:t>
             </a:r>
           </a:p>
         </p:txBody>
       </p:sp>
       <p:cxnSp>
         <p:nvCxnSpPr>
-          <p:cNvPr id="44" name="Straight Arrow Connector 43">
-            <a:extLst>
-              <a:ext uri="{FF2B5EF4-FFF2-40B4-BE49-F238E27FC236}">
-                <a16:creationId xmlns:a16="http://schemas.microsoft.com/office/drawing/2014/main" id="{2F39350D-8555-F1AE-2F34-766C9EE33104}"/>
+          <p:cNvPr id="18" name="Straight Arrow Connector 17">
+            <a:extLst>
+              <a:ext uri="{FF2B5EF4-FFF2-40B4-BE49-F238E27FC236}">
+                <a16:creationId xmlns:a16="http://schemas.microsoft.com/office/drawing/2014/main" id="{3E9E0321-99F7-ED50-3F09-17A712A75D57}"/>
               </a:ext>
             </a:extLst>
           </p:cNvPr>
@@ -9651,9 +8787,94 @@
           <p:nvPr/>
         </p:nvCxnSpPr>
         <p:spPr>
-          <a:xfrm>
-            <a:off x="3300089" y="5435810"/>
-            <a:ext cx="538701" cy="0"/>
+          <a:xfrm flipV="1">
+            <a:off x="1427109" y="1761807"/>
+            <a:ext cx="0" cy="286903"/>
+          </a:xfrm>
+          <a:prstGeom prst="straightConnector1">
+            <a:avLst/>
+          </a:prstGeom>
+          <a:ln w="38100">
+            <a:tailEnd type="triangle"/>
+          </a:ln>
+        </p:spPr>
+        <p:style>
+          <a:lnRef idx="1">
+            <a:schemeClr val="accent1"/>
+          </a:lnRef>
+          <a:fillRef idx="0">
+            <a:schemeClr val="accent1"/>
+          </a:fillRef>
+          <a:effectRef idx="0">
+            <a:schemeClr val="accent1"/>
+          </a:effectRef>
+          <a:fontRef idx="minor">
+            <a:schemeClr val="tx1"/>
+          </a:fontRef>
+        </p:style>
+      </p:cxnSp>
+      <p:cxnSp>
+        <p:nvCxnSpPr>
+          <p:cNvPr id="21" name="Straight Arrow Connector 20">
+            <a:extLst>
+              <a:ext uri="{FF2B5EF4-FFF2-40B4-BE49-F238E27FC236}">
+                <a16:creationId xmlns:a16="http://schemas.microsoft.com/office/drawing/2014/main" id="{75C921A3-553F-51CB-BFC2-9DDA8D52E77E}"/>
+              </a:ext>
+            </a:extLst>
+          </p:cNvPr>
+          <p:cNvCxnSpPr>
+            <a:cxnSpLocks/>
+          </p:cNvCxnSpPr>
+          <p:nvPr/>
+        </p:nvCxnSpPr>
+        <p:spPr>
+          <a:xfrm flipV="1">
+            <a:off x="2136420" y="1723204"/>
+            <a:ext cx="0" cy="325506"/>
+          </a:xfrm>
+          <a:prstGeom prst="straightConnector1">
+            <a:avLst/>
+          </a:prstGeom>
+          <a:ln w="38100">
+            <a:solidFill>
+              <a:schemeClr val="accent2"/>
+            </a:solidFill>
+            <a:tailEnd type="triangle"/>
+          </a:ln>
+        </p:spPr>
+        <p:style>
+          <a:lnRef idx="1">
+            <a:schemeClr val="accent1"/>
+          </a:lnRef>
+          <a:fillRef idx="0">
+            <a:schemeClr val="accent1"/>
+          </a:fillRef>
+          <a:effectRef idx="0">
+            <a:schemeClr val="accent1"/>
+          </a:effectRef>
+          <a:fontRef idx="minor">
+            <a:schemeClr val="tx1"/>
+          </a:fontRef>
+        </p:style>
+      </p:cxnSp>
+      <p:cxnSp>
+        <p:nvCxnSpPr>
+          <p:cNvPr id="23" name="Straight Arrow Connector 22">
+            <a:extLst>
+              <a:ext uri="{FF2B5EF4-FFF2-40B4-BE49-F238E27FC236}">
+                <a16:creationId xmlns:a16="http://schemas.microsoft.com/office/drawing/2014/main" id="{0DE668A8-9C40-21D8-275F-DC363707A2E6}"/>
+              </a:ext>
+            </a:extLst>
+          </p:cNvPr>
+          <p:cNvCxnSpPr>
+            <a:cxnSpLocks/>
+          </p:cNvCxnSpPr>
+          <p:nvPr/>
+        </p:nvCxnSpPr>
+        <p:spPr>
+          <a:xfrm flipV="1">
+            <a:off x="3361425" y="1761806"/>
+            <a:ext cx="0" cy="286903"/>
           </a:xfrm>
           <a:prstGeom prst="straightConnector1">
             <a:avLst/>
@@ -9682,10 +8903,10 @@
       </p:cxnSp>
       <p:sp>
         <p:nvSpPr>
-          <p:cNvPr id="45" name="Rectangle 44">
-            <a:extLst>
-              <a:ext uri="{FF2B5EF4-FFF2-40B4-BE49-F238E27FC236}">
-                <a16:creationId xmlns:a16="http://schemas.microsoft.com/office/drawing/2014/main" id="{D45EAE9F-3FFE-CF4A-26AA-8D2A61746450}"/>
+          <p:cNvPr id="24" name="Rectangle 23">
+            <a:extLst>
+              <a:ext uri="{FF2B5EF4-FFF2-40B4-BE49-F238E27FC236}">
+                <a16:creationId xmlns:a16="http://schemas.microsoft.com/office/drawing/2014/main" id="{DCA6D54C-73E7-F1A4-75FC-2D6AE5C0E7F5}"/>
               </a:ext>
             </a:extLst>
           </p:cNvPr>
@@ -9694,17 +8915,25 @@
         </p:nvSpPr>
         <p:spPr>
           <a:xfrm>
-            <a:off x="258934" y="5860828"/>
-            <a:ext cx="3038135" cy="665117"/>
+            <a:off x="8676496" y="1267352"/>
+            <a:ext cx="3411894" cy="521602"/>
           </a:xfrm>
           <a:prstGeom prst="rect">
             <a:avLst/>
           </a:prstGeom>
           <a:solidFill>
-            <a:srgbClr val="F1D9F1"/>
+            <a:schemeClr val="accent4">
+              <a:lumMod val="40000"/>
+              <a:lumOff val="60000"/>
+            </a:schemeClr>
           </a:solidFill>
           <a:ln>
-            <a:noFill/>
+            <a:solidFill>
+              <a:schemeClr val="accent1">
+                <a:lumMod val="20000"/>
+                <a:lumOff val="80000"/>
+              </a:schemeClr>
+            </a:solidFill>
           </a:ln>
         </p:spPr>
         <p:style>
@@ -9734,37 +8963,256 @@
                   <a:schemeClr val="tx1"/>
                 </a:solidFill>
               </a:rPr>
-              <a:t>This method defines the Result to be returned </a:t>
-            </a:r>
-            <a:r>
-              <a:rPr lang="en-US" sz="1400" b="1" dirty="0">
-                <a:solidFill>
-                  <a:schemeClr val="tx1"/>
-                </a:solidFill>
-              </a:rPr>
-              <a:t>when simulated individually</a:t>
+              <a:t>varname1_range defines allowable range for the variable varname1</a:t>
             </a:r>
           </a:p>
         </p:txBody>
       </p:sp>
       <p:cxnSp>
         <p:nvCxnSpPr>
-          <p:cNvPr id="47" name="Straight Arrow Connector 46">
-            <a:extLst>
-              <a:ext uri="{FF2B5EF4-FFF2-40B4-BE49-F238E27FC236}">
-                <a16:creationId xmlns:a16="http://schemas.microsoft.com/office/drawing/2014/main" id="{63F352AD-414C-473F-B963-608E7ABC775D}"/>
+          <p:cNvPr id="26" name="Straight Arrow Connector 25">
+            <a:extLst>
+              <a:ext uri="{FF2B5EF4-FFF2-40B4-BE49-F238E27FC236}">
+                <a16:creationId xmlns:a16="http://schemas.microsoft.com/office/drawing/2014/main" id="{9E457197-5BC2-81D4-8BDF-3136762C4A9A}"/>
               </a:ext>
             </a:extLst>
           </p:cNvPr>
           <p:cNvCxnSpPr>
             <a:cxnSpLocks/>
+            <a:stCxn id="24" idx="1"/>
           </p:cNvCxnSpPr>
           <p:nvPr/>
         </p:nvCxnSpPr>
         <p:spPr>
+          <a:xfrm flipH="1">
+            <a:off x="7793276" y="1528153"/>
+            <a:ext cx="883220" cy="11398"/>
+          </a:xfrm>
+          <a:prstGeom prst="straightConnector1">
+            <a:avLst/>
+          </a:prstGeom>
+          <a:ln w="38100">
+            <a:solidFill>
+              <a:schemeClr val="accent4">
+                <a:lumMod val="40000"/>
+                <a:lumOff val="60000"/>
+              </a:schemeClr>
+            </a:solidFill>
+            <a:tailEnd type="triangle"/>
+          </a:ln>
+        </p:spPr>
+        <p:style>
+          <a:lnRef idx="1">
+            <a:schemeClr val="accent1"/>
+          </a:lnRef>
+          <a:fillRef idx="0">
+            <a:schemeClr val="accent1"/>
+          </a:fillRef>
+          <a:effectRef idx="0">
+            <a:schemeClr val="accent1"/>
+          </a:effectRef>
+          <a:fontRef idx="minor">
+            <a:schemeClr val="tx1"/>
+          </a:fontRef>
+        </p:style>
+      </p:cxnSp>
+      <p:sp>
+        <p:nvSpPr>
+          <p:cNvPr id="29" name="Rectangle 28">
+            <a:extLst>
+              <a:ext uri="{FF2B5EF4-FFF2-40B4-BE49-F238E27FC236}">
+                <a16:creationId xmlns:a16="http://schemas.microsoft.com/office/drawing/2014/main" id="{44707B8E-3DA1-8361-A75E-DE9C3C869472}"/>
+              </a:ext>
+            </a:extLst>
+          </p:cNvPr>
+          <p:cNvSpPr/>
+          <p:nvPr/>
+        </p:nvSpPr>
+        <p:spPr>
           <a:xfrm>
-            <a:off x="3317536" y="6209647"/>
-            <a:ext cx="538701" cy="0"/>
+            <a:off x="5214557" y="2530578"/>
+            <a:ext cx="4854792" cy="334094"/>
+          </a:xfrm>
+          <a:prstGeom prst="rect">
+            <a:avLst/>
+          </a:prstGeom>
+          <a:solidFill>
+            <a:schemeClr val="bg2">
+              <a:lumMod val="90000"/>
+            </a:schemeClr>
+          </a:solidFill>
+          <a:ln>
+            <a:solidFill>
+              <a:schemeClr val="accent1">
+                <a:lumMod val="20000"/>
+                <a:lumOff val="80000"/>
+              </a:schemeClr>
+            </a:solidFill>
+          </a:ln>
+        </p:spPr>
+        <p:style>
+          <a:lnRef idx="2">
+            <a:schemeClr val="accent1">
+              <a:shade val="15000"/>
+            </a:schemeClr>
+          </a:lnRef>
+          <a:fillRef idx="1">
+            <a:schemeClr val="accent1"/>
+          </a:fillRef>
+          <a:effectRef idx="0">
+            <a:schemeClr val="accent1"/>
+          </a:effectRef>
+          <a:fontRef idx="minor">
+            <a:schemeClr val="lt1"/>
+          </a:fontRef>
+        </p:style>
+        <p:txBody>
+          <a:bodyPr rtlCol="0" anchor="ctr"/>
+          <a:lstStyle/>
+          <a:p>
+            <a:pPr algn="ctr"/>
+            <a:r>
+              <a:rPr lang="en-US" sz="1400" dirty="0">
+                <a:solidFill>
+                  <a:schemeClr val="tx1"/>
+                </a:solidFill>
+              </a:rPr>
+              <a:t>varname2_set defines allowable values for the field varname2</a:t>
+            </a:r>
+          </a:p>
+        </p:txBody>
+      </p:sp>
+      <p:cxnSp>
+        <p:nvCxnSpPr>
+          <p:cNvPr id="31" name="Straight Arrow Connector 30">
+            <a:extLst>
+              <a:ext uri="{FF2B5EF4-FFF2-40B4-BE49-F238E27FC236}">
+                <a16:creationId xmlns:a16="http://schemas.microsoft.com/office/drawing/2014/main" id="{2B7CBD60-B28E-AE5F-819B-E8BD8B2414C7}"/>
+              </a:ext>
+            </a:extLst>
+          </p:cNvPr>
+          <p:cNvCxnSpPr>
+            <a:cxnSpLocks/>
+            <a:stCxn id="29" idx="0"/>
+            <a:endCxn id="30" idx="2"/>
+          </p:cNvCxnSpPr>
+          <p:nvPr/>
+        </p:nvCxnSpPr>
+        <p:spPr>
+          <a:xfrm flipV="1">
+            <a:off x="7641953" y="2272208"/>
+            <a:ext cx="1" cy="258370"/>
+          </a:xfrm>
+          <a:prstGeom prst="straightConnector1">
+            <a:avLst/>
+          </a:prstGeom>
+          <a:ln w="38100">
+            <a:solidFill>
+              <a:schemeClr val="bg1">
+                <a:lumMod val="75000"/>
+              </a:schemeClr>
+            </a:solidFill>
+            <a:tailEnd type="triangle"/>
+          </a:ln>
+        </p:spPr>
+        <p:style>
+          <a:lnRef idx="1">
+            <a:schemeClr val="accent1"/>
+          </a:lnRef>
+          <a:fillRef idx="0">
+            <a:schemeClr val="accent1"/>
+          </a:fillRef>
+          <a:effectRef idx="0">
+            <a:schemeClr val="accent1"/>
+          </a:effectRef>
+          <a:fontRef idx="minor">
+            <a:schemeClr val="tx1"/>
+          </a:fontRef>
+        </p:style>
+      </p:cxnSp>
+      <p:sp>
+        <p:nvSpPr>
+          <p:cNvPr id="35" name="Rectangle 34">
+            <a:extLst>
+              <a:ext uri="{FF2B5EF4-FFF2-40B4-BE49-F238E27FC236}">
+                <a16:creationId xmlns:a16="http://schemas.microsoft.com/office/drawing/2014/main" id="{13816940-3C78-5CE3-EE3F-B3D9B83A216E}"/>
+              </a:ext>
+            </a:extLst>
+          </p:cNvPr>
+          <p:cNvSpPr/>
+          <p:nvPr/>
+        </p:nvSpPr>
+        <p:spPr>
+          <a:xfrm>
+            <a:off x="5801318" y="4088555"/>
+            <a:ext cx="4900894" cy="665117"/>
+          </a:xfrm>
+          <a:prstGeom prst="rect">
+            <a:avLst/>
+          </a:prstGeom>
+          <a:solidFill>
+            <a:srgbClr val="F1D9F1"/>
+          </a:solidFill>
+          <a:ln>
+            <a:noFill/>
+          </a:ln>
+        </p:spPr>
+        <p:style>
+          <a:lnRef idx="2">
+            <a:schemeClr val="accent1">
+              <a:shade val="15000"/>
+            </a:schemeClr>
+          </a:lnRef>
+          <a:fillRef idx="1">
+            <a:schemeClr val="accent1"/>
+          </a:fillRef>
+          <a:effectRef idx="0">
+            <a:schemeClr val="accent1"/>
+          </a:effectRef>
+          <a:fontRef idx="minor">
+            <a:schemeClr val="lt1"/>
+          </a:fontRef>
+        </p:style>
+        <p:txBody>
+          <a:bodyPr rtlCol="0" anchor="ctr"/>
+          <a:lstStyle/>
+          <a:p>
+            <a:pPr algn="ctr"/>
+            <a:r>
+              <a:rPr lang="en-US" sz="1400" dirty="0">
+                <a:solidFill>
+                  <a:schemeClr val="tx1"/>
+                </a:solidFill>
+              </a:rPr>
+              <a:t>Dictionary of fault names and their optional properties (rate, repair cost, phases they could occur and their rates)</a:t>
+            </a:r>
+            <a:endParaRPr lang="en-US" sz="1400" b="1" dirty="0">
+              <a:solidFill>
+                <a:schemeClr val="tx1"/>
+              </a:solidFill>
+            </a:endParaRPr>
+          </a:p>
+        </p:txBody>
+      </p:sp>
+      <p:cxnSp>
+        <p:nvCxnSpPr>
+          <p:cNvPr id="36" name="Straight Arrow Connector 35">
+            <a:extLst>
+              <a:ext uri="{FF2B5EF4-FFF2-40B4-BE49-F238E27FC236}">
+                <a16:creationId xmlns:a16="http://schemas.microsoft.com/office/drawing/2014/main" id="{A6C6AB08-9845-2B2C-83A9-7C465BC32BB2}"/>
+              </a:ext>
+            </a:extLst>
+          </p:cNvPr>
+          <p:cNvCxnSpPr>
+            <a:cxnSpLocks/>
+            <a:endCxn id="37" idx="3"/>
+          </p:cNvCxnSpPr>
+          <p:nvPr/>
+        </p:nvCxnSpPr>
+        <p:spPr>
+          <a:xfrm flipH="1">
+            <a:off x="4747828" y="4423437"/>
+            <a:ext cx="1053490" cy="10682"/>
           </a:xfrm>
           <a:prstGeom prst="straightConnector1">
             <a:avLst/>
@@ -9772,6 +9220,233 @@
           <a:ln w="38100">
             <a:solidFill>
               <a:srgbClr val="E890E8"/>
+            </a:solidFill>
+            <a:tailEnd type="triangle"/>
+          </a:ln>
+        </p:spPr>
+        <p:style>
+          <a:lnRef idx="1">
+            <a:schemeClr val="accent1"/>
+          </a:lnRef>
+          <a:fillRef idx="0">
+            <a:schemeClr val="accent1"/>
+          </a:fillRef>
+          <a:effectRef idx="0">
+            <a:schemeClr val="accent1"/>
+          </a:effectRef>
+          <a:fontRef idx="minor">
+            <a:schemeClr val="tx1"/>
+          </a:fontRef>
+        </p:style>
+      </p:cxnSp>
+      <p:sp>
+        <p:nvSpPr>
+          <p:cNvPr id="40" name="Rectangle 39">
+            <a:extLst>
+              <a:ext uri="{FF2B5EF4-FFF2-40B4-BE49-F238E27FC236}">
+                <a16:creationId xmlns:a16="http://schemas.microsoft.com/office/drawing/2014/main" id="{AA1009E7-841C-B432-336E-5EE4C7C50728}"/>
+              </a:ext>
+            </a:extLst>
+          </p:cNvPr>
+          <p:cNvSpPr/>
+          <p:nvPr/>
+        </p:nvSpPr>
+        <p:spPr>
+          <a:xfrm>
+            <a:off x="5801318" y="4776505"/>
+            <a:ext cx="3921180" cy="347847"/>
+          </a:xfrm>
+          <a:prstGeom prst="rect">
+            <a:avLst/>
+          </a:prstGeom>
+          <a:solidFill>
+            <a:srgbClr val="FA7676"/>
+          </a:solidFill>
+          <a:ln>
+            <a:noFill/>
+          </a:ln>
+        </p:spPr>
+        <p:style>
+          <a:lnRef idx="0">
+            <a:scrgbClr r="0" g="0" b="0"/>
+          </a:lnRef>
+          <a:fillRef idx="0">
+            <a:scrgbClr r="0" g="0" b="0"/>
+          </a:fillRef>
+          <a:effectRef idx="0">
+            <a:scrgbClr r="0" g="0" b="0"/>
+          </a:effectRef>
+          <a:fontRef idx="minor">
+            <a:schemeClr val="lt1"/>
+          </a:fontRef>
+        </p:style>
+        <p:txBody>
+          <a:bodyPr rtlCol="0" anchor="ctr"/>
+          <a:lstStyle/>
+          <a:p>
+            <a:pPr marL="0" marR="0" lvl="0" indent="0" algn="ctr" defTabSz="914400" rtl="0" eaLnBrk="1" fontAlgn="auto" latinLnBrk="0" hangingPunct="1">
+              <a:lnSpc>
+                <a:spcPct val="100000"/>
+              </a:lnSpc>
+              <a:spcBef>
+                <a:spcPts val="0"/>
+              </a:spcBef>
+              <a:spcAft>
+                <a:spcPts val="0"/>
+              </a:spcAft>
+              <a:buClrTx/>
+              <a:buSzTx/>
+              <a:buFontTx/>
+              <a:buNone/>
+              <a:tabLst/>
+              <a:defRPr/>
+            </a:pPr>
+            <a:r>
+              <a:rPr lang="en-US" sz="1400" dirty="0">
+                <a:solidFill>
+                  <a:prstClr val="black"/>
+                </a:solidFill>
+                <a:latin typeface="Calibri" panose="020F0502020204030204"/>
+              </a:rPr>
+              <a:t>List of potential operational modes (if multiple)</a:t>
+            </a:r>
+            <a:endParaRPr lang="en-US" dirty="0"/>
+          </a:p>
+        </p:txBody>
+      </p:sp>
+      <p:cxnSp>
+        <p:nvCxnSpPr>
+          <p:cNvPr id="41" name="Straight Arrow Connector 40">
+            <a:extLst>
+              <a:ext uri="{FF2B5EF4-FFF2-40B4-BE49-F238E27FC236}">
+                <a16:creationId xmlns:a16="http://schemas.microsoft.com/office/drawing/2014/main" id="{DBEA0CCF-AEFC-69E3-BF3D-5904354ADCCD}"/>
+              </a:ext>
+            </a:extLst>
+          </p:cNvPr>
+          <p:cNvCxnSpPr>
+            <a:cxnSpLocks/>
+            <a:stCxn id="40" idx="1"/>
+          </p:cNvCxnSpPr>
+          <p:nvPr/>
+        </p:nvCxnSpPr>
+        <p:spPr>
+          <a:xfrm flipH="1" flipV="1">
+            <a:off x="2948473" y="4906580"/>
+            <a:ext cx="2852845" cy="43849"/>
+          </a:xfrm>
+          <a:prstGeom prst="straightConnector1">
+            <a:avLst/>
+          </a:prstGeom>
+          <a:ln w="38100">
+            <a:solidFill>
+              <a:srgbClr val="F91900"/>
+            </a:solidFill>
+            <a:tailEnd type="triangle"/>
+          </a:ln>
+        </p:spPr>
+        <p:style>
+          <a:lnRef idx="1">
+            <a:schemeClr val="accent1"/>
+          </a:lnRef>
+          <a:fillRef idx="0">
+            <a:schemeClr val="accent1"/>
+          </a:fillRef>
+          <a:effectRef idx="0">
+            <a:schemeClr val="accent1"/>
+          </a:effectRef>
+          <a:fontRef idx="minor">
+            <a:schemeClr val="tx1"/>
+          </a:fontRef>
+        </p:style>
+      </p:cxnSp>
+      <p:sp>
+        <p:nvSpPr>
+          <p:cNvPr id="46" name="Rectangle 45">
+            <a:extLst>
+              <a:ext uri="{FF2B5EF4-FFF2-40B4-BE49-F238E27FC236}">
+                <a16:creationId xmlns:a16="http://schemas.microsoft.com/office/drawing/2014/main" id="{35448C8D-658C-BEBE-C7E5-E785FDD5473B}"/>
+              </a:ext>
+            </a:extLst>
+          </p:cNvPr>
+          <p:cNvSpPr/>
+          <p:nvPr/>
+        </p:nvSpPr>
+        <p:spPr>
+          <a:xfrm>
+            <a:off x="5801317" y="5135015"/>
+            <a:ext cx="3566617" cy="347848"/>
+          </a:xfrm>
+          <a:prstGeom prst="rect">
+            <a:avLst/>
+          </a:prstGeom>
+          <a:solidFill>
+            <a:schemeClr val="accent2">
+              <a:lumMod val="40000"/>
+              <a:lumOff val="60000"/>
+            </a:schemeClr>
+          </a:solidFill>
+          <a:ln>
+            <a:noFill/>
+          </a:ln>
+        </p:spPr>
+        <p:style>
+          <a:lnRef idx="2">
+            <a:schemeClr val="accent1">
+              <a:shade val="15000"/>
+            </a:schemeClr>
+          </a:lnRef>
+          <a:fillRef idx="1">
+            <a:schemeClr val="accent1"/>
+          </a:fillRef>
+          <a:effectRef idx="0">
+            <a:schemeClr val="accent1"/>
+          </a:effectRef>
+          <a:fontRef idx="minor">
+            <a:schemeClr val="lt1"/>
+          </a:fontRef>
+        </p:style>
+        <p:txBody>
+          <a:bodyPr rtlCol="0" anchor="ctr"/>
+          <a:lstStyle/>
+          <a:p>
+            <a:pPr algn="ctr"/>
+            <a:r>
+              <a:rPr lang="en-US" sz="1400" dirty="0">
+                <a:solidFill>
+                  <a:schemeClr val="tx1"/>
+                </a:solidFill>
+              </a:rPr>
+              <a:t>Default mode (if multiple modes/not nominal)</a:t>
+            </a:r>
+          </a:p>
+        </p:txBody>
+      </p:sp>
+      <p:cxnSp>
+        <p:nvCxnSpPr>
+          <p:cNvPr id="48" name="Straight Arrow Connector 47">
+            <a:extLst>
+              <a:ext uri="{FF2B5EF4-FFF2-40B4-BE49-F238E27FC236}">
+                <a16:creationId xmlns:a16="http://schemas.microsoft.com/office/drawing/2014/main" id="{300CFA39-6CF8-D764-D9D7-5B6B7790AB18}"/>
+              </a:ext>
+            </a:extLst>
+          </p:cNvPr>
+          <p:cNvCxnSpPr>
+            <a:cxnSpLocks/>
+            <a:stCxn id="46" idx="1"/>
+          </p:cNvCxnSpPr>
+          <p:nvPr/>
+        </p:nvCxnSpPr>
+        <p:spPr>
+          <a:xfrm flipH="1" flipV="1">
+            <a:off x="2230016" y="5198660"/>
+            <a:ext cx="3571301" cy="110279"/>
+          </a:xfrm>
+          <a:prstGeom prst="straightConnector1">
+            <a:avLst/>
+          </a:prstGeom>
+          <a:ln w="38100">
+            <a:solidFill>
+              <a:schemeClr val="accent2"/>
             </a:solidFill>
             <a:tailEnd type="triangle"/>
           </a:ln>
@@ -9794,7 +9469,7 @@
     </p:spTree>
     <p:extLst>
       <p:ext uri="{BB962C8B-B14F-4D97-AF65-F5344CB8AC3E}">
-        <p14:creationId xmlns:p14="http://schemas.microsoft.com/office/powerpoint/2010/main" val="3020370138"/>
+        <p14:creationId xmlns:p14="http://schemas.microsoft.com/office/powerpoint/2010/main" val="1631192648"/>
       </p:ext>
     </p:extLst>
   </p:cSld>
@@ -9823,10 +9498,10 @@
       </p:grpSpPr>
       <p:sp>
         <p:nvSpPr>
-          <p:cNvPr id="46" name="Rectangle 45">
-            <a:extLst>
-              <a:ext uri="{FF2B5EF4-FFF2-40B4-BE49-F238E27FC236}">
-                <a16:creationId xmlns:a16="http://schemas.microsoft.com/office/drawing/2014/main" id="{72127004-8A7D-A358-ADEB-B3629DBFE527}"/>
+          <p:cNvPr id="14" name="Rectangle 13">
+            <a:extLst>
+              <a:ext uri="{FF2B5EF4-FFF2-40B4-BE49-F238E27FC236}">
+                <a16:creationId xmlns:a16="http://schemas.microsoft.com/office/drawing/2014/main" id="{E05E7D8F-7178-C0FA-3C79-7BC494D2EE9F}"/>
               </a:ext>
             </a:extLst>
           </p:cNvPr>
@@ -9835,14 +9510,17 @@
         </p:nvSpPr>
         <p:spPr>
           <a:xfrm>
-            <a:off x="3967375" y="5113373"/>
-            <a:ext cx="6697853" cy="843940"/>
+            <a:off x="964163" y="2011624"/>
+            <a:ext cx="3626498" cy="554296"/>
           </a:xfrm>
           <a:prstGeom prst="rect">
             <a:avLst/>
           </a:prstGeom>
           <a:solidFill>
-            <a:srgbClr val="F1D9F1"/>
+            <a:schemeClr val="accent1">
+              <a:lumMod val="40000"/>
+              <a:lumOff val="60000"/>
+            </a:schemeClr>
           </a:solidFill>
           <a:ln>
             <a:noFill/>
@@ -9869,7 +9547,7 @@
           <a:lstStyle/>
           <a:p>
             <a:pPr algn="ctr"/>
-            <a:endParaRPr lang="en-US" sz="1400" b="1" dirty="0">
+            <a:endParaRPr lang="en-US" sz="1400" dirty="0">
               <a:solidFill>
                 <a:schemeClr val="tx1"/>
               </a:solidFill>
@@ -9879,10 +9557,10 @@
       </p:sp>
       <p:sp>
         <p:nvSpPr>
-          <p:cNvPr id="12" name="Rectangle 11">
-            <a:extLst>
-              <a:ext uri="{FF2B5EF4-FFF2-40B4-BE49-F238E27FC236}">
-                <a16:creationId xmlns:a16="http://schemas.microsoft.com/office/drawing/2014/main" id="{E3774B39-3B4C-D81E-872A-828DD7656DFD}"/>
+          <p:cNvPr id="26" name="Rectangle 25">
+            <a:extLst>
+              <a:ext uri="{FF2B5EF4-FFF2-40B4-BE49-F238E27FC236}">
+                <a16:creationId xmlns:a16="http://schemas.microsoft.com/office/drawing/2014/main" id="{8426D857-88DA-B68B-F22B-703A29FCCABD}"/>
               </a:ext>
             </a:extLst>
           </p:cNvPr>
@@ -9891,8 +9569,8 @@
         </p:nvSpPr>
         <p:spPr>
           <a:xfrm>
-            <a:off x="3926869" y="3841426"/>
-            <a:ext cx="6738360" cy="1178641"/>
+            <a:off x="881967" y="2688349"/>
+            <a:ext cx="5285570" cy="1089457"/>
           </a:xfrm>
           <a:prstGeom prst="rect">
             <a:avLst/>
@@ -9938,10 +9616,10 @@
       </p:sp>
       <p:sp>
         <p:nvSpPr>
-          <p:cNvPr id="16" name="Rectangle 15">
-            <a:extLst>
-              <a:ext uri="{FF2B5EF4-FFF2-40B4-BE49-F238E27FC236}">
-                <a16:creationId xmlns:a16="http://schemas.microsoft.com/office/drawing/2014/main" id="{72C539D4-1CBA-B5E5-2E88-785897940B49}"/>
+          <p:cNvPr id="28" name="Rectangle 27">
+            <a:extLst>
+              <a:ext uri="{FF2B5EF4-FFF2-40B4-BE49-F238E27FC236}">
+                <a16:creationId xmlns:a16="http://schemas.microsoft.com/office/drawing/2014/main" id="{95FC196C-C8D8-5A27-5F55-F9FA6125A8AF}"/>
               </a:ext>
             </a:extLst>
           </p:cNvPr>
@@ -9950,62 +9628,8 @@
         </p:nvSpPr>
         <p:spPr>
           <a:xfrm>
-            <a:off x="3926869" y="2024202"/>
-            <a:ext cx="6738360" cy="1723919"/>
-          </a:xfrm>
-          <a:prstGeom prst="rect">
-            <a:avLst/>
-          </a:prstGeom>
-          <a:solidFill>
-            <a:schemeClr val="bg2">
-              <a:lumMod val="90000"/>
-            </a:schemeClr>
-          </a:solidFill>
-          <a:ln>
-            <a:noFill/>
-          </a:ln>
-        </p:spPr>
-        <p:style>
-          <a:lnRef idx="2">
-            <a:schemeClr val="accent1">
-              <a:shade val="15000"/>
-            </a:schemeClr>
-          </a:lnRef>
-          <a:fillRef idx="1">
-            <a:schemeClr val="accent1"/>
-          </a:fillRef>
-          <a:effectRef idx="0">
-            <a:schemeClr val="accent1"/>
-          </a:effectRef>
-          <a:fontRef idx="minor">
-            <a:schemeClr val="lt1"/>
-          </a:fontRef>
-        </p:style>
-        <p:txBody>
-          <a:bodyPr rtlCol="0" anchor="ctr"/>
-          <a:lstStyle/>
-          <a:p>
-            <a:pPr algn="ctr"/>
-            <a:endParaRPr lang="en-US"/>
-          </a:p>
-        </p:txBody>
-      </p:sp>
-      <p:sp>
-        <p:nvSpPr>
-          <p:cNvPr id="13" name="Rectangle 12">
-            <a:extLst>
-              <a:ext uri="{FF2B5EF4-FFF2-40B4-BE49-F238E27FC236}">
-                <a16:creationId xmlns:a16="http://schemas.microsoft.com/office/drawing/2014/main" id="{2CBCDC26-00E5-A3E1-F5B6-30FDC541BC9D}"/>
-              </a:ext>
-            </a:extLst>
-          </p:cNvPr>
-          <p:cNvSpPr/>
-          <p:nvPr/>
-        </p:nvSpPr>
-        <p:spPr>
-          <a:xfrm>
-            <a:off x="4158792" y="1765140"/>
-            <a:ext cx="2628088" cy="208826"/>
+            <a:off x="994846" y="2378458"/>
+            <a:ext cx="2349924" cy="318971"/>
           </a:xfrm>
           <a:prstGeom prst="rect">
             <a:avLst/>
@@ -10041,16 +9665,20 @@
           <a:lstStyle/>
           <a:p>
             <a:pPr algn="ctr"/>
-            <a:endParaRPr lang="en-US"/>
-          </a:p>
-        </p:txBody>
-      </p:sp>
-      <p:sp>
-        <p:nvSpPr>
-          <p:cNvPr id="8" name="Rectangle 7">
-            <a:extLst>
-              <a:ext uri="{FF2B5EF4-FFF2-40B4-BE49-F238E27FC236}">
-                <a16:creationId xmlns:a16="http://schemas.microsoft.com/office/drawing/2014/main" id="{1C026455-CAB0-7107-5E06-73B62BD22F6E}"/>
+            <a:endParaRPr lang="en-US" sz="1400" dirty="0">
+              <a:solidFill>
+                <a:schemeClr val="tx1"/>
+              </a:solidFill>
+            </a:endParaRPr>
+          </a:p>
+        </p:txBody>
+      </p:sp>
+      <p:sp>
+        <p:nvSpPr>
+          <p:cNvPr id="12" name="Rectangle 11">
+            <a:extLst>
+              <a:ext uri="{FF2B5EF4-FFF2-40B4-BE49-F238E27FC236}">
+                <a16:creationId xmlns:a16="http://schemas.microsoft.com/office/drawing/2014/main" id="{F986DC6C-1BE0-BE94-FAB1-0037AA89F8FF}"/>
               </a:ext>
             </a:extLst>
           </p:cNvPr>
@@ -10059,33 +9687,28 @@
         </p:nvSpPr>
         <p:spPr>
           <a:xfrm>
-            <a:off x="4158792" y="1480201"/>
-            <a:ext cx="3233595" cy="269288"/>
+            <a:off x="1104123" y="1587759"/>
+            <a:ext cx="1188098" cy="410613"/>
           </a:xfrm>
           <a:prstGeom prst="rect">
             <a:avLst/>
           </a:prstGeom>
           <a:solidFill>
-            <a:schemeClr val="accent6">
-              <a:lumMod val="40000"/>
-              <a:lumOff val="60000"/>
-            </a:schemeClr>
+            <a:srgbClr val="FA7676"/>
           </a:solidFill>
           <a:ln>
             <a:noFill/>
           </a:ln>
         </p:spPr>
         <p:style>
-          <a:lnRef idx="2">
-            <a:schemeClr val="accent1">
-              <a:shade val="15000"/>
-            </a:schemeClr>
+          <a:lnRef idx="0">
+            <a:scrgbClr r="0" g="0" b="0"/>
           </a:lnRef>
-          <a:fillRef idx="1">
-            <a:schemeClr val="accent1"/>
+          <a:fillRef idx="0">
+            <a:scrgbClr r="0" g="0" b="0"/>
           </a:fillRef>
           <a:effectRef idx="0">
-            <a:schemeClr val="accent1"/>
+            <a:scrgbClr r="0" g="0" b="0"/>
           </a:effectRef>
           <a:fontRef idx="minor">
             <a:schemeClr val="lt1"/>
@@ -10095,17 +9718,33 @@
           <a:bodyPr rtlCol="0" anchor="ctr"/>
           <a:lstStyle/>
           <a:p>
-            <a:pPr algn="ctr"/>
-            <a:endParaRPr lang="en-US"/>
-          </a:p>
-        </p:txBody>
-      </p:sp>
-      <p:sp>
-        <p:nvSpPr>
-          <p:cNvPr id="7" name="Rectangle 6">
-            <a:extLst>
-              <a:ext uri="{FF2B5EF4-FFF2-40B4-BE49-F238E27FC236}">
-                <a16:creationId xmlns:a16="http://schemas.microsoft.com/office/drawing/2014/main" id="{790F2CA3-19A2-C7F6-C82D-20112C0EFFC8}"/>
+            <a:pPr marL="0" marR="0" lvl="0" indent="0" algn="ctr" defTabSz="914400" rtl="0" eaLnBrk="1" fontAlgn="auto" latinLnBrk="0" hangingPunct="1">
+              <a:lnSpc>
+                <a:spcPct val="100000"/>
+              </a:lnSpc>
+              <a:spcBef>
+                <a:spcPts val="0"/>
+              </a:spcBef>
+              <a:spcAft>
+                <a:spcPts val="0"/>
+              </a:spcAft>
+              <a:buClrTx/>
+              <a:buSzTx/>
+              <a:buFontTx/>
+              <a:buNone/>
+              <a:tabLst/>
+              <a:defRPr/>
+            </a:pPr>
+            <a:endParaRPr lang="en-US" dirty="0"/>
+          </a:p>
+        </p:txBody>
+      </p:sp>
+      <p:sp>
+        <p:nvSpPr>
+          <p:cNvPr id="6" name="Rectangle 5">
+            <a:extLst>
+              <a:ext uri="{FF2B5EF4-FFF2-40B4-BE49-F238E27FC236}">
+                <a16:creationId xmlns:a16="http://schemas.microsoft.com/office/drawing/2014/main" id="{249DAFC3-4513-6A0A-BD32-2807BA04FCBE}"/>
               </a:ext>
             </a:extLst>
           </p:cNvPr>
@@ -10114,63 +9753,8 @@
         </p:nvSpPr>
         <p:spPr>
           <a:xfrm>
-            <a:off x="4158792" y="1256969"/>
-            <a:ext cx="2177618" cy="190634"/>
-          </a:xfrm>
-          <a:prstGeom prst="rect">
-            <a:avLst/>
-          </a:prstGeom>
-          <a:solidFill>
-            <a:schemeClr val="accent1">
-              <a:lumMod val="40000"/>
-              <a:lumOff val="60000"/>
-            </a:schemeClr>
-          </a:solidFill>
-          <a:ln>
-            <a:noFill/>
-          </a:ln>
-        </p:spPr>
-        <p:style>
-          <a:lnRef idx="2">
-            <a:schemeClr val="accent1">
-              <a:shade val="15000"/>
-            </a:schemeClr>
-          </a:lnRef>
-          <a:fillRef idx="1">
-            <a:schemeClr val="accent1"/>
-          </a:fillRef>
-          <a:effectRef idx="0">
-            <a:schemeClr val="accent1"/>
-          </a:effectRef>
-          <a:fontRef idx="minor">
-            <a:schemeClr val="lt1"/>
-          </a:fontRef>
-        </p:style>
-        <p:txBody>
-          <a:bodyPr rtlCol="0" anchor="ctr"/>
-          <a:lstStyle/>
-          <a:p>
-            <a:pPr algn="ctr"/>
-            <a:endParaRPr lang="en-US"/>
-          </a:p>
-        </p:txBody>
-      </p:sp>
-      <p:sp>
-        <p:nvSpPr>
-          <p:cNvPr id="6" name="Rectangle 5">
-            <a:extLst>
-              <a:ext uri="{FF2B5EF4-FFF2-40B4-BE49-F238E27FC236}">
-                <a16:creationId xmlns:a16="http://schemas.microsoft.com/office/drawing/2014/main" id="{5D85A8FA-8E6E-79A7-59E0-7676B5C606A4}"/>
-              </a:ext>
-            </a:extLst>
-          </p:cNvPr>
-          <p:cNvSpPr/>
-          <p:nvPr/>
-        </p:nvSpPr>
-        <p:spPr>
-          <a:xfrm>
-            <a:off x="3945360" y="939165"/>
-            <a:ext cx="6738360" cy="5238115"/>
+            <a:off x="857957" y="1395203"/>
+            <a:ext cx="5337571" cy="2592113"/>
           </a:xfrm>
           <a:prstGeom prst="rect">
             <a:avLst/>
@@ -10206,19 +9790,17 @@
             </a:r>
             <a:r>
               <a:rPr lang="en-US" sz="1600" dirty="0" err="1"/>
-              <a:t>ArchitectureName</a:t>
+              <a:t>FlowName</a:t>
             </a:r>
             <a:r>
               <a:rPr lang="en-US" sz="1600" dirty="0"/>
-              <a:t>(</a:t>
-            </a:r>
-            <a:r>
-              <a:rPr lang="en-US" sz="1600" dirty="0" err="1"/>
-              <a:t>FunctionArchitecture</a:t>
-            </a:r>
+              <a:t>(Flow):</a:t>
+            </a:r>
+          </a:p>
+          <a:p>
             <a:r>
               <a:rPr lang="en-US" sz="1600" dirty="0"/>
-              <a:t>):</a:t>
+              <a:t>    __slots__ = ()</a:t>
             </a:r>
           </a:p>
           <a:p>
@@ -10228,17 +9810,20 @@
             </a:r>
             <a:r>
               <a:rPr lang="en-US" sz="1600" dirty="0" err="1"/>
-              <a:t>container_p</a:t>
+              <a:t>container_s</a:t>
             </a:r>
             <a:r>
               <a:rPr lang="en-US" sz="1600" dirty="0"/>
-              <a:t>= </a:t>
+              <a:t> = </a:t>
             </a:r>
             <a:r>
               <a:rPr lang="en-US" sz="1600" dirty="0" err="1"/>
-              <a:t>ModelParam</a:t>
-            </a:r>
-            <a:endParaRPr lang="en-US" sz="1600" dirty="0"/>
+              <a:t>StateName</a:t>
+            </a:r>
+            <a:r>
+              <a:rPr lang="en-US" sz="1600" dirty="0"/>
+              <a:t>()</a:t>
+            </a:r>
           </a:p>
           <a:p>
             <a:r>
@@ -10247,31 +9832,20 @@
             </a:r>
             <a:r>
               <a:rPr lang="en-US" sz="1600" dirty="0" err="1"/>
-              <a:t>default_sp</a:t>
+              <a:t>container_p</a:t>
             </a:r>
             <a:r>
               <a:rPr lang="en-US" sz="1600" dirty="0"/>
-              <a:t> = {‘</a:t>
+              <a:t> = </a:t>
             </a:r>
             <a:r>
               <a:rPr lang="en-US" sz="1600" dirty="0" err="1"/>
-              <a:t>end_time</a:t>
-            </a:r>
-            <a:r>
-              <a:rPr lang="en-US" sz="1600"/>
-              <a:t>’:</a:t>
-            </a:r>
-            <a:r>
-              <a:rPr lang="en-US" sz="1600">
-                <a:sym typeface="Wingdings" panose="05000000000000000000" pitchFamily="2" charset="2"/>
-              </a:rPr>
-              <a:t> 100</a:t>
-            </a:r>
-            <a:r>
-              <a:rPr lang="en-US" sz="1600"/>
-              <a:t>}</a:t>
-            </a:r>
-            <a:endParaRPr lang="en-US" sz="1600" dirty="0"/>
+              <a:t>ParameterName</a:t>
+            </a:r>
+            <a:r>
+              <a:rPr lang="en-US" sz="1600" dirty="0"/>
+              <a:t>()</a:t>
+            </a:r>
           </a:p>
           <a:p>
             <a:r>
@@ -10284,127 +9858,21 @@
             </a:r>
             <a:r>
               <a:rPr lang="en-US" sz="1600" dirty="0"/>
-              <a:t> = [“</a:t>
+              <a:t> = [‘</a:t>
             </a:r>
             <a:r>
               <a:rPr lang="en-US" sz="1600" dirty="0" err="1"/>
-              <a:t>fxns</a:t>
+              <a:t>s’,’m</a:t>
             </a:r>
             <a:r>
               <a:rPr lang="en-US" sz="1600" dirty="0"/>
-              <a:t>”, “flows]</a:t>
+              <a:t>’]</a:t>
             </a:r>
           </a:p>
           <a:p>
             <a:r>
               <a:rPr lang="en-US" sz="1600" dirty="0"/>
-              <a:t>    </a:t>
-            </a:r>
-          </a:p>
-          <a:p>
-            <a:r>
-              <a:rPr lang="en-US" sz="1600" dirty="0"/>
-              <a:t>    def </a:t>
-            </a:r>
-            <a:r>
-              <a:rPr lang="en-US" sz="1600" dirty="0" err="1"/>
-              <a:t>init_architecture</a:t>
-            </a:r>
-            <a:r>
-              <a:rPr lang="en-US" sz="1600" dirty="0"/>
-              <a:t>(self, **</a:t>
-            </a:r>
-            <a:r>
-              <a:rPr lang="en-US" sz="1600" dirty="0" err="1"/>
-              <a:t>kwargs</a:t>
-            </a:r>
-            <a:r>
-              <a:rPr lang="en-US" sz="1600" dirty="0"/>
-              <a:t>):</a:t>
-            </a:r>
-          </a:p>
-          <a:p>
-            <a:r>
-              <a:rPr lang="en-US" sz="1600" dirty="0"/>
-              <a:t>        </a:t>
-            </a:r>
-            <a:r>
-              <a:rPr lang="en-US" sz="1600" dirty="0" err="1"/>
-              <a:t>self.add_flow</a:t>
-            </a:r>
-            <a:r>
-              <a:rPr lang="en-US" sz="1600" dirty="0"/>
-              <a:t>(“</a:t>
-            </a:r>
-            <a:r>
-              <a:rPr lang="en-US" sz="1600" dirty="0" err="1"/>
-              <a:t>flowname</a:t>
-            </a:r>
-            <a:r>
-              <a:rPr lang="en-US" sz="1600" dirty="0"/>
-              <a:t>”, </a:t>
-            </a:r>
-            <a:r>
-              <a:rPr lang="en-US" sz="1600" dirty="0" err="1"/>
-              <a:t>FlowClass</a:t>
-            </a:r>
-            <a:r>
-              <a:rPr lang="en-US" sz="1600" dirty="0"/>
-              <a:t>)</a:t>
-            </a:r>
-          </a:p>
-          <a:p>
-            <a:r>
-              <a:rPr lang="en-US" sz="1600" dirty="0"/>
-              <a:t>        …</a:t>
-            </a:r>
-          </a:p>
-          <a:p>
-            <a:r>
-              <a:rPr lang="en-US" sz="1600" dirty="0"/>
-              <a:t>        </a:t>
-            </a:r>
-            <a:r>
-              <a:rPr lang="en-US" sz="1600" dirty="0" err="1"/>
-              <a:t>self.add_fxn</a:t>
-            </a:r>
-            <a:r>
-              <a:rPr lang="en-US" sz="1600" dirty="0"/>
-              <a:t>(“</a:t>
-            </a:r>
-            <a:r>
-              <a:rPr lang="en-US" sz="1600" dirty="0" err="1"/>
-              <a:t>functionname</a:t>
-            </a:r>
-            <a:r>
-              <a:rPr lang="en-US" sz="1600" dirty="0"/>
-              <a:t>”, </a:t>
-            </a:r>
-            <a:r>
-              <a:rPr lang="en-US" sz="1600" dirty="0" err="1"/>
-              <a:t>FunctionClass</a:t>
-            </a:r>
-            <a:r>
-              <a:rPr lang="en-US" sz="1600" dirty="0"/>
-              <a:t>, “flowname1”, “flowname2”)</a:t>
-            </a:r>
-          </a:p>
-          <a:p>
-            <a:r>
-              <a:rPr lang="en-US" sz="1600" dirty="0"/>
-              <a:t>        …</a:t>
-            </a:r>
-          </a:p>
-          <a:p>
-            <a:endParaRPr lang="en-US" sz="1600" dirty="0"/>
-          </a:p>
-          <a:p>
-            <a:endParaRPr lang="en-US" sz="1600" dirty="0"/>
-          </a:p>
-          <a:p>
-            <a:r>
-              <a:rPr lang="en-US" sz="1600" dirty="0"/>
-              <a:t>def </a:t>
+              <a:t> def </a:t>
             </a:r>
             <a:r>
               <a:rPr lang="en-US" sz="1600" dirty="0" err="1"/>
@@ -10426,13 +9894,15 @@
                   <a:srgbClr val="00FF00"/>
                 </a:highlight>
               </a:rPr>
-              <a:t>Conditional statement </a:t>
-            </a:r>
-          </a:p>
-          <a:p>
-            <a:r>
-              <a:rPr lang="en-US" sz="1600" dirty="0"/>
-              <a:t>        </a:t>
+              <a:t>Conditional statement (e.g., </a:t>
+            </a:r>
+            <a:r>
+              <a:rPr lang="en-US" sz="1600" dirty="0" err="1">
+                <a:highlight>
+                  <a:srgbClr val="00FF00"/>
+                </a:highlight>
+              </a:rPr>
+              <a:t>self.s.state</a:t>
             </a:r>
             <a:r>
               <a:rPr lang="en-US" sz="1600" dirty="0">
@@ -10440,105 +9910,18 @@
                   <a:srgbClr val="00FF00"/>
                 </a:highlight>
               </a:rPr>
-              <a:t>(e.g., </a:t>
-            </a:r>
-            <a:r>
-              <a:rPr lang="en-US" sz="1600" dirty="0" err="1">
-                <a:highlight>
-                  <a:srgbClr val="00FF00"/>
-                </a:highlight>
-              </a:rPr>
-              <a:t>self.fxns</a:t>
-            </a:r>
-            <a:r>
-              <a:rPr lang="en-US" sz="1600" dirty="0">
-                <a:highlight>
-                  <a:srgbClr val="00FF00"/>
-                </a:highlight>
-              </a:rPr>
-              <a:t>[“</a:t>
-            </a:r>
-            <a:r>
-              <a:rPr lang="en-US" sz="1600" dirty="0" err="1">
-                <a:highlight>
-                  <a:srgbClr val="00FF00"/>
-                </a:highlight>
-              </a:rPr>
-              <a:t>functionname</a:t>
-            </a:r>
-            <a:r>
-              <a:rPr lang="en-US" sz="1600" dirty="0">
-                <a:highlight>
-                  <a:srgbClr val="00FF00"/>
-                </a:highlight>
-              </a:rPr>
-              <a:t>”].</a:t>
-            </a:r>
-            <a:r>
-              <a:rPr lang="en-US" sz="1600" dirty="0" err="1">
-                <a:highlight>
-                  <a:srgbClr val="00FF00"/>
-                </a:highlight>
-              </a:rPr>
-              <a:t>s.state</a:t>
-            </a:r>
-            <a:r>
-              <a:rPr lang="en-US" sz="1600" dirty="0">
-                <a:highlight>
-                  <a:srgbClr val="00FF00"/>
-                </a:highlight>
-              </a:rPr>
-              <a:t>&gt;threshold)</a:t>
-            </a:r>
-          </a:p>
-          <a:p>
-            <a:r>
-              <a:rPr lang="en-US" sz="1600" dirty="0">
-                <a:highlight>
-                  <a:srgbClr val="00FF00"/>
-                </a:highlight>
-              </a:rPr>
-              <a:t> which is logged in the history and may be used to terminate simulations</a:t>
-            </a:r>
-          </a:p>
-          <a:p>
-            <a:r>
-              <a:rPr lang="en-US" sz="1600" dirty="0"/>
-              <a:t>    </a:t>
-            </a:r>
-          </a:p>
-          <a:p>
-            <a:r>
-              <a:rPr lang="en-US" sz="1600" dirty="0"/>
-              <a:t>def </a:t>
-            </a:r>
-            <a:r>
-              <a:rPr lang="en-US" sz="1600" dirty="0" err="1"/>
-              <a:t>find_classification</a:t>
-            </a:r>
-            <a:r>
-              <a:rPr lang="en-US" sz="1600" dirty="0"/>
-              <a:t>(self, time):</a:t>
-            </a:r>
-          </a:p>
-          <a:p>
-            <a:r>
-              <a:rPr lang="en-US" sz="1600" dirty="0">
-                <a:highlight>
-                  <a:srgbClr val="E997E9"/>
-                </a:highlight>
-              </a:rPr>
-              <a:t>        Returns a Result dictionary (calculated at completion)</a:t>
-            </a:r>
-          </a:p>
-        </p:txBody>
-      </p:sp>
-      <p:sp>
-        <p:nvSpPr>
-          <p:cNvPr id="10" name="Rectangle 9">
-            <a:extLst>
-              <a:ext uri="{FF2B5EF4-FFF2-40B4-BE49-F238E27FC236}">
-                <a16:creationId xmlns:a16="http://schemas.microsoft.com/office/drawing/2014/main" id="{FF99E59A-7941-6350-EE6B-CB334F86800C}"/>
+              <a:t>&gt;threshold) which is logged in the history and may be used to terminate simulations</a:t>
+            </a:r>
+            <a:endParaRPr lang="en-US" sz="1600" dirty="0"/>
+          </a:p>
+        </p:txBody>
+      </p:sp>
+      <p:sp>
+        <p:nvSpPr>
+          <p:cNvPr id="7" name="Rectangle 6">
+            <a:extLst>
+              <a:ext uri="{FF2B5EF4-FFF2-40B4-BE49-F238E27FC236}">
+                <a16:creationId xmlns:a16="http://schemas.microsoft.com/office/drawing/2014/main" id="{B37B1DDA-981F-C8FD-739D-8709EDF53B4B}"/>
               </a:ext>
             </a:extLst>
           </p:cNvPr>
@@ -10547,8 +9930,421 @@
         </p:nvSpPr>
         <p:spPr>
           <a:xfrm>
-            <a:off x="7917287" y="1646681"/>
-            <a:ext cx="4076593" cy="940685"/>
+            <a:off x="6651007" y="1203650"/>
+            <a:ext cx="4982547" cy="794722"/>
+          </a:xfrm>
+          <a:prstGeom prst="rect">
+            <a:avLst/>
+          </a:prstGeom>
+          <a:solidFill>
+            <a:srgbClr val="FA7676"/>
+          </a:solidFill>
+          <a:ln>
+            <a:noFill/>
+          </a:ln>
+        </p:spPr>
+        <p:style>
+          <a:lnRef idx="0">
+            <a:scrgbClr r="0" g="0" b="0"/>
+          </a:lnRef>
+          <a:fillRef idx="0">
+            <a:scrgbClr r="0" g="0" b="0"/>
+          </a:fillRef>
+          <a:effectRef idx="0">
+            <a:scrgbClr r="0" g="0" b="0"/>
+          </a:effectRef>
+          <a:fontRef idx="minor">
+            <a:schemeClr val="lt1"/>
+          </a:fontRef>
+        </p:style>
+        <p:txBody>
+          <a:bodyPr rtlCol="0" anchor="ctr"/>
+          <a:lstStyle/>
+          <a:p>
+            <a:pPr marL="0" marR="0" lvl="0" indent="0" algn="ctr" defTabSz="914400" rtl="0" eaLnBrk="1" fontAlgn="auto" latinLnBrk="0" hangingPunct="1">
+              <a:lnSpc>
+                <a:spcPct val="100000"/>
+              </a:lnSpc>
+              <a:spcBef>
+                <a:spcPts val="0"/>
+              </a:spcBef>
+              <a:spcAft>
+                <a:spcPts val="0"/>
+              </a:spcAft>
+              <a:buClrTx/>
+              <a:buSzTx/>
+              <a:buFontTx/>
+              <a:buNone/>
+              <a:tabLst/>
+              <a:defRPr/>
+            </a:pPr>
+            <a:r>
+              <a:rPr lang="en-US" sz="1400" dirty="0">
+                <a:solidFill>
+                  <a:prstClr val="black"/>
+                </a:solidFill>
+                <a:latin typeface="Calibri" panose="020F0502020204030204"/>
+              </a:rPr>
+              <a:t>Classes in </a:t>
+            </a:r>
+            <a:r>
+              <a:rPr lang="en-US" sz="1400" dirty="0" err="1">
+                <a:solidFill>
+                  <a:prstClr val="black"/>
+                </a:solidFill>
+                <a:latin typeface="Calibri" panose="020F0502020204030204"/>
+              </a:rPr>
+              <a:t>fmdtools</a:t>
+            </a:r>
+            <a:r>
+              <a:rPr lang="en-US" sz="1400" dirty="0">
+                <a:solidFill>
+                  <a:prstClr val="black"/>
+                </a:solidFill>
+                <a:latin typeface="Calibri" panose="020F0502020204030204"/>
+              </a:rPr>
+              <a:t> rely heavily on __slots__ for performance and type-safety. If no non-standard attributes are added, leave this blank.</a:t>
+            </a:r>
+            <a:endParaRPr lang="en-US" dirty="0"/>
+          </a:p>
+        </p:txBody>
+      </p:sp>
+      <p:cxnSp>
+        <p:nvCxnSpPr>
+          <p:cNvPr id="8" name="Straight Arrow Connector 7">
+            <a:extLst>
+              <a:ext uri="{FF2B5EF4-FFF2-40B4-BE49-F238E27FC236}">
+                <a16:creationId xmlns:a16="http://schemas.microsoft.com/office/drawing/2014/main" id="{C14D8BB3-EA70-3278-5DC5-1A5F44600170}"/>
+              </a:ext>
+            </a:extLst>
+          </p:cNvPr>
+          <p:cNvCxnSpPr>
+            <a:cxnSpLocks/>
+            <a:stCxn id="7" idx="1"/>
+          </p:cNvCxnSpPr>
+          <p:nvPr/>
+        </p:nvCxnSpPr>
+        <p:spPr>
+          <a:xfrm flipH="1">
+            <a:off x="2292221" y="1601011"/>
+            <a:ext cx="4358786" cy="204012"/>
+          </a:xfrm>
+          <a:prstGeom prst="straightConnector1">
+            <a:avLst/>
+          </a:prstGeom>
+          <a:ln w="38100">
+            <a:solidFill>
+              <a:srgbClr val="FA7676"/>
+            </a:solidFill>
+            <a:tailEnd type="triangle"/>
+          </a:ln>
+        </p:spPr>
+        <p:style>
+          <a:lnRef idx="1">
+            <a:schemeClr val="accent1"/>
+          </a:lnRef>
+          <a:fillRef idx="0">
+            <a:schemeClr val="accent1"/>
+          </a:fillRef>
+          <a:effectRef idx="0">
+            <a:schemeClr val="accent1"/>
+          </a:effectRef>
+          <a:fontRef idx="minor">
+            <a:schemeClr val="tx1"/>
+          </a:fontRef>
+        </p:style>
+      </p:cxnSp>
+      <p:sp>
+        <p:nvSpPr>
+          <p:cNvPr id="13" name="Rectangle 12">
+            <a:extLst>
+              <a:ext uri="{FF2B5EF4-FFF2-40B4-BE49-F238E27FC236}">
+                <a16:creationId xmlns:a16="http://schemas.microsoft.com/office/drawing/2014/main" id="{C1C7F11E-A072-A4AD-F38A-E3E4DF026A82}"/>
+              </a:ext>
+            </a:extLst>
+          </p:cNvPr>
+          <p:cNvSpPr/>
+          <p:nvPr/>
+        </p:nvSpPr>
+        <p:spPr>
+          <a:xfrm>
+            <a:off x="6653122" y="2066925"/>
+            <a:ext cx="4602318" cy="630504"/>
+          </a:xfrm>
+          <a:prstGeom prst="rect">
+            <a:avLst/>
+          </a:prstGeom>
+          <a:solidFill>
+            <a:schemeClr val="accent1">
+              <a:lumMod val="40000"/>
+              <a:lumOff val="60000"/>
+            </a:schemeClr>
+          </a:solidFill>
+          <a:ln>
+            <a:noFill/>
+          </a:ln>
+        </p:spPr>
+        <p:style>
+          <a:lnRef idx="2">
+            <a:schemeClr val="accent1">
+              <a:shade val="15000"/>
+            </a:schemeClr>
+          </a:lnRef>
+          <a:fillRef idx="1">
+            <a:schemeClr val="accent1"/>
+          </a:fillRef>
+          <a:effectRef idx="0">
+            <a:schemeClr val="accent1"/>
+          </a:effectRef>
+          <a:fontRef idx="minor">
+            <a:schemeClr val="lt1"/>
+          </a:fontRef>
+        </p:style>
+        <p:txBody>
+          <a:bodyPr rtlCol="0" anchor="ctr"/>
+          <a:lstStyle/>
+          <a:p>
+            <a:pPr algn="ctr"/>
+            <a:r>
+              <a:rPr lang="en-US" sz="1400" dirty="0">
+                <a:solidFill>
+                  <a:schemeClr val="tx1"/>
+                </a:solidFill>
+              </a:rPr>
+              <a:t>Specifies which container classes play specific Flow </a:t>
+            </a:r>
+            <a:r>
+              <a:rPr lang="en-US" sz="1400" b="1" dirty="0">
+                <a:solidFill>
+                  <a:schemeClr val="tx1"/>
+                </a:solidFill>
+              </a:rPr>
+              <a:t>roles </a:t>
+            </a:r>
+            <a:r>
+              <a:rPr lang="en-US" sz="1400" dirty="0">
+                <a:solidFill>
+                  <a:schemeClr val="tx1"/>
+                </a:solidFill>
+              </a:rPr>
+              <a:t>(e.g., s corresponds to the state role, p corresponds to a parameter role, m corresponds to the mode role, </a:t>
+            </a:r>
+            <a:r>
+              <a:rPr lang="en-US" sz="1400" dirty="0" err="1">
+                <a:solidFill>
+                  <a:schemeClr val="tx1"/>
+                </a:solidFill>
+              </a:rPr>
+              <a:t>etc</a:t>
+            </a:r>
+            <a:r>
+              <a:rPr lang="en-US" sz="1400" dirty="0">
+                <a:solidFill>
+                  <a:schemeClr val="tx1"/>
+                </a:solidFill>
+              </a:rPr>
+              <a:t>)</a:t>
+            </a:r>
+          </a:p>
+        </p:txBody>
+      </p:sp>
+      <p:cxnSp>
+        <p:nvCxnSpPr>
+          <p:cNvPr id="15" name="Straight Arrow Connector 14">
+            <a:extLst>
+              <a:ext uri="{FF2B5EF4-FFF2-40B4-BE49-F238E27FC236}">
+                <a16:creationId xmlns:a16="http://schemas.microsoft.com/office/drawing/2014/main" id="{10E1143D-39EF-EF61-5A8C-1F769C7E2B57}"/>
+              </a:ext>
+            </a:extLst>
+          </p:cNvPr>
+          <p:cNvCxnSpPr>
+            <a:cxnSpLocks/>
+            <a:stCxn id="13" idx="1"/>
+          </p:cNvCxnSpPr>
+          <p:nvPr/>
+        </p:nvCxnSpPr>
+        <p:spPr>
+          <a:xfrm flipH="1" flipV="1">
+            <a:off x="4545732" y="2323532"/>
+            <a:ext cx="2107390" cy="58645"/>
+          </a:xfrm>
+          <a:prstGeom prst="straightConnector1">
+            <a:avLst/>
+          </a:prstGeom>
+          <a:ln w="38100">
+            <a:tailEnd type="triangle"/>
+          </a:ln>
+        </p:spPr>
+        <p:style>
+          <a:lnRef idx="1">
+            <a:schemeClr val="accent1"/>
+          </a:lnRef>
+          <a:fillRef idx="0">
+            <a:schemeClr val="accent1"/>
+          </a:fillRef>
+          <a:effectRef idx="0">
+            <a:schemeClr val="accent1"/>
+          </a:effectRef>
+          <a:fontRef idx="minor">
+            <a:schemeClr val="tx1"/>
+          </a:fontRef>
+        </p:style>
+      </p:cxnSp>
+      <p:sp>
+        <p:nvSpPr>
+          <p:cNvPr id="17" name="Rectangle 16">
+            <a:extLst>
+              <a:ext uri="{FF2B5EF4-FFF2-40B4-BE49-F238E27FC236}">
+                <a16:creationId xmlns:a16="http://schemas.microsoft.com/office/drawing/2014/main" id="{B3FA68BA-1FEA-C881-36F8-4A1E9300C7D7}"/>
+              </a:ext>
+            </a:extLst>
+          </p:cNvPr>
+          <p:cNvSpPr/>
+          <p:nvPr/>
+        </p:nvSpPr>
+        <p:spPr>
+          <a:xfrm>
+            <a:off x="6977578" y="3987316"/>
+            <a:ext cx="3040112" cy="740651"/>
+          </a:xfrm>
+          <a:prstGeom prst="rect">
+            <a:avLst/>
+          </a:prstGeom>
+          <a:solidFill>
+            <a:schemeClr val="accent6">
+              <a:lumMod val="20000"/>
+              <a:lumOff val="80000"/>
+            </a:schemeClr>
+          </a:solidFill>
+          <a:ln>
+            <a:noFill/>
+          </a:ln>
+        </p:spPr>
+        <p:style>
+          <a:lnRef idx="2">
+            <a:schemeClr val="accent1">
+              <a:shade val="15000"/>
+            </a:schemeClr>
+          </a:lnRef>
+          <a:fillRef idx="1">
+            <a:schemeClr val="accent1"/>
+          </a:fillRef>
+          <a:effectRef idx="0">
+            <a:schemeClr val="accent1"/>
+          </a:effectRef>
+          <a:fontRef idx="minor">
+            <a:schemeClr val="lt1"/>
+          </a:fontRef>
+        </p:style>
+        <p:txBody>
+          <a:bodyPr rtlCol="0" anchor="ctr"/>
+          <a:lstStyle/>
+          <a:p>
+            <a:pPr algn="ctr"/>
+            <a:r>
+              <a:rPr lang="en-US" sz="1400" dirty="0">
+                <a:solidFill>
+                  <a:schemeClr val="tx1"/>
+                </a:solidFill>
+              </a:rPr>
+              <a:t>These methods define Flow </a:t>
+            </a:r>
+            <a:r>
+              <a:rPr lang="en-US" sz="1400" b="1" dirty="0">
+                <a:solidFill>
+                  <a:schemeClr val="tx1"/>
+                </a:solidFill>
+              </a:rPr>
+              <a:t>indicators</a:t>
+            </a:r>
+            <a:r>
+              <a:rPr lang="en-US" sz="1400" dirty="0">
+                <a:solidFill>
+                  <a:schemeClr val="tx1"/>
+                </a:solidFill>
+              </a:rPr>
+              <a:t> and are called/tracked during simulation (in </a:t>
+            </a:r>
+            <a:r>
+              <a:rPr lang="en-US" sz="1400" dirty="0" err="1">
+                <a:solidFill>
+                  <a:schemeClr val="tx1"/>
+                </a:solidFill>
+              </a:rPr>
+              <a:t>flow.i</a:t>
+            </a:r>
+            <a:r>
+              <a:rPr lang="en-US" sz="1400" dirty="0">
+                <a:solidFill>
+                  <a:schemeClr val="tx1"/>
+                </a:solidFill>
+              </a:rPr>
+              <a:t>)</a:t>
+            </a:r>
+          </a:p>
+        </p:txBody>
+      </p:sp>
+      <p:cxnSp>
+        <p:nvCxnSpPr>
+          <p:cNvPr id="18" name="Straight Arrow Connector 17">
+            <a:extLst>
+              <a:ext uri="{FF2B5EF4-FFF2-40B4-BE49-F238E27FC236}">
+                <a16:creationId xmlns:a16="http://schemas.microsoft.com/office/drawing/2014/main" id="{6749163A-33FF-1950-9ACC-BF0584A16ED1}"/>
+              </a:ext>
+            </a:extLst>
+          </p:cNvPr>
+          <p:cNvCxnSpPr>
+            <a:cxnSpLocks/>
+            <a:stCxn id="17" idx="1"/>
+          </p:cNvCxnSpPr>
+          <p:nvPr/>
+        </p:nvCxnSpPr>
+        <p:spPr>
+          <a:xfrm flipH="1" flipV="1">
+            <a:off x="5719665" y="3215938"/>
+            <a:ext cx="1257913" cy="1141704"/>
+          </a:xfrm>
+          <a:prstGeom prst="straightConnector1">
+            <a:avLst/>
+          </a:prstGeom>
+          <a:ln w="38100">
+            <a:solidFill>
+              <a:schemeClr val="accent6"/>
+            </a:solidFill>
+            <a:tailEnd type="triangle"/>
+          </a:ln>
+        </p:spPr>
+        <p:style>
+          <a:lnRef idx="1">
+            <a:schemeClr val="accent1"/>
+          </a:lnRef>
+          <a:fillRef idx="0">
+            <a:schemeClr val="accent1"/>
+          </a:fillRef>
+          <a:effectRef idx="0">
+            <a:schemeClr val="accent1"/>
+          </a:effectRef>
+          <a:fontRef idx="minor">
+            <a:schemeClr val="tx1"/>
+          </a:fontRef>
+        </p:style>
+      </p:cxnSp>
+      <p:sp>
+        <p:nvSpPr>
+          <p:cNvPr id="22" name="Rectangle 21">
+            <a:extLst>
+              <a:ext uri="{FF2B5EF4-FFF2-40B4-BE49-F238E27FC236}">
+                <a16:creationId xmlns:a16="http://schemas.microsoft.com/office/drawing/2014/main" id="{E6E4E031-A442-C267-76D9-5349371FBA62}"/>
+              </a:ext>
+            </a:extLst>
+          </p:cNvPr>
+          <p:cNvSpPr/>
+          <p:nvPr/>
+        </p:nvSpPr>
+        <p:spPr>
+          <a:xfrm>
+            <a:off x="6651007" y="2749676"/>
+            <a:ext cx="5152219" cy="1089457"/>
           </a:xfrm>
           <a:prstGeom prst="rect">
             <a:avLst/>
@@ -10606,7 +10402,7 @@
                   <a:schemeClr val="tx1"/>
                 </a:solidFill>
               </a:rPr>
-              <a:t> in the Model history by default. May be a </a:t>
+              <a:t> in the </a:t>
             </a:r>
             <a:r>
               <a:rPr lang="en-US" sz="1400" dirty="0" err="1">
@@ -10614,6 +10410,38 @@
                   <a:schemeClr val="tx1"/>
                 </a:solidFill>
               </a:rPr>
+              <a:t>FxnBlock</a:t>
+            </a:r>
+            <a:r>
+              <a:rPr lang="en-US" sz="1400" dirty="0">
+                <a:solidFill>
+                  <a:schemeClr val="tx1"/>
+                </a:solidFill>
+              </a:rPr>
+              <a:t> history (</a:t>
+            </a:r>
+            <a:r>
+              <a:rPr lang="en-US" sz="1400" dirty="0" err="1">
+                <a:solidFill>
+                  <a:schemeClr val="tx1"/>
+                </a:solidFill>
+              </a:rPr>
+              <a:t>fxnname.h</a:t>
+            </a:r>
+            <a:r>
+              <a:rPr lang="en-US" sz="1400" dirty="0">
+                <a:solidFill>
+                  <a:schemeClr val="tx1"/>
+                </a:solidFill>
+              </a:rPr>
+              <a:t>) by default. May be a </a:t>
+            </a:r>
+            <a:r>
+              <a:rPr lang="en-US" sz="1400" dirty="0" err="1">
+                <a:solidFill>
+                  <a:schemeClr val="tx1"/>
+                </a:solidFill>
+              </a:rPr>
               <a:t>dict</a:t>
             </a:r>
             <a:r>
@@ -10670,17 +10498,91 @@
                   <a:schemeClr val="tx1"/>
                 </a:solidFill>
               </a:rPr>
-              <a:t>). Overwritten by the track option in propagate. </a:t>
-            </a:r>
-          </a:p>
-        </p:txBody>
-      </p:sp>
-      <p:sp>
-        <p:nvSpPr>
-          <p:cNvPr id="14" name="Rectangle 13">
-            <a:extLst>
-              <a:ext uri="{FF2B5EF4-FFF2-40B4-BE49-F238E27FC236}">
-                <a16:creationId xmlns:a16="http://schemas.microsoft.com/office/drawing/2014/main" id="{0D391646-A2EB-6DB7-673E-EBCE48A81170}"/>
+              <a:t>). Overwritten by the track parameter during model instantiation.</a:t>
+            </a:r>
+          </a:p>
+        </p:txBody>
+      </p:sp>
+      <p:cxnSp>
+        <p:nvCxnSpPr>
+          <p:cNvPr id="29" name="Straight Arrow Connector 28">
+            <a:extLst>
+              <a:ext uri="{FF2B5EF4-FFF2-40B4-BE49-F238E27FC236}">
+                <a16:creationId xmlns:a16="http://schemas.microsoft.com/office/drawing/2014/main" id="{B3AFA92A-F557-0EE4-FF2D-62C6EE1362E2}"/>
+              </a:ext>
+            </a:extLst>
+          </p:cNvPr>
+          <p:cNvCxnSpPr>
+            <a:cxnSpLocks/>
+          </p:cNvCxnSpPr>
+          <p:nvPr/>
+        </p:nvCxnSpPr>
+        <p:spPr>
+          <a:xfrm flipH="1" flipV="1">
+            <a:off x="3228392" y="2586456"/>
+            <a:ext cx="3422615" cy="371346"/>
+          </a:xfrm>
+          <a:prstGeom prst="straightConnector1">
+            <a:avLst/>
+          </a:prstGeom>
+          <a:ln w="38100">
+            <a:solidFill>
+              <a:srgbClr val="FF8A02"/>
+            </a:solidFill>
+            <a:tailEnd type="triangle"/>
+          </a:ln>
+        </p:spPr>
+        <p:style>
+          <a:lnRef idx="1">
+            <a:schemeClr val="accent1"/>
+          </a:lnRef>
+          <a:fillRef idx="0">
+            <a:schemeClr val="accent1"/>
+          </a:fillRef>
+          <a:effectRef idx="0">
+            <a:schemeClr val="accent1"/>
+          </a:effectRef>
+          <a:fontRef idx="minor">
+            <a:schemeClr val="tx1"/>
+          </a:fontRef>
+        </p:style>
+      </p:cxnSp>
+    </p:spTree>
+    <p:extLst>
+      <p:ext uri="{BB962C8B-B14F-4D97-AF65-F5344CB8AC3E}">
+        <p14:creationId xmlns:p14="http://schemas.microsoft.com/office/powerpoint/2010/main" val="934278802"/>
+      </p:ext>
+    </p:extLst>
+  </p:cSld>
+  <p:clrMapOvr>
+    <a:masterClrMapping/>
+  </p:clrMapOvr>
+</p:sld>
+</file>
+
+<file path=ppt/slides/slide14.xml><?xml version="1.0" encoding="utf-8"?>
+<p:sld xmlns:a="http://schemas.openxmlformats.org/drawingml/2006/main" xmlns:r="http://schemas.openxmlformats.org/officeDocument/2006/relationships" xmlns:p="http://schemas.openxmlformats.org/presentationml/2006/main">
+  <p:cSld>
+    <p:spTree>
+      <p:nvGrpSpPr>
+        <p:cNvPr id="1" name=""/>
+        <p:cNvGrpSpPr/>
+        <p:nvPr/>
+      </p:nvGrpSpPr>
+      <p:grpSpPr>
+        <a:xfrm>
+          <a:off x="0" y="0"/>
+          <a:ext cx="0" cy="0"/>
+          <a:chOff x="0" y="0"/>
+          <a:chExt cx="0" cy="0"/>
+        </a:xfrm>
+      </p:grpSpPr>
+      <p:sp>
+        <p:nvSpPr>
+          <p:cNvPr id="19" name="Rectangle 18">
+            <a:extLst>
+              <a:ext uri="{FF2B5EF4-FFF2-40B4-BE49-F238E27FC236}">
+                <a16:creationId xmlns:a16="http://schemas.microsoft.com/office/drawing/2014/main" id="{0693A252-A017-976B-7771-035403786F0E}"/>
               </a:ext>
             </a:extLst>
           </p:cNvPr>
@@ -10689,8 +10591,460 @@
         </p:nvSpPr>
         <p:spPr>
           <a:xfrm>
-            <a:off x="7391562" y="1200510"/>
-            <a:ext cx="4602318" cy="488526"/>
+            <a:off x="4029199" y="337102"/>
+            <a:ext cx="2304426" cy="459800"/>
+          </a:xfrm>
+          <a:prstGeom prst="rect">
+            <a:avLst/>
+          </a:prstGeom>
+          <a:solidFill>
+            <a:srgbClr val="FA7676"/>
+          </a:solidFill>
+          <a:ln>
+            <a:noFill/>
+          </a:ln>
+        </p:spPr>
+        <p:style>
+          <a:lnRef idx="0">
+            <a:scrgbClr r="0" g="0" b="0"/>
+          </a:lnRef>
+          <a:fillRef idx="0">
+            <a:scrgbClr r="0" g="0" b="0"/>
+          </a:fillRef>
+          <a:effectRef idx="0">
+            <a:scrgbClr r="0" g="0" b="0"/>
+          </a:effectRef>
+          <a:fontRef idx="minor">
+            <a:schemeClr val="lt1"/>
+          </a:fontRef>
+        </p:style>
+        <p:txBody>
+          <a:bodyPr rtlCol="0" anchor="ctr"/>
+          <a:lstStyle/>
+          <a:p>
+            <a:pPr marL="0" marR="0" lvl="0" indent="0" algn="ctr" defTabSz="914400" rtl="0" eaLnBrk="1" fontAlgn="auto" latinLnBrk="0" hangingPunct="1">
+              <a:lnSpc>
+                <a:spcPct val="100000"/>
+              </a:lnSpc>
+              <a:spcBef>
+                <a:spcPts val="0"/>
+              </a:spcBef>
+              <a:spcAft>
+                <a:spcPts val="0"/>
+              </a:spcAft>
+              <a:buClrTx/>
+              <a:buSzTx/>
+              <a:buFontTx/>
+              <a:buNone/>
+              <a:tabLst/>
+              <a:defRPr/>
+            </a:pPr>
+            <a:endParaRPr lang="en-US" dirty="0"/>
+          </a:p>
+        </p:txBody>
+      </p:sp>
+      <p:sp>
+        <p:nvSpPr>
+          <p:cNvPr id="46" name="Rectangle 45">
+            <a:extLst>
+              <a:ext uri="{FF2B5EF4-FFF2-40B4-BE49-F238E27FC236}">
+                <a16:creationId xmlns:a16="http://schemas.microsoft.com/office/drawing/2014/main" id="{72127004-8A7D-A358-ADEB-B3629DBFE527}"/>
+              </a:ext>
+            </a:extLst>
+          </p:cNvPr>
+          <p:cNvSpPr/>
+          <p:nvPr/>
+        </p:nvSpPr>
+        <p:spPr>
+          <a:xfrm>
+            <a:off x="3860814" y="5838288"/>
+            <a:ext cx="6392648" cy="856947"/>
+          </a:xfrm>
+          <a:prstGeom prst="rect">
+            <a:avLst/>
+          </a:prstGeom>
+          <a:solidFill>
+            <a:srgbClr val="F1D9F1"/>
+          </a:solidFill>
+          <a:ln>
+            <a:noFill/>
+          </a:ln>
+        </p:spPr>
+        <p:style>
+          <a:lnRef idx="2">
+            <a:schemeClr val="accent1">
+              <a:shade val="15000"/>
+            </a:schemeClr>
+          </a:lnRef>
+          <a:fillRef idx="1">
+            <a:schemeClr val="accent1"/>
+          </a:fillRef>
+          <a:effectRef idx="0">
+            <a:schemeClr val="accent1"/>
+          </a:effectRef>
+          <a:fontRef idx="minor">
+            <a:schemeClr val="lt1"/>
+          </a:fontRef>
+        </p:style>
+        <p:txBody>
+          <a:bodyPr rtlCol="0" anchor="ctr"/>
+          <a:lstStyle/>
+          <a:p>
+            <a:pPr algn="ctr"/>
+            <a:endParaRPr lang="en-US" sz="1400" b="1" dirty="0">
+              <a:solidFill>
+                <a:schemeClr val="tx1"/>
+              </a:solidFill>
+            </a:endParaRPr>
+          </a:p>
+        </p:txBody>
+      </p:sp>
+      <p:sp>
+        <p:nvSpPr>
+          <p:cNvPr id="12" name="Rectangle 11">
+            <a:extLst>
+              <a:ext uri="{FF2B5EF4-FFF2-40B4-BE49-F238E27FC236}">
+                <a16:creationId xmlns:a16="http://schemas.microsoft.com/office/drawing/2014/main" id="{E3774B39-3B4C-D81E-872A-828DD7656DFD}"/>
+              </a:ext>
+            </a:extLst>
+          </p:cNvPr>
+          <p:cNvSpPr/>
+          <p:nvPr/>
+        </p:nvSpPr>
+        <p:spPr>
+          <a:xfrm>
+            <a:off x="3830098" y="5073270"/>
+            <a:ext cx="6430023" cy="768917"/>
+          </a:xfrm>
+          <a:prstGeom prst="rect">
+            <a:avLst/>
+          </a:prstGeom>
+          <a:solidFill>
+            <a:schemeClr val="accent6">
+              <a:lumMod val="20000"/>
+              <a:lumOff val="80000"/>
+            </a:schemeClr>
+          </a:solidFill>
+          <a:ln>
+            <a:noFill/>
+          </a:ln>
+        </p:spPr>
+        <p:style>
+          <a:lnRef idx="2">
+            <a:schemeClr val="accent1">
+              <a:shade val="15000"/>
+            </a:schemeClr>
+          </a:lnRef>
+          <a:fillRef idx="1">
+            <a:schemeClr val="accent1"/>
+          </a:fillRef>
+          <a:effectRef idx="0">
+            <a:schemeClr val="accent1"/>
+          </a:effectRef>
+          <a:fontRef idx="minor">
+            <a:schemeClr val="lt1"/>
+          </a:fontRef>
+        </p:style>
+        <p:txBody>
+          <a:bodyPr rtlCol="0" anchor="ctr"/>
+          <a:lstStyle/>
+          <a:p>
+            <a:pPr algn="ctr"/>
+            <a:endParaRPr lang="en-US" sz="1400" dirty="0">
+              <a:solidFill>
+                <a:schemeClr val="tx1"/>
+              </a:solidFill>
+            </a:endParaRPr>
+          </a:p>
+        </p:txBody>
+      </p:sp>
+      <p:sp>
+        <p:nvSpPr>
+          <p:cNvPr id="36" name="Rectangle 35">
+            <a:extLst>
+              <a:ext uri="{FF2B5EF4-FFF2-40B4-BE49-F238E27FC236}">
+                <a16:creationId xmlns:a16="http://schemas.microsoft.com/office/drawing/2014/main" id="{A9639FBB-FEB5-DA38-1257-27E1770ED7AB}"/>
+              </a:ext>
+            </a:extLst>
+          </p:cNvPr>
+          <p:cNvSpPr/>
+          <p:nvPr/>
+        </p:nvSpPr>
+        <p:spPr>
+          <a:xfrm>
+            <a:off x="3823439" y="2886436"/>
+            <a:ext cx="6430023" cy="2192036"/>
+          </a:xfrm>
+          <a:prstGeom prst="rect">
+            <a:avLst/>
+          </a:prstGeom>
+          <a:solidFill>
+            <a:schemeClr val="accent1">
+              <a:lumMod val="20000"/>
+              <a:lumOff val="80000"/>
+            </a:schemeClr>
+          </a:solidFill>
+          <a:ln>
+            <a:noFill/>
+          </a:ln>
+        </p:spPr>
+        <p:style>
+          <a:lnRef idx="2">
+            <a:schemeClr val="accent1">
+              <a:shade val="15000"/>
+            </a:schemeClr>
+          </a:lnRef>
+          <a:fillRef idx="1">
+            <a:schemeClr val="accent1"/>
+          </a:fillRef>
+          <a:effectRef idx="0">
+            <a:schemeClr val="accent1"/>
+          </a:effectRef>
+          <a:fontRef idx="minor">
+            <a:schemeClr val="lt1"/>
+          </a:fontRef>
+        </p:style>
+        <p:txBody>
+          <a:bodyPr rtlCol="0" anchor="ctr"/>
+          <a:lstStyle/>
+          <a:p>
+            <a:pPr algn="ctr"/>
+            <a:endParaRPr lang="en-US"/>
+          </a:p>
+        </p:txBody>
+      </p:sp>
+      <p:sp>
+        <p:nvSpPr>
+          <p:cNvPr id="16" name="Rectangle 15">
+            <a:extLst>
+              <a:ext uri="{FF2B5EF4-FFF2-40B4-BE49-F238E27FC236}">
+                <a16:creationId xmlns:a16="http://schemas.microsoft.com/office/drawing/2014/main" id="{72C539D4-1CBA-B5E5-2E88-785897940B49}"/>
+              </a:ext>
+            </a:extLst>
+          </p:cNvPr>
+          <p:cNvSpPr/>
+          <p:nvPr/>
+        </p:nvSpPr>
+        <p:spPr>
+          <a:xfrm>
+            <a:off x="4036872" y="2386227"/>
+            <a:ext cx="3639847" cy="488526"/>
+          </a:xfrm>
+          <a:prstGeom prst="rect">
+            <a:avLst/>
+          </a:prstGeom>
+          <a:solidFill>
+            <a:schemeClr val="bg2">
+              <a:lumMod val="90000"/>
+            </a:schemeClr>
+          </a:solidFill>
+          <a:ln>
+            <a:noFill/>
+          </a:ln>
+        </p:spPr>
+        <p:style>
+          <a:lnRef idx="2">
+            <a:schemeClr val="accent1">
+              <a:shade val="15000"/>
+            </a:schemeClr>
+          </a:lnRef>
+          <a:fillRef idx="1">
+            <a:schemeClr val="accent1"/>
+          </a:fillRef>
+          <a:effectRef idx="0">
+            <a:schemeClr val="accent1"/>
+          </a:effectRef>
+          <a:fontRef idx="minor">
+            <a:schemeClr val="lt1"/>
+          </a:fontRef>
+        </p:style>
+        <p:txBody>
+          <a:bodyPr rtlCol="0" anchor="ctr"/>
+          <a:lstStyle/>
+          <a:p>
+            <a:pPr algn="ctr"/>
+            <a:endParaRPr lang="en-US"/>
+          </a:p>
+        </p:txBody>
+      </p:sp>
+      <p:sp>
+        <p:nvSpPr>
+          <p:cNvPr id="13" name="Rectangle 12">
+            <a:extLst>
+              <a:ext uri="{FF2B5EF4-FFF2-40B4-BE49-F238E27FC236}">
+                <a16:creationId xmlns:a16="http://schemas.microsoft.com/office/drawing/2014/main" id="{2CBCDC26-00E5-A3E1-F5B6-30FDC541BC9D}"/>
+              </a:ext>
+            </a:extLst>
+          </p:cNvPr>
+          <p:cNvSpPr/>
+          <p:nvPr/>
+        </p:nvSpPr>
+        <p:spPr>
+          <a:xfrm>
+            <a:off x="4036873" y="2161579"/>
+            <a:ext cx="1976763" cy="221943"/>
+          </a:xfrm>
+          <a:prstGeom prst="rect">
+            <a:avLst/>
+          </a:prstGeom>
+          <a:solidFill>
+            <a:schemeClr val="accent2">
+              <a:lumMod val="40000"/>
+              <a:lumOff val="60000"/>
+            </a:schemeClr>
+          </a:solidFill>
+          <a:ln>
+            <a:noFill/>
+          </a:ln>
+        </p:spPr>
+        <p:style>
+          <a:lnRef idx="2">
+            <a:schemeClr val="accent1">
+              <a:shade val="15000"/>
+            </a:schemeClr>
+          </a:lnRef>
+          <a:fillRef idx="1">
+            <a:schemeClr val="accent1"/>
+          </a:fillRef>
+          <a:effectRef idx="0">
+            <a:schemeClr val="accent1"/>
+          </a:effectRef>
+          <a:fontRef idx="minor">
+            <a:schemeClr val="lt1"/>
+          </a:fontRef>
+        </p:style>
+        <p:txBody>
+          <a:bodyPr rtlCol="0" anchor="ctr"/>
+          <a:lstStyle/>
+          <a:p>
+            <a:pPr algn="ctr"/>
+            <a:endParaRPr lang="en-US"/>
+          </a:p>
+        </p:txBody>
+      </p:sp>
+      <p:sp>
+        <p:nvSpPr>
+          <p:cNvPr id="8" name="Rectangle 7">
+            <a:extLst>
+              <a:ext uri="{FF2B5EF4-FFF2-40B4-BE49-F238E27FC236}">
+                <a16:creationId xmlns:a16="http://schemas.microsoft.com/office/drawing/2014/main" id="{1C026455-CAB0-7107-5E06-73B62BD22F6E}"/>
+              </a:ext>
+            </a:extLst>
+          </p:cNvPr>
+          <p:cNvSpPr/>
+          <p:nvPr/>
+        </p:nvSpPr>
+        <p:spPr>
+          <a:xfrm>
+            <a:off x="4036873" y="1876641"/>
+            <a:ext cx="2601157" cy="269288"/>
+          </a:xfrm>
+          <a:prstGeom prst="rect">
+            <a:avLst/>
+          </a:prstGeom>
+          <a:solidFill>
+            <a:schemeClr val="accent6">
+              <a:lumMod val="40000"/>
+              <a:lumOff val="60000"/>
+            </a:schemeClr>
+          </a:solidFill>
+          <a:ln>
+            <a:noFill/>
+          </a:ln>
+        </p:spPr>
+        <p:style>
+          <a:lnRef idx="2">
+            <a:schemeClr val="accent1">
+              <a:shade val="15000"/>
+            </a:schemeClr>
+          </a:lnRef>
+          <a:fillRef idx="1">
+            <a:schemeClr val="accent1"/>
+          </a:fillRef>
+          <a:effectRef idx="0">
+            <a:schemeClr val="accent1"/>
+          </a:effectRef>
+          <a:fontRef idx="minor">
+            <a:schemeClr val="lt1"/>
+          </a:fontRef>
+        </p:style>
+        <p:txBody>
+          <a:bodyPr rtlCol="0" anchor="ctr"/>
+          <a:lstStyle/>
+          <a:p>
+            <a:pPr algn="ctr"/>
+            <a:endParaRPr lang="en-US"/>
+          </a:p>
+        </p:txBody>
+      </p:sp>
+      <p:sp>
+        <p:nvSpPr>
+          <p:cNvPr id="9" name="Rectangle 8">
+            <a:extLst>
+              <a:ext uri="{FF2B5EF4-FFF2-40B4-BE49-F238E27FC236}">
+                <a16:creationId xmlns:a16="http://schemas.microsoft.com/office/drawing/2014/main" id="{1757DC22-740F-82D7-A00D-42CF44D23CA6}"/>
+              </a:ext>
+            </a:extLst>
+          </p:cNvPr>
+          <p:cNvSpPr/>
+          <p:nvPr/>
+        </p:nvSpPr>
+        <p:spPr>
+          <a:xfrm>
+            <a:off x="4036873" y="1414401"/>
+            <a:ext cx="4225772" cy="488526"/>
+          </a:xfrm>
+          <a:prstGeom prst="rect">
+            <a:avLst/>
+          </a:prstGeom>
+          <a:solidFill>
+            <a:schemeClr val="accent4"/>
+          </a:solidFill>
+          <a:ln>
+            <a:noFill/>
+          </a:ln>
+        </p:spPr>
+        <p:style>
+          <a:lnRef idx="2">
+            <a:schemeClr val="accent1">
+              <a:shade val="15000"/>
+            </a:schemeClr>
+          </a:lnRef>
+          <a:fillRef idx="1">
+            <a:schemeClr val="accent1"/>
+          </a:fillRef>
+          <a:effectRef idx="0">
+            <a:schemeClr val="accent1"/>
+          </a:effectRef>
+          <a:fontRef idx="minor">
+            <a:schemeClr val="lt1"/>
+          </a:fontRef>
+        </p:style>
+        <p:txBody>
+          <a:bodyPr rtlCol="0" anchor="ctr"/>
+          <a:lstStyle/>
+          <a:p>
+            <a:pPr algn="ctr"/>
+            <a:endParaRPr lang="en-US"/>
+          </a:p>
+        </p:txBody>
+      </p:sp>
+      <p:sp>
+        <p:nvSpPr>
+          <p:cNvPr id="7" name="Rectangle 6">
+            <a:extLst>
+              <a:ext uri="{FF2B5EF4-FFF2-40B4-BE49-F238E27FC236}">
+                <a16:creationId xmlns:a16="http://schemas.microsoft.com/office/drawing/2014/main" id="{790F2CA3-19A2-C7F6-C82D-20112C0EFFC8}"/>
+              </a:ext>
+            </a:extLst>
+          </p:cNvPr>
+          <p:cNvSpPr/>
+          <p:nvPr/>
+        </p:nvSpPr>
+        <p:spPr>
+          <a:xfrm>
+            <a:off x="4036874" y="669126"/>
+            <a:ext cx="2601156" cy="745275"/>
           </a:xfrm>
           <a:prstGeom prst="rect">
             <a:avLst/>
@@ -10726,13 +11080,811 @@
           <a:lstStyle/>
           <a:p>
             <a:pPr algn="ctr"/>
+            <a:endParaRPr lang="en-US"/>
+          </a:p>
+        </p:txBody>
+      </p:sp>
+      <p:sp>
+        <p:nvSpPr>
+          <p:cNvPr id="6" name="Rectangle 5">
+            <a:extLst>
+              <a:ext uri="{FF2B5EF4-FFF2-40B4-BE49-F238E27FC236}">
+                <a16:creationId xmlns:a16="http://schemas.microsoft.com/office/drawing/2014/main" id="{5D85A8FA-8E6E-79A7-59E0-7676B5C606A4}"/>
+              </a:ext>
+            </a:extLst>
+          </p:cNvPr>
+          <p:cNvSpPr/>
+          <p:nvPr/>
+        </p:nvSpPr>
+        <p:spPr>
+          <a:xfrm>
+            <a:off x="3815764" y="132784"/>
+            <a:ext cx="6436682" cy="6547028"/>
+          </a:xfrm>
+          <a:prstGeom prst="rect">
+            <a:avLst/>
+          </a:prstGeom>
+          <a:noFill/>
+          <a:ln w="28575">
+            <a:solidFill>
+              <a:schemeClr val="accent1"/>
+            </a:solidFill>
+          </a:ln>
+        </p:spPr>
+        <p:style>
+          <a:lnRef idx="2">
+            <a:schemeClr val="dk1"/>
+          </a:lnRef>
+          <a:fillRef idx="1">
+            <a:schemeClr val="lt1"/>
+          </a:fillRef>
+          <a:effectRef idx="0">
+            <a:schemeClr val="dk1"/>
+          </a:effectRef>
+          <a:fontRef idx="minor">
+            <a:schemeClr val="dk1"/>
+          </a:fontRef>
+        </p:style>
+        <p:txBody>
+          <a:bodyPr rtlCol="0" anchor="t"/>
+          <a:lstStyle/>
+          <a:p>
+            <a:r>
+              <a:rPr lang="en-US" sz="1600" dirty="0"/>
+              <a:t>class </a:t>
+            </a:r>
+            <a:r>
+              <a:rPr lang="en-US" sz="1600" dirty="0" err="1"/>
+              <a:t>FunctionName</a:t>
+            </a:r>
+            <a:r>
+              <a:rPr lang="en-US" sz="1600" dirty="0"/>
+              <a:t>(Function):</a:t>
+            </a:r>
+          </a:p>
+          <a:p>
+            <a:r>
+              <a:rPr lang="en-US" sz="1600" dirty="0"/>
+              <a:t>    __slots__ =(‘flowname1’,)</a:t>
+            </a:r>
+          </a:p>
+          <a:p>
+            <a:r>
+              <a:rPr lang="en-US" sz="1600" dirty="0"/>
+              <a:t>    </a:t>
+            </a:r>
+            <a:r>
+              <a:rPr lang="en-US" sz="1600" dirty="0" err="1"/>
+              <a:t>container_s</a:t>
+            </a:r>
+            <a:r>
+              <a:rPr lang="en-US" sz="1600" dirty="0"/>
+              <a:t> = </a:t>
+            </a:r>
+            <a:r>
+              <a:rPr lang="en-US" sz="1600" dirty="0" err="1"/>
+              <a:t>FunctionState</a:t>
+            </a:r>
+            <a:endParaRPr lang="en-US" sz="1600" dirty="0"/>
+          </a:p>
+          <a:p>
+            <a:r>
+              <a:rPr lang="en-US" sz="1600" dirty="0"/>
+              <a:t>    </a:t>
+            </a:r>
+            <a:r>
+              <a:rPr lang="en-US" sz="1600" dirty="0" err="1"/>
+              <a:t>container_m</a:t>
+            </a:r>
+            <a:r>
+              <a:rPr lang="en-US" sz="1600" dirty="0"/>
+              <a:t> = </a:t>
+            </a:r>
+            <a:r>
+              <a:rPr lang="en-US" sz="1600" dirty="0" err="1"/>
+              <a:t>FunctionMode</a:t>
+            </a:r>
+            <a:endParaRPr lang="en-US" sz="1600" dirty="0"/>
+          </a:p>
+          <a:p>
+            <a:r>
+              <a:rPr lang="en-US" sz="1600" dirty="0"/>
+              <a:t>    </a:t>
+            </a:r>
+            <a:r>
+              <a:rPr lang="en-US" sz="1600" dirty="0" err="1"/>
+              <a:t>container_t</a:t>
+            </a:r>
+            <a:r>
+              <a:rPr lang="en-US" sz="1600" dirty="0"/>
+              <a:t> = </a:t>
+            </a:r>
+            <a:r>
+              <a:rPr lang="en-US" sz="1600" dirty="0" err="1"/>
+              <a:t>FunctionTime</a:t>
+            </a:r>
+            <a:endParaRPr lang="en-US" sz="1600" dirty="0"/>
+          </a:p>
+          <a:p>
+            <a:r>
+              <a:rPr lang="en-US" sz="1600" dirty="0"/>
+              <a:t>    flow_flowname1 = FlowClass1</a:t>
+            </a:r>
+          </a:p>
+          <a:p>
+            <a:r>
+              <a:rPr lang="en-US" sz="1600" dirty="0"/>
+              <a:t>    </a:t>
+            </a:r>
+            <a:r>
+              <a:rPr lang="en-US" sz="1600" dirty="0" err="1"/>
+              <a:t>flownames</a:t>
+            </a:r>
+            <a:r>
+              <a:rPr lang="en-US" sz="1600" dirty="0"/>
+              <a:t> = {“outsideflowname”:”flowname1”}</a:t>
+            </a:r>
+          </a:p>
+          <a:p>
+            <a:r>
+              <a:rPr lang="en-US" sz="1600" dirty="0"/>
+              <a:t>    </a:t>
+            </a:r>
+            <a:r>
+              <a:rPr lang="en-US" sz="1600" dirty="0" err="1"/>
+              <a:t>default_sp</a:t>
+            </a:r>
+            <a:r>
+              <a:rPr lang="en-US" sz="1600" dirty="0"/>
+              <a:t> = {‘</a:t>
+            </a:r>
+            <a:r>
+              <a:rPr lang="en-US" sz="1600" dirty="0" err="1"/>
+              <a:t>end_time</a:t>
+            </a:r>
+            <a:r>
+              <a:rPr lang="en-US" sz="1600" dirty="0"/>
+              <a:t>’: </a:t>
+            </a:r>
+            <a:r>
+              <a:rPr lang="en-US" sz="1600" dirty="0">
+                <a:sym typeface="Wingdings" panose="05000000000000000000" pitchFamily="2" charset="2"/>
+              </a:rPr>
+              <a:t>100</a:t>
+            </a:r>
+            <a:r>
+              <a:rPr lang="en-US" sz="1600" dirty="0"/>
+              <a:t>}</a:t>
+            </a:r>
+          </a:p>
+          <a:p>
+            <a:r>
+              <a:rPr lang="en-US" sz="1600" dirty="0"/>
+              <a:t>    </a:t>
+            </a:r>
+            <a:r>
+              <a:rPr lang="en-US" sz="1600" dirty="0" err="1"/>
+              <a:t>default_track</a:t>
+            </a:r>
+            <a:r>
+              <a:rPr lang="en-US" sz="1600" dirty="0"/>
+              <a:t> = [‘</a:t>
+            </a:r>
+            <a:r>
+              <a:rPr lang="en-US" sz="1600" dirty="0" err="1"/>
+              <a:t>s’,’m</a:t>
+            </a:r>
+            <a:r>
+              <a:rPr lang="en-US" sz="1600" dirty="0"/>
+              <a:t>’]</a:t>
+            </a:r>
+          </a:p>
+          <a:p>
+            <a:r>
+              <a:rPr lang="en-US" sz="1600" dirty="0"/>
+              <a:t>    def </a:t>
+            </a:r>
+            <a:r>
+              <a:rPr lang="en-US" sz="1600" dirty="0" err="1"/>
+              <a:t>init_block</a:t>
+            </a:r>
+            <a:r>
+              <a:rPr lang="en-US" sz="1600" dirty="0"/>
+              <a:t>(self, **</a:t>
+            </a:r>
+            <a:r>
+              <a:rPr lang="en-US" sz="1600" dirty="0" err="1"/>
+              <a:t>kwargs</a:t>
+            </a:r>
+            <a:r>
+              <a:rPr lang="en-US" sz="1600" dirty="0"/>
+              <a:t>):</a:t>
+            </a:r>
+          </a:p>
+          <a:p>
+            <a:r>
+              <a:rPr lang="en-US" sz="1600" dirty="0"/>
+              <a:t>        &lt;e.g., </a:t>
+            </a:r>
+            <a:r>
+              <a:rPr lang="en-US" sz="1600" dirty="0" err="1"/>
+              <a:t>self.s.x</a:t>
+            </a:r>
+            <a:r>
+              <a:rPr lang="en-US" sz="1600" dirty="0"/>
+              <a:t> = 2.0&gt;</a:t>
+            </a:r>
+          </a:p>
+          <a:p>
+            <a:r>
+              <a:rPr lang="en-US" sz="1600" dirty="0"/>
+              <a:t>   def </a:t>
+            </a:r>
+            <a:r>
+              <a:rPr lang="en-US" sz="1600" dirty="0" err="1"/>
+              <a:t>static_behavior</a:t>
+            </a:r>
+            <a:r>
+              <a:rPr lang="en-US" sz="1600" dirty="0"/>
+              <a:t>(self, time):</a:t>
+            </a:r>
+          </a:p>
+          <a:p>
+            <a:r>
+              <a:rPr lang="en-US" sz="1600" dirty="0"/>
+              <a:t>        </a:t>
+            </a:r>
+            <a:r>
+              <a:rPr lang="en-US" sz="1600" dirty="0">
+                <a:highlight>
+                  <a:srgbClr val="00FFFF"/>
+                </a:highlight>
+              </a:rPr>
+              <a:t>Runs only in static propagation steps</a:t>
+            </a:r>
+          </a:p>
+          <a:p>
+            <a:r>
+              <a:rPr lang="en-US" sz="1600" dirty="0"/>
+              <a:t>    def </a:t>
+            </a:r>
+            <a:r>
+              <a:rPr lang="en-US" sz="1600" dirty="0" err="1"/>
+              <a:t>dynamic_behavior</a:t>
+            </a:r>
+            <a:r>
+              <a:rPr lang="en-US" sz="1600" dirty="0"/>
+              <a:t>(self, time):</a:t>
+            </a:r>
+          </a:p>
+          <a:p>
+            <a:r>
+              <a:rPr lang="en-US" sz="1600" dirty="0"/>
+              <a:t>        </a:t>
+            </a:r>
+            <a:r>
+              <a:rPr lang="en-US" sz="1600" dirty="0">
+                <a:highlight>
+                  <a:srgbClr val="00FFFF"/>
+                </a:highlight>
+              </a:rPr>
+              <a:t>Runs only in dynamic propagation steps</a:t>
+            </a:r>
+          </a:p>
+          <a:p>
+            <a:r>
+              <a:rPr lang="en-US" sz="1600" dirty="0"/>
+              <a:t>     def behavior(self, time):</a:t>
+            </a:r>
+          </a:p>
+          <a:p>
+            <a:r>
+              <a:rPr lang="en-US" sz="1600" dirty="0"/>
+              <a:t>        </a:t>
+            </a:r>
+            <a:r>
+              <a:rPr lang="en-US" sz="1600" dirty="0">
+                <a:highlight>
+                  <a:srgbClr val="00FFFF"/>
+                </a:highlight>
+              </a:rPr>
+              <a:t>Runs in static propagation step (same as </a:t>
+            </a:r>
+            <a:r>
+              <a:rPr lang="en-US" sz="1600" dirty="0" err="1">
+                <a:highlight>
+                  <a:srgbClr val="00FFFF"/>
+                </a:highlight>
+              </a:rPr>
+              <a:t>static_behavior</a:t>
+            </a:r>
+            <a:r>
+              <a:rPr lang="en-US" sz="1600" dirty="0">
+                <a:highlight>
+                  <a:srgbClr val="00FFFF"/>
+                </a:highlight>
+              </a:rPr>
+              <a:t>)</a:t>
+            </a:r>
+            <a:endParaRPr lang="en-US" sz="1600" dirty="0"/>
+          </a:p>
+          <a:p>
+            <a:r>
+              <a:rPr lang="en-US" sz="1600" dirty="0"/>
+              <a:t>    def </a:t>
+            </a:r>
+            <a:r>
+              <a:rPr lang="en-US" sz="1600" dirty="0" err="1"/>
+              <a:t>condfaults</a:t>
+            </a:r>
+            <a:r>
+              <a:rPr lang="en-US" sz="1600" dirty="0"/>
+              <a:t>(self, time):</a:t>
+            </a:r>
+          </a:p>
+          <a:p>
+            <a:r>
+              <a:rPr lang="en-US" sz="1600" dirty="0"/>
+              <a:t>        </a:t>
+            </a:r>
+            <a:r>
+              <a:rPr lang="en-US" sz="1600" dirty="0">
+                <a:highlight>
+                  <a:srgbClr val="00FFFF"/>
+                </a:highlight>
+              </a:rPr>
+              <a:t>Runs in both static and dynamic propagation steps prior to behaviors and internal fault propagation (to components  and actions)</a:t>
+            </a:r>
+          </a:p>
+          <a:p>
+            <a:r>
+              <a:rPr lang="en-US" sz="1600" dirty="0"/>
+              <a:t>    def </a:t>
+            </a:r>
+            <a:r>
+              <a:rPr lang="en-US" sz="1600" dirty="0" err="1"/>
+              <a:t>indicate_XXX</a:t>
+            </a:r>
+            <a:r>
+              <a:rPr lang="en-US" sz="1600" dirty="0"/>
+              <a:t>(self, time):</a:t>
+            </a:r>
+          </a:p>
+          <a:p>
+            <a:r>
+              <a:rPr lang="en-US" sz="1600" dirty="0"/>
+              <a:t>        </a:t>
+            </a:r>
+            <a:r>
+              <a:rPr lang="en-US" sz="1600" dirty="0">
+                <a:highlight>
+                  <a:srgbClr val="00FF00"/>
+                </a:highlight>
+              </a:rPr>
+              <a:t>Conditional statement (e.g., </a:t>
+            </a:r>
+            <a:r>
+              <a:rPr lang="en-US" sz="1600" dirty="0" err="1">
+                <a:highlight>
+                  <a:srgbClr val="00FF00"/>
+                </a:highlight>
+              </a:rPr>
+              <a:t>self.s.state</a:t>
+            </a:r>
+            <a:r>
+              <a:rPr lang="en-US" sz="1600" dirty="0">
+                <a:highlight>
+                  <a:srgbClr val="00FF00"/>
+                </a:highlight>
+              </a:rPr>
+              <a:t>&gt;threshold) which is logged in the history and may be used to terminate simulations</a:t>
+            </a:r>
+          </a:p>
+          <a:p>
+            <a:r>
+              <a:rPr lang="en-US" sz="1600" dirty="0"/>
+              <a:t>    def </a:t>
+            </a:r>
+            <a:r>
+              <a:rPr lang="en-US" sz="1600" dirty="0" err="1"/>
+              <a:t>find_classification</a:t>
+            </a:r>
+            <a:r>
+              <a:rPr lang="en-US" sz="1600" dirty="0"/>
+              <a:t>(self, time):</a:t>
+            </a:r>
+          </a:p>
+          <a:p>
+            <a:r>
+              <a:rPr lang="en-US" sz="1600" dirty="0">
+                <a:highlight>
+                  <a:srgbClr val="E997E9"/>
+                </a:highlight>
+              </a:rPr>
+              <a:t>        Returns a Result dictionary (calculated at completion)</a:t>
+            </a:r>
+          </a:p>
+        </p:txBody>
+      </p:sp>
+      <p:sp>
+        <p:nvSpPr>
+          <p:cNvPr id="10" name="Rectangle 9">
+            <a:extLst>
+              <a:ext uri="{FF2B5EF4-FFF2-40B4-BE49-F238E27FC236}">
+                <a16:creationId xmlns:a16="http://schemas.microsoft.com/office/drawing/2014/main" id="{FF99E59A-7941-6350-EE6B-CB334F86800C}"/>
+              </a:ext>
+            </a:extLst>
+          </p:cNvPr>
+          <p:cNvSpPr/>
+          <p:nvPr/>
+        </p:nvSpPr>
+        <p:spPr>
+          <a:xfrm>
+            <a:off x="151599" y="2003056"/>
+            <a:ext cx="3328941" cy="1410896"/>
+          </a:xfrm>
+          <a:prstGeom prst="rect">
+            <a:avLst/>
+          </a:prstGeom>
+          <a:solidFill>
+            <a:schemeClr val="accent2">
+              <a:lumMod val="40000"/>
+              <a:lumOff val="60000"/>
+            </a:schemeClr>
+          </a:solidFill>
+          <a:ln>
+            <a:noFill/>
+          </a:ln>
+        </p:spPr>
+        <p:style>
+          <a:lnRef idx="2">
+            <a:schemeClr val="accent1">
+              <a:shade val="15000"/>
+            </a:schemeClr>
+          </a:lnRef>
+          <a:fillRef idx="1">
+            <a:schemeClr val="accent1"/>
+          </a:fillRef>
+          <a:effectRef idx="0">
+            <a:schemeClr val="accent1"/>
+          </a:effectRef>
+          <a:fontRef idx="minor">
+            <a:schemeClr val="lt1"/>
+          </a:fontRef>
+        </p:style>
+        <p:txBody>
+          <a:bodyPr rtlCol="0" anchor="ctr"/>
+          <a:lstStyle/>
+          <a:p>
+            <a:pPr algn="ctr"/>
             <a:r>
               <a:rPr lang="en-US" sz="1400" dirty="0">
                 <a:solidFill>
                   <a:schemeClr val="tx1"/>
                 </a:solidFill>
               </a:rPr>
-              <a:t>Points to a Parameter representing immutable model characteristics instantiated at the start of the simulation</a:t>
+              <a:t>Specifies </a:t>
+            </a:r>
+            <a:r>
+              <a:rPr lang="en-US" sz="1400" b="1" dirty="0">
+                <a:solidFill>
+                  <a:schemeClr val="tx1"/>
+                </a:solidFill>
+              </a:rPr>
+              <a:t>what should be tracked</a:t>
+            </a:r>
+            <a:r>
+              <a:rPr lang="en-US" sz="1400" dirty="0">
+                <a:solidFill>
+                  <a:schemeClr val="tx1"/>
+                </a:solidFill>
+              </a:rPr>
+              <a:t> in the </a:t>
+            </a:r>
+            <a:r>
+              <a:rPr lang="en-US" sz="1400" dirty="0" err="1">
+                <a:solidFill>
+                  <a:schemeClr val="tx1"/>
+                </a:solidFill>
+              </a:rPr>
+              <a:t>FxnBlock</a:t>
+            </a:r>
+            <a:r>
+              <a:rPr lang="en-US" sz="1400" dirty="0">
+                <a:solidFill>
+                  <a:schemeClr val="tx1"/>
+                </a:solidFill>
+              </a:rPr>
+              <a:t> history (</a:t>
+            </a:r>
+            <a:r>
+              <a:rPr lang="en-US" sz="1400" dirty="0" err="1">
+                <a:solidFill>
+                  <a:schemeClr val="tx1"/>
+                </a:solidFill>
+              </a:rPr>
+              <a:t>fxnname.h</a:t>
+            </a:r>
+            <a:r>
+              <a:rPr lang="en-US" sz="1400" dirty="0">
+                <a:solidFill>
+                  <a:schemeClr val="tx1"/>
+                </a:solidFill>
+              </a:rPr>
+              <a:t>) by default. May be a </a:t>
+            </a:r>
+            <a:r>
+              <a:rPr lang="en-US" sz="1400" dirty="0" err="1">
+                <a:solidFill>
+                  <a:schemeClr val="tx1"/>
+                </a:solidFill>
+              </a:rPr>
+              <a:t>dict</a:t>
+            </a:r>
+            <a:r>
+              <a:rPr lang="en-US" sz="1400" dirty="0">
+                <a:solidFill>
+                  <a:schemeClr val="tx1"/>
+                </a:solidFill>
+              </a:rPr>
+              <a:t> ({</a:t>
+            </a:r>
+            <a:r>
+              <a:rPr lang="en-US" sz="1400" dirty="0" err="1">
+                <a:solidFill>
+                  <a:schemeClr val="tx1"/>
+                </a:solidFill>
+              </a:rPr>
+              <a:t>role:value</a:t>
+            </a:r>
+            <a:r>
+              <a:rPr lang="en-US" sz="1400" dirty="0">
+                <a:solidFill>
+                  <a:schemeClr val="tx1"/>
+                </a:solidFill>
+              </a:rPr>
+              <a:t>}), list ([role1, role2]), or string (“</a:t>
+            </a:r>
+            <a:r>
+              <a:rPr lang="en-US" sz="1400" dirty="0" err="1">
+                <a:solidFill>
+                  <a:schemeClr val="tx1"/>
+                </a:solidFill>
+              </a:rPr>
+              <a:t>all”,”none</a:t>
+            </a:r>
+            <a:r>
+              <a:rPr lang="en-US" sz="1400" dirty="0">
+                <a:solidFill>
+                  <a:schemeClr val="tx1"/>
+                </a:solidFill>
+              </a:rPr>
+              <a:t>”, </a:t>
+            </a:r>
+            <a:r>
+              <a:rPr lang="en-US" sz="1400" dirty="0" err="1">
+                <a:solidFill>
+                  <a:schemeClr val="tx1"/>
+                </a:solidFill>
+              </a:rPr>
+              <a:t>etc</a:t>
+            </a:r>
+            <a:r>
+              <a:rPr lang="en-US" sz="1400" dirty="0">
+                <a:solidFill>
+                  <a:schemeClr val="tx1"/>
+                </a:solidFill>
+              </a:rPr>
+              <a:t>). Overwritten by the track parameter during model instantiation.</a:t>
+            </a:r>
+          </a:p>
+        </p:txBody>
+      </p:sp>
+      <p:sp>
+        <p:nvSpPr>
+          <p:cNvPr id="11" name="Rectangle 10">
+            <a:extLst>
+              <a:ext uri="{FF2B5EF4-FFF2-40B4-BE49-F238E27FC236}">
+                <a16:creationId xmlns:a16="http://schemas.microsoft.com/office/drawing/2014/main" id="{1EF27A4B-E6D1-E3FB-020B-333E46CFE23E}"/>
+              </a:ext>
+            </a:extLst>
+          </p:cNvPr>
+          <p:cNvSpPr/>
+          <p:nvPr/>
+        </p:nvSpPr>
+        <p:spPr>
+          <a:xfrm>
+            <a:off x="257946" y="525811"/>
+            <a:ext cx="3222594" cy="1325627"/>
+          </a:xfrm>
+          <a:prstGeom prst="rect">
+            <a:avLst/>
+          </a:prstGeom>
+          <a:solidFill>
+            <a:schemeClr val="accent4"/>
+          </a:solidFill>
+          <a:ln>
+            <a:noFill/>
+          </a:ln>
+        </p:spPr>
+        <p:style>
+          <a:lnRef idx="2">
+            <a:schemeClr val="accent1">
+              <a:shade val="15000"/>
+            </a:schemeClr>
+          </a:lnRef>
+          <a:fillRef idx="1">
+            <a:schemeClr val="accent1"/>
+          </a:fillRef>
+          <a:effectRef idx="0">
+            <a:schemeClr val="accent1"/>
+          </a:effectRef>
+          <a:fontRef idx="minor">
+            <a:schemeClr val="lt1"/>
+          </a:fontRef>
+        </p:style>
+        <p:txBody>
+          <a:bodyPr rtlCol="0" anchor="ctr"/>
+          <a:lstStyle/>
+          <a:p>
+            <a:pPr algn="ctr"/>
+            <a:r>
+              <a:rPr lang="en-US" sz="1400" dirty="0" err="1">
+                <a:solidFill>
+                  <a:schemeClr val="tx1"/>
+                </a:solidFill>
+              </a:rPr>
+              <a:t>flow_XXX</a:t>
+            </a:r>
+            <a:r>
+              <a:rPr lang="en-US" sz="1400" dirty="0">
+                <a:solidFill>
+                  <a:schemeClr val="tx1"/>
+                </a:solidFill>
+              </a:rPr>
+              <a:t> is used to append a </a:t>
+            </a:r>
+            <a:r>
+              <a:rPr lang="en-US" sz="1400" b="1" dirty="0">
+                <a:solidFill>
+                  <a:schemeClr val="tx1"/>
+                </a:solidFill>
+              </a:rPr>
+              <a:t>flow </a:t>
+            </a:r>
+            <a:r>
+              <a:rPr lang="en-US" sz="1400" dirty="0">
+                <a:solidFill>
+                  <a:schemeClr val="tx1"/>
+                </a:solidFill>
+              </a:rPr>
+              <a:t>of given type that is named XXX to the function class. If the flow(s) has a different name outside the function (optional), </a:t>
+            </a:r>
+            <a:r>
+              <a:rPr lang="en-US" sz="1400" dirty="0" err="1">
+                <a:solidFill>
+                  <a:schemeClr val="tx1"/>
+                </a:solidFill>
+              </a:rPr>
+              <a:t>flownames</a:t>
+            </a:r>
+            <a:r>
+              <a:rPr lang="en-US" sz="1400" dirty="0">
+                <a:solidFill>
+                  <a:schemeClr val="tx1"/>
+                </a:solidFill>
+              </a:rPr>
+              <a:t> matches the external name to the internal name</a:t>
+            </a:r>
+          </a:p>
+        </p:txBody>
+      </p:sp>
+      <p:sp>
+        <p:nvSpPr>
+          <p:cNvPr id="14" name="Rectangle 13">
+            <a:extLst>
+              <a:ext uri="{FF2B5EF4-FFF2-40B4-BE49-F238E27FC236}">
+                <a16:creationId xmlns:a16="http://schemas.microsoft.com/office/drawing/2014/main" id="{0D391646-A2EB-6DB7-673E-EBCE48A81170}"/>
+              </a:ext>
+            </a:extLst>
+          </p:cNvPr>
+          <p:cNvSpPr/>
+          <p:nvPr/>
+        </p:nvSpPr>
+        <p:spPr>
+          <a:xfrm>
+            <a:off x="7278397" y="758555"/>
+            <a:ext cx="4602318" cy="630504"/>
+          </a:xfrm>
+          <a:prstGeom prst="rect">
+            <a:avLst/>
+          </a:prstGeom>
+          <a:solidFill>
+            <a:schemeClr val="accent1">
+              <a:lumMod val="40000"/>
+              <a:lumOff val="60000"/>
+            </a:schemeClr>
+          </a:solidFill>
+          <a:ln>
+            <a:noFill/>
+          </a:ln>
+        </p:spPr>
+        <p:style>
+          <a:lnRef idx="2">
+            <a:schemeClr val="accent1">
+              <a:shade val="15000"/>
+            </a:schemeClr>
+          </a:lnRef>
+          <a:fillRef idx="1">
+            <a:schemeClr val="accent1"/>
+          </a:fillRef>
+          <a:effectRef idx="0">
+            <a:schemeClr val="accent1"/>
+          </a:effectRef>
+          <a:fontRef idx="minor">
+            <a:schemeClr val="lt1"/>
+          </a:fontRef>
+        </p:style>
+        <p:txBody>
+          <a:bodyPr rtlCol="0" anchor="ctr"/>
+          <a:lstStyle/>
+          <a:p>
+            <a:pPr algn="ctr"/>
+            <a:r>
+              <a:rPr lang="en-US" sz="1400" dirty="0">
+                <a:solidFill>
+                  <a:schemeClr val="tx1"/>
+                </a:solidFill>
+              </a:rPr>
+              <a:t>Specifies which classes play specific </a:t>
+            </a:r>
+            <a:r>
+              <a:rPr lang="en-US" sz="1400" dirty="0" err="1">
+                <a:solidFill>
+                  <a:schemeClr val="tx1"/>
+                </a:solidFill>
+              </a:rPr>
+              <a:t>FxnBlock</a:t>
+            </a:r>
+            <a:r>
+              <a:rPr lang="en-US" sz="1400" dirty="0">
+                <a:solidFill>
+                  <a:schemeClr val="tx1"/>
+                </a:solidFill>
+              </a:rPr>
+              <a:t> </a:t>
+            </a:r>
+            <a:r>
+              <a:rPr lang="en-US" sz="1400" b="1" dirty="0">
+                <a:solidFill>
+                  <a:schemeClr val="tx1"/>
+                </a:solidFill>
+              </a:rPr>
+              <a:t>roles </a:t>
+            </a:r>
+            <a:r>
+              <a:rPr lang="en-US" sz="1400" dirty="0">
+                <a:solidFill>
+                  <a:schemeClr val="tx1"/>
+                </a:solidFill>
+              </a:rPr>
+              <a:t>(e.g., s corresponds to the state role, m corresponds to the mode role, </a:t>
+            </a:r>
+            <a:r>
+              <a:rPr lang="en-US" sz="1400" dirty="0" err="1">
+                <a:solidFill>
+                  <a:schemeClr val="tx1"/>
+                </a:solidFill>
+              </a:rPr>
+              <a:t>etc</a:t>
+            </a:r>
+            <a:r>
+              <a:rPr lang="en-US" sz="1400" dirty="0">
+                <a:solidFill>
+                  <a:schemeClr val="tx1"/>
+                </a:solidFill>
+              </a:rPr>
+              <a:t>)</a:t>
             </a:r>
           </a:p>
         </p:txBody>
@@ -10751,8 +11903,8 @@
         </p:nvSpPr>
         <p:spPr>
           <a:xfrm>
-            <a:off x="206463" y="2237173"/>
-            <a:ext cx="3505864" cy="1265321"/>
+            <a:off x="8240869" y="2313204"/>
+            <a:ext cx="3639846" cy="867598"/>
           </a:xfrm>
           <a:prstGeom prst="rect">
             <a:avLst/>
@@ -10788,20 +11940,28 @@
           <a:p>
             <a:pPr algn="ctr"/>
             <a:r>
+              <a:rPr lang="en-US" sz="1400" b="1" dirty="0">
+                <a:solidFill>
+                  <a:schemeClr val="tx1"/>
+                </a:solidFill>
+              </a:rPr>
+              <a:t>Optional</a:t>
+            </a:r>
+            <a:r>
               <a:rPr lang="en-US" sz="1400" dirty="0">
                 <a:solidFill>
                   <a:schemeClr val="tx1"/>
                 </a:solidFill>
               </a:rPr>
-              <a:t>Method to </a:t>
-            </a:r>
-            <a:r>
-              <a:rPr lang="en-US" sz="1400" b="1" dirty="0">
+              <a:t> method to call to set up </a:t>
+            </a:r>
+            <a:r>
+              <a:rPr lang="en-US" sz="1400" dirty="0" err="1">
                 <a:solidFill>
                   <a:schemeClr val="tx1"/>
                 </a:solidFill>
               </a:rPr>
-              <a:t>instantiate the model and define its structure:</a:t>
+              <a:t>FxnBlock</a:t>
             </a:r>
             <a:r>
               <a:rPr lang="en-US" sz="1400" dirty="0">
@@ -10809,37 +11969,31 @@
                   <a:schemeClr val="tx1"/>
                 </a:solidFill>
               </a:rPr>
-              <a:t>,</a:t>
-            </a:r>
-          </a:p>
-          <a:p>
-            <a:pPr marL="285750" indent="-285750">
-              <a:buFontTx/>
-              <a:buChar char="-"/>
-            </a:pPr>
-            <a:r>
-              <a:rPr lang="en-US" sz="1400" b="1" dirty="0">
+              <a:t> in ways not already defined by role </a:t>
+            </a:r>
+            <a:r>
+              <a:rPr lang="en-US" sz="1400" dirty="0" err="1">
                 <a:solidFill>
                   <a:schemeClr val="tx1"/>
                 </a:solidFill>
               </a:rPr>
-              <a:t>.</a:t>
-            </a:r>
-            <a:r>
-              <a:rPr lang="en-US" sz="1400" b="1" dirty="0" err="1">
+              <a:t>initalization</a:t>
+            </a:r>
+            <a:r>
+              <a:rPr lang="en-US" sz="1400" dirty="0">
                 <a:solidFill>
                   <a:schemeClr val="tx1"/>
                 </a:solidFill>
               </a:rPr>
-              <a:t>add_flow</a:t>
-            </a:r>
-            <a:r>
-              <a:rPr lang="en-US" sz="1400" b="1" dirty="0">
+              <a:t> (e.g., attaching local </a:t>
+            </a:r>
+            <a:r>
+              <a:rPr lang="en-US" sz="1400" dirty="0" err="1">
                 <a:solidFill>
                   <a:schemeClr val="tx1"/>
                 </a:solidFill>
               </a:rPr>
-              <a:t> </a:t>
+              <a:t>MultiFlows</a:t>
             </a:r>
             <a:r>
               <a:rPr lang="en-US" sz="1400" dirty="0">
@@ -10847,45 +12001,7 @@
                   <a:schemeClr val="tx1"/>
                 </a:solidFill>
               </a:rPr>
-              <a:t>is used to instantiate a flow</a:t>
-            </a:r>
-          </a:p>
-          <a:p>
-            <a:pPr marL="285750" indent="-285750">
-              <a:buFontTx/>
-              <a:buChar char="-"/>
-            </a:pPr>
-            <a:r>
-              <a:rPr lang="en-US" sz="1400" dirty="0">
-                <a:solidFill>
-                  <a:schemeClr val="tx1"/>
-                </a:solidFill>
-              </a:rPr>
-              <a:t>.</a:t>
-            </a:r>
-            <a:r>
-              <a:rPr lang="en-US" sz="1400" b="1" dirty="0" err="1">
-                <a:solidFill>
-                  <a:schemeClr val="tx1"/>
-                </a:solidFill>
-              </a:rPr>
-              <a:t>add_fxn</a:t>
-            </a:r>
-            <a:r>
-              <a:rPr lang="en-US" sz="1400" b="1" dirty="0">
-                <a:solidFill>
-                  <a:schemeClr val="tx1"/>
-                </a:solidFill>
-              </a:rPr>
-              <a:t> </a:t>
-            </a:r>
-            <a:r>
-              <a:rPr lang="en-US" sz="1400" dirty="0">
-                <a:solidFill>
-                  <a:schemeClr val="tx1"/>
-                </a:solidFill>
-              </a:rPr>
-              <a:t>is used to instantiate a function and attach connected flows</a:t>
+              <a:t> or setting initial values for States from Parameter)</a:t>
             </a:r>
           </a:p>
         </p:txBody>
@@ -10901,18 +12017,64 @@
           </p:cNvPr>
           <p:cNvCxnSpPr>
             <a:cxnSpLocks/>
+            <a:stCxn id="14" idx="1"/>
+            <a:endCxn id="7" idx="3"/>
           </p:cNvCxnSpPr>
           <p:nvPr/>
         </p:nvCxnSpPr>
         <p:spPr>
-          <a:xfrm flipH="1">
-            <a:off x="6550429" y="1391515"/>
-            <a:ext cx="841131" cy="0"/>
+          <a:xfrm flipH="1" flipV="1">
+            <a:off x="6638030" y="1041764"/>
+            <a:ext cx="640367" cy="32043"/>
           </a:xfrm>
           <a:prstGeom prst="straightConnector1">
             <a:avLst/>
           </a:prstGeom>
           <a:ln w="38100">
+            <a:tailEnd type="triangle"/>
+          </a:ln>
+        </p:spPr>
+        <p:style>
+          <a:lnRef idx="1">
+            <a:schemeClr val="accent1"/>
+          </a:lnRef>
+          <a:fillRef idx="0">
+            <a:schemeClr val="accent1"/>
+          </a:fillRef>
+          <a:effectRef idx="0">
+            <a:schemeClr val="accent1"/>
+          </a:effectRef>
+          <a:fontRef idx="minor">
+            <a:schemeClr val="tx1"/>
+          </a:fontRef>
+        </p:style>
+      </p:cxnSp>
+      <p:cxnSp>
+        <p:nvCxnSpPr>
+          <p:cNvPr id="21" name="Straight Arrow Connector 20">
+            <a:extLst>
+              <a:ext uri="{FF2B5EF4-FFF2-40B4-BE49-F238E27FC236}">
+                <a16:creationId xmlns:a16="http://schemas.microsoft.com/office/drawing/2014/main" id="{70D3E556-B5AF-E72D-AC7A-7B463B25E468}"/>
+              </a:ext>
+            </a:extLst>
+          </p:cNvPr>
+          <p:cNvCxnSpPr>
+            <a:cxnSpLocks/>
+          </p:cNvCxnSpPr>
+          <p:nvPr/>
+        </p:nvCxnSpPr>
+        <p:spPr>
+          <a:xfrm>
+            <a:off x="3446694" y="1658664"/>
+            <a:ext cx="644000" cy="0"/>
+          </a:xfrm>
+          <a:prstGeom prst="straightConnector1">
+            <a:avLst/>
+          </a:prstGeom>
+          <a:ln w="38100">
+            <a:solidFill>
+              <a:schemeClr val="accent2"/>
+            </a:solidFill>
             <a:tailEnd type="triangle"/>
           </a:ln>
         </p:spPr>
@@ -10947,8 +12109,8 @@
         </p:nvCxnSpPr>
         <p:spPr>
           <a:xfrm>
-            <a:off x="6868160" y="1865950"/>
-            <a:ext cx="1049127" cy="0"/>
+            <a:off x="3480540" y="2272550"/>
+            <a:ext cx="610154" cy="0"/>
           </a:xfrm>
           <a:prstGeom prst="straightConnector1">
             <a:avLst/>
@@ -10992,9 +12154,9 @@
           <p:nvPr/>
         </p:nvCxnSpPr>
         <p:spPr>
-          <a:xfrm>
-            <a:off x="3232338" y="1588244"/>
-            <a:ext cx="887340" cy="2318"/>
+          <a:xfrm flipH="1">
+            <a:off x="6638030" y="2003056"/>
+            <a:ext cx="1833241" cy="0"/>
           </a:xfrm>
           <a:prstGeom prst="straightConnector1">
             <a:avLst/>
@@ -11036,9 +12198,9 @@
           <p:nvPr/>
         </p:nvCxnSpPr>
         <p:spPr>
-          <a:xfrm>
-            <a:off x="3655541" y="2976800"/>
-            <a:ext cx="302149" cy="0"/>
+          <a:xfrm flipH="1">
+            <a:off x="7676719" y="2677020"/>
+            <a:ext cx="564150" cy="0"/>
           </a:xfrm>
           <a:prstGeom prst="straightConnector1">
             <a:avLst/>
@@ -11069,6 +12231,146 @@
       </p:cxnSp>
       <p:sp>
         <p:nvSpPr>
+          <p:cNvPr id="37" name="Rectangle 36">
+            <a:extLst>
+              <a:ext uri="{FF2B5EF4-FFF2-40B4-BE49-F238E27FC236}">
+                <a16:creationId xmlns:a16="http://schemas.microsoft.com/office/drawing/2014/main" id="{954CDA26-7188-7FC2-53F5-F949AB4666D7}"/>
+              </a:ext>
+            </a:extLst>
+          </p:cNvPr>
+          <p:cNvSpPr/>
+          <p:nvPr/>
+        </p:nvSpPr>
+        <p:spPr>
+          <a:xfrm>
+            <a:off x="257946" y="3693884"/>
+            <a:ext cx="3040112" cy="952215"/>
+          </a:xfrm>
+          <a:prstGeom prst="rect">
+            <a:avLst/>
+          </a:prstGeom>
+          <a:solidFill>
+            <a:schemeClr val="accent1">
+              <a:lumMod val="40000"/>
+              <a:lumOff val="60000"/>
+            </a:schemeClr>
+          </a:solidFill>
+          <a:ln>
+            <a:solidFill>
+              <a:schemeClr val="accent1">
+                <a:lumMod val="20000"/>
+                <a:lumOff val="80000"/>
+              </a:schemeClr>
+            </a:solidFill>
+          </a:ln>
+        </p:spPr>
+        <p:style>
+          <a:lnRef idx="2">
+            <a:schemeClr val="accent1">
+              <a:shade val="15000"/>
+            </a:schemeClr>
+          </a:lnRef>
+          <a:fillRef idx="1">
+            <a:schemeClr val="accent1"/>
+          </a:fillRef>
+          <a:effectRef idx="0">
+            <a:schemeClr val="accent1"/>
+          </a:effectRef>
+          <a:fontRef idx="minor">
+            <a:schemeClr val="lt1"/>
+          </a:fontRef>
+        </p:style>
+        <p:txBody>
+          <a:bodyPr rtlCol="0" anchor="ctr"/>
+          <a:lstStyle/>
+          <a:p>
+            <a:pPr algn="ctr"/>
+            <a:r>
+              <a:rPr lang="en-US" sz="1400" dirty="0">
+                <a:solidFill>
+                  <a:schemeClr val="tx1"/>
+                </a:solidFill>
+              </a:rPr>
+              <a:t>These methods define the </a:t>
+            </a:r>
+            <a:r>
+              <a:rPr lang="en-US" sz="1400" b="1" dirty="0">
+                <a:solidFill>
+                  <a:schemeClr val="tx1"/>
+                </a:solidFill>
+              </a:rPr>
+              <a:t>behavior</a:t>
+            </a:r>
+            <a:r>
+              <a:rPr lang="en-US" sz="1400" dirty="0">
+                <a:solidFill>
+                  <a:schemeClr val="tx1"/>
+                </a:solidFill>
+              </a:rPr>
+              <a:t> of the </a:t>
+            </a:r>
+            <a:r>
+              <a:rPr lang="en-US" sz="1400" dirty="0" err="1">
+                <a:solidFill>
+                  <a:schemeClr val="tx1"/>
+                </a:solidFill>
+              </a:rPr>
+              <a:t>FxnBlock</a:t>
+            </a:r>
+            <a:r>
+              <a:rPr lang="en-US" sz="1400" dirty="0">
+                <a:solidFill>
+                  <a:schemeClr val="tx1"/>
+                </a:solidFill>
+              </a:rPr>
+              <a:t> and thus simulate at each time-step of the simulation. </a:t>
+            </a:r>
+          </a:p>
+        </p:txBody>
+      </p:sp>
+      <p:cxnSp>
+        <p:nvCxnSpPr>
+          <p:cNvPr id="38" name="Straight Arrow Connector 37">
+            <a:extLst>
+              <a:ext uri="{FF2B5EF4-FFF2-40B4-BE49-F238E27FC236}">
+                <a16:creationId xmlns:a16="http://schemas.microsoft.com/office/drawing/2014/main" id="{ECB4D921-7315-0CD4-C005-045DA48F73E2}"/>
+              </a:ext>
+            </a:extLst>
+          </p:cNvPr>
+          <p:cNvCxnSpPr>
+            <a:cxnSpLocks/>
+          </p:cNvCxnSpPr>
+          <p:nvPr/>
+        </p:nvCxnSpPr>
+        <p:spPr>
+          <a:xfrm>
+            <a:off x="3284738" y="4239718"/>
+            <a:ext cx="538701" cy="0"/>
+          </a:xfrm>
+          <a:prstGeom prst="straightConnector1">
+            <a:avLst/>
+          </a:prstGeom>
+          <a:ln w="38100">
+            <a:tailEnd type="triangle"/>
+          </a:ln>
+        </p:spPr>
+        <p:style>
+          <a:lnRef idx="1">
+            <a:schemeClr val="accent1"/>
+          </a:lnRef>
+          <a:fillRef idx="0">
+            <a:schemeClr val="accent1"/>
+          </a:fillRef>
+          <a:effectRef idx="0">
+            <a:schemeClr val="accent1"/>
+          </a:effectRef>
+          <a:fontRef idx="minor">
+            <a:schemeClr val="tx1"/>
+          </a:fontRef>
+        </p:style>
+      </p:cxnSp>
+      <p:sp>
+        <p:nvSpPr>
           <p:cNvPr id="41" name="Rectangle 40">
             <a:extLst>
               <a:ext uri="{FF2B5EF4-FFF2-40B4-BE49-F238E27FC236}">
@@ -11081,7 +12383,7 @@
         </p:nvSpPr>
         <p:spPr>
           <a:xfrm>
-            <a:off x="380854" y="4106849"/>
+            <a:off x="256648" y="5010793"/>
             <a:ext cx="3040112" cy="740651"/>
           </a:xfrm>
           <a:prstGeom prst="rect">
@@ -11124,7 +12426,23 @@
                   <a:schemeClr val="tx1"/>
                 </a:solidFill>
               </a:rPr>
-              <a:t>These methods define Model </a:t>
+              <a:t>These methods define </a:t>
+            </a:r>
+            <a:r>
+              <a:rPr lang="en-US" sz="1400" dirty="0" err="1">
+                <a:solidFill>
+                  <a:schemeClr val="tx1"/>
+                </a:solidFill>
+              </a:rPr>
+              <a:t>FxnBlock</a:t>
+            </a:r>
+            <a:r>
+              <a:rPr lang="en-US" sz="1400" dirty="0">
+                <a:solidFill>
+                  <a:schemeClr val="tx1"/>
+                </a:solidFill>
+              </a:rPr>
+              <a:t> </a:t>
             </a:r>
             <a:r>
               <a:rPr lang="en-US" sz="1400" b="1" dirty="0">
@@ -11148,7 +12466,7 @@
                   <a:schemeClr val="tx1"/>
                 </a:solidFill>
               </a:rPr>
-              <a:t>modelname.i</a:t>
+              <a:t>fxnname.i</a:t>
             </a:r>
             <a:r>
               <a:rPr lang="en-US" sz="1400" dirty="0">
@@ -11175,8 +12493,8 @@
         </p:nvSpPr>
         <p:spPr>
           <a:xfrm>
-            <a:off x="170143" y="1049485"/>
-            <a:ext cx="3391491" cy="740658"/>
+            <a:off x="8480026" y="1572546"/>
+            <a:ext cx="3400689" cy="740658"/>
           </a:xfrm>
           <a:prstGeom prst="rect">
             <a:avLst/>
@@ -11242,7 +12560,23 @@
                   <a:schemeClr val="tx1"/>
                 </a:solidFill>
               </a:rPr>
-              <a:t>. Defines max time of the simulation, along with phases, timestep, units, etc.</a:t>
+              <a:t>. Only necessary when the </a:t>
+            </a:r>
+            <a:r>
+              <a:rPr lang="en-US" sz="1400" dirty="0" err="1">
+                <a:solidFill>
+                  <a:schemeClr val="tx1"/>
+                </a:solidFill>
+              </a:rPr>
+              <a:t>functionblock</a:t>
+            </a:r>
+            <a:r>
+              <a:rPr lang="en-US" sz="1400" dirty="0">
+                <a:solidFill>
+                  <a:schemeClr val="tx1"/>
+                </a:solidFill>
+              </a:rPr>
+              <a:t> will be simulated individually.</a:t>
             </a:r>
           </a:p>
         </p:txBody>
@@ -11263,7 +12597,7 @@
         </p:nvCxnSpPr>
         <p:spPr>
           <a:xfrm>
-            <a:off x="3418989" y="4542303"/>
+            <a:off x="3300089" y="5435810"/>
             <a:ext cx="538701" cy="0"/>
           </a:xfrm>
           <a:prstGeom prst="straightConnector1">
@@ -11305,7 +12639,7 @@
         </p:nvSpPr>
         <p:spPr>
           <a:xfrm>
-            <a:off x="380854" y="5119296"/>
+            <a:off x="258934" y="5860828"/>
             <a:ext cx="3038135" cy="665117"/>
           </a:xfrm>
           <a:prstGeom prst="rect">
@@ -11353,15 +12687,7 @@
                   <a:schemeClr val="tx1"/>
                 </a:solidFill>
               </a:rPr>
-              <a:t> </a:t>
-            </a:r>
-            <a:r>
-              <a:rPr lang="en-US" sz="1400" dirty="0">
-                <a:solidFill>
-                  <a:schemeClr val="tx1"/>
-                </a:solidFill>
-              </a:rPr>
-              <a:t>by the model.</a:t>
+              <a:t>when simulated individually</a:t>
             </a:r>
           </a:p>
         </p:txBody>
@@ -11382,7 +12708,7 @@
         </p:nvCxnSpPr>
         <p:spPr>
           <a:xfrm>
-            <a:off x="3439456" y="5468115"/>
+            <a:off x="3317536" y="6209647"/>
             <a:ext cx="538701" cy="0"/>
           </a:xfrm>
           <a:prstGeom prst="straightConnector1">
@@ -11391,6 +12717,1870 @@
           <a:ln w="38100">
             <a:solidFill>
               <a:srgbClr val="E890E8"/>
+            </a:solidFill>
+            <a:tailEnd type="triangle"/>
+          </a:ln>
+        </p:spPr>
+        <p:style>
+          <a:lnRef idx="1">
+            <a:schemeClr val="accent1"/>
+          </a:lnRef>
+          <a:fillRef idx="0">
+            <a:schemeClr val="accent1"/>
+          </a:fillRef>
+          <a:effectRef idx="0">
+            <a:schemeClr val="accent1"/>
+          </a:effectRef>
+          <a:fontRef idx="minor">
+            <a:schemeClr val="tx1"/>
+          </a:fontRef>
+        </p:style>
+      </p:cxnSp>
+      <p:sp>
+        <p:nvSpPr>
+          <p:cNvPr id="17" name="Rectangle 16">
+            <a:extLst>
+              <a:ext uri="{FF2B5EF4-FFF2-40B4-BE49-F238E27FC236}">
+                <a16:creationId xmlns:a16="http://schemas.microsoft.com/office/drawing/2014/main" id="{A0C69ACA-439D-0139-BDDC-92349E69443D}"/>
+              </a:ext>
+            </a:extLst>
+          </p:cNvPr>
+          <p:cNvSpPr/>
+          <p:nvPr/>
+        </p:nvSpPr>
+        <p:spPr>
+          <a:xfrm>
+            <a:off x="7153705" y="295911"/>
+            <a:ext cx="3614416" cy="459800"/>
+          </a:xfrm>
+          <a:prstGeom prst="rect">
+            <a:avLst/>
+          </a:prstGeom>
+          <a:solidFill>
+            <a:srgbClr val="FA7676"/>
+          </a:solidFill>
+          <a:ln>
+            <a:noFill/>
+          </a:ln>
+        </p:spPr>
+        <p:style>
+          <a:lnRef idx="0">
+            <a:scrgbClr r="0" g="0" b="0"/>
+          </a:lnRef>
+          <a:fillRef idx="0">
+            <a:scrgbClr r="0" g="0" b="0"/>
+          </a:fillRef>
+          <a:effectRef idx="0">
+            <a:scrgbClr r="0" g="0" b="0"/>
+          </a:effectRef>
+          <a:fontRef idx="minor">
+            <a:schemeClr val="lt1"/>
+          </a:fontRef>
+        </p:style>
+        <p:txBody>
+          <a:bodyPr rtlCol="0" anchor="ctr"/>
+          <a:lstStyle/>
+          <a:p>
+            <a:pPr marL="0" marR="0" lvl="0" indent="0" algn="ctr" defTabSz="914400" rtl="0" eaLnBrk="1" fontAlgn="auto" latinLnBrk="0" hangingPunct="1">
+              <a:lnSpc>
+                <a:spcPct val="100000"/>
+              </a:lnSpc>
+              <a:spcBef>
+                <a:spcPts val="0"/>
+              </a:spcBef>
+              <a:spcAft>
+                <a:spcPts val="0"/>
+              </a:spcAft>
+              <a:buClrTx/>
+              <a:buSzTx/>
+              <a:buFontTx/>
+              <a:buNone/>
+              <a:tabLst/>
+              <a:defRPr/>
+            </a:pPr>
+            <a:r>
+              <a:rPr lang="en-US" sz="1400" dirty="0">
+                <a:solidFill>
+                  <a:prstClr val="black"/>
+                </a:solidFill>
+                <a:latin typeface="Calibri" panose="020F0502020204030204"/>
+              </a:rPr>
+              <a:t>Tuple of flows must be specified in __slots__</a:t>
+            </a:r>
+            <a:endParaRPr lang="en-US" dirty="0"/>
+          </a:p>
+        </p:txBody>
+      </p:sp>
+      <p:cxnSp>
+        <p:nvCxnSpPr>
+          <p:cNvPr id="22" name="Straight Arrow Connector 21">
+            <a:extLst>
+              <a:ext uri="{FF2B5EF4-FFF2-40B4-BE49-F238E27FC236}">
+                <a16:creationId xmlns:a16="http://schemas.microsoft.com/office/drawing/2014/main" id="{102D07A8-4272-9244-7C8A-5D29FC870D5D}"/>
+              </a:ext>
+            </a:extLst>
+          </p:cNvPr>
+          <p:cNvCxnSpPr>
+            <a:cxnSpLocks/>
+            <a:stCxn id="17" idx="1"/>
+          </p:cNvCxnSpPr>
+          <p:nvPr/>
+        </p:nvCxnSpPr>
+        <p:spPr>
+          <a:xfrm flipH="1" flipV="1">
+            <a:off x="6327490" y="512074"/>
+            <a:ext cx="826215" cy="13737"/>
+          </a:xfrm>
+          <a:prstGeom prst="straightConnector1">
+            <a:avLst/>
+          </a:prstGeom>
+          <a:ln w="38100">
+            <a:solidFill>
+              <a:srgbClr val="FA7676"/>
+            </a:solidFill>
+            <a:tailEnd type="triangle"/>
+          </a:ln>
+        </p:spPr>
+        <p:style>
+          <a:lnRef idx="1">
+            <a:schemeClr val="accent1"/>
+          </a:lnRef>
+          <a:fillRef idx="0">
+            <a:schemeClr val="accent1"/>
+          </a:fillRef>
+          <a:effectRef idx="0">
+            <a:schemeClr val="accent1"/>
+          </a:effectRef>
+          <a:fontRef idx="minor">
+            <a:schemeClr val="tx1"/>
+          </a:fontRef>
+        </p:style>
+      </p:cxnSp>
+    </p:spTree>
+    <p:extLst>
+      <p:ext uri="{BB962C8B-B14F-4D97-AF65-F5344CB8AC3E}">
+        <p14:creationId xmlns:p14="http://schemas.microsoft.com/office/powerpoint/2010/main" val="3020370138"/>
+      </p:ext>
+    </p:extLst>
+  </p:cSld>
+  <p:clrMapOvr>
+    <a:masterClrMapping/>
+  </p:clrMapOvr>
+</p:sld>
+</file>
+
+<file path=ppt/slides/slide15.xml><?xml version="1.0" encoding="utf-8"?>
+<p:sld xmlns:a="http://schemas.openxmlformats.org/drawingml/2006/main" xmlns:r="http://schemas.openxmlformats.org/officeDocument/2006/relationships" xmlns:p="http://schemas.openxmlformats.org/presentationml/2006/main">
+  <p:cSld>
+    <p:spTree>
+      <p:nvGrpSpPr>
+        <p:cNvPr id="1" name=""/>
+        <p:cNvGrpSpPr/>
+        <p:nvPr/>
+      </p:nvGrpSpPr>
+      <p:grpSpPr>
+        <a:xfrm>
+          <a:off x="0" y="0"/>
+          <a:ext cx="0" cy="0"/>
+          <a:chOff x="0" y="0"/>
+          <a:chExt cx="0" cy="0"/>
+        </a:xfrm>
+      </p:grpSpPr>
+      <p:sp>
+        <p:nvSpPr>
+          <p:cNvPr id="46" name="Rectangle 45">
+            <a:extLst>
+              <a:ext uri="{FF2B5EF4-FFF2-40B4-BE49-F238E27FC236}">
+                <a16:creationId xmlns:a16="http://schemas.microsoft.com/office/drawing/2014/main" id="{72127004-8A7D-A358-ADEB-B3629DBFE527}"/>
+              </a:ext>
+            </a:extLst>
+          </p:cNvPr>
+          <p:cNvSpPr/>
+          <p:nvPr/>
+        </p:nvSpPr>
+        <p:spPr>
+          <a:xfrm>
+            <a:off x="3967375" y="5113373"/>
+            <a:ext cx="6697853" cy="843940"/>
+          </a:xfrm>
+          <a:prstGeom prst="rect">
+            <a:avLst/>
+          </a:prstGeom>
+          <a:solidFill>
+            <a:srgbClr val="F1D9F1"/>
+          </a:solidFill>
+          <a:ln>
+            <a:noFill/>
+          </a:ln>
+        </p:spPr>
+        <p:style>
+          <a:lnRef idx="2">
+            <a:schemeClr val="accent1">
+              <a:shade val="15000"/>
+            </a:schemeClr>
+          </a:lnRef>
+          <a:fillRef idx="1">
+            <a:schemeClr val="accent1"/>
+          </a:fillRef>
+          <a:effectRef idx="0">
+            <a:schemeClr val="accent1"/>
+          </a:effectRef>
+          <a:fontRef idx="minor">
+            <a:schemeClr val="lt1"/>
+          </a:fontRef>
+        </p:style>
+        <p:txBody>
+          <a:bodyPr rtlCol="0" anchor="ctr"/>
+          <a:lstStyle/>
+          <a:p>
+            <a:pPr algn="ctr"/>
+            <a:endParaRPr lang="en-US" sz="1400" b="1" dirty="0">
+              <a:solidFill>
+                <a:schemeClr val="tx1"/>
+              </a:solidFill>
+            </a:endParaRPr>
+          </a:p>
+        </p:txBody>
+      </p:sp>
+      <p:sp>
+        <p:nvSpPr>
+          <p:cNvPr id="12" name="Rectangle 11">
+            <a:extLst>
+              <a:ext uri="{FF2B5EF4-FFF2-40B4-BE49-F238E27FC236}">
+                <a16:creationId xmlns:a16="http://schemas.microsoft.com/office/drawing/2014/main" id="{E3774B39-3B4C-D81E-872A-828DD7656DFD}"/>
+              </a:ext>
+            </a:extLst>
+          </p:cNvPr>
+          <p:cNvSpPr/>
+          <p:nvPr/>
+        </p:nvSpPr>
+        <p:spPr>
+          <a:xfrm>
+            <a:off x="3926869" y="3841426"/>
+            <a:ext cx="6738360" cy="1178641"/>
+          </a:xfrm>
+          <a:prstGeom prst="rect">
+            <a:avLst/>
+          </a:prstGeom>
+          <a:solidFill>
+            <a:schemeClr val="accent6">
+              <a:lumMod val="20000"/>
+              <a:lumOff val="80000"/>
+            </a:schemeClr>
+          </a:solidFill>
+          <a:ln>
+            <a:noFill/>
+          </a:ln>
+        </p:spPr>
+        <p:style>
+          <a:lnRef idx="2">
+            <a:schemeClr val="accent1">
+              <a:shade val="15000"/>
+            </a:schemeClr>
+          </a:lnRef>
+          <a:fillRef idx="1">
+            <a:schemeClr val="accent1"/>
+          </a:fillRef>
+          <a:effectRef idx="0">
+            <a:schemeClr val="accent1"/>
+          </a:effectRef>
+          <a:fontRef idx="minor">
+            <a:schemeClr val="lt1"/>
+          </a:fontRef>
+        </p:style>
+        <p:txBody>
+          <a:bodyPr rtlCol="0" anchor="ctr"/>
+          <a:lstStyle/>
+          <a:p>
+            <a:pPr algn="ctr"/>
+            <a:endParaRPr lang="en-US" sz="1400" dirty="0">
+              <a:solidFill>
+                <a:schemeClr val="tx1"/>
+              </a:solidFill>
+            </a:endParaRPr>
+          </a:p>
+        </p:txBody>
+      </p:sp>
+      <p:sp>
+        <p:nvSpPr>
+          <p:cNvPr id="16" name="Rectangle 15">
+            <a:extLst>
+              <a:ext uri="{FF2B5EF4-FFF2-40B4-BE49-F238E27FC236}">
+                <a16:creationId xmlns:a16="http://schemas.microsoft.com/office/drawing/2014/main" id="{72C539D4-1CBA-B5E5-2E88-785897940B49}"/>
+              </a:ext>
+            </a:extLst>
+          </p:cNvPr>
+          <p:cNvSpPr/>
+          <p:nvPr/>
+        </p:nvSpPr>
+        <p:spPr>
+          <a:xfrm>
+            <a:off x="3926869" y="2024202"/>
+            <a:ext cx="6738360" cy="1723919"/>
+          </a:xfrm>
+          <a:prstGeom prst="rect">
+            <a:avLst/>
+          </a:prstGeom>
+          <a:solidFill>
+            <a:schemeClr val="bg2">
+              <a:lumMod val="90000"/>
+            </a:schemeClr>
+          </a:solidFill>
+          <a:ln>
+            <a:noFill/>
+          </a:ln>
+        </p:spPr>
+        <p:style>
+          <a:lnRef idx="2">
+            <a:schemeClr val="accent1">
+              <a:shade val="15000"/>
+            </a:schemeClr>
+          </a:lnRef>
+          <a:fillRef idx="1">
+            <a:schemeClr val="accent1"/>
+          </a:fillRef>
+          <a:effectRef idx="0">
+            <a:schemeClr val="accent1"/>
+          </a:effectRef>
+          <a:fontRef idx="minor">
+            <a:schemeClr val="lt1"/>
+          </a:fontRef>
+        </p:style>
+        <p:txBody>
+          <a:bodyPr rtlCol="0" anchor="ctr"/>
+          <a:lstStyle/>
+          <a:p>
+            <a:pPr algn="ctr"/>
+            <a:endParaRPr lang="en-US"/>
+          </a:p>
+        </p:txBody>
+      </p:sp>
+      <p:sp>
+        <p:nvSpPr>
+          <p:cNvPr id="13" name="Rectangle 12">
+            <a:extLst>
+              <a:ext uri="{FF2B5EF4-FFF2-40B4-BE49-F238E27FC236}">
+                <a16:creationId xmlns:a16="http://schemas.microsoft.com/office/drawing/2014/main" id="{2CBCDC26-00E5-A3E1-F5B6-30FDC541BC9D}"/>
+              </a:ext>
+            </a:extLst>
+          </p:cNvPr>
+          <p:cNvSpPr/>
+          <p:nvPr/>
+        </p:nvSpPr>
+        <p:spPr>
+          <a:xfrm>
+            <a:off x="4158792" y="1765140"/>
+            <a:ext cx="2628088" cy="208826"/>
+          </a:xfrm>
+          <a:prstGeom prst="rect">
+            <a:avLst/>
+          </a:prstGeom>
+          <a:solidFill>
+            <a:schemeClr val="accent2">
+              <a:lumMod val="40000"/>
+              <a:lumOff val="60000"/>
+            </a:schemeClr>
+          </a:solidFill>
+          <a:ln>
+            <a:noFill/>
+          </a:ln>
+        </p:spPr>
+        <p:style>
+          <a:lnRef idx="2">
+            <a:schemeClr val="accent1">
+              <a:shade val="15000"/>
+            </a:schemeClr>
+          </a:lnRef>
+          <a:fillRef idx="1">
+            <a:schemeClr val="accent1"/>
+          </a:fillRef>
+          <a:effectRef idx="0">
+            <a:schemeClr val="accent1"/>
+          </a:effectRef>
+          <a:fontRef idx="minor">
+            <a:schemeClr val="lt1"/>
+          </a:fontRef>
+        </p:style>
+        <p:txBody>
+          <a:bodyPr rtlCol="0" anchor="ctr"/>
+          <a:lstStyle/>
+          <a:p>
+            <a:pPr algn="ctr"/>
+            <a:endParaRPr lang="en-US"/>
+          </a:p>
+        </p:txBody>
+      </p:sp>
+      <p:sp>
+        <p:nvSpPr>
+          <p:cNvPr id="8" name="Rectangle 7">
+            <a:extLst>
+              <a:ext uri="{FF2B5EF4-FFF2-40B4-BE49-F238E27FC236}">
+                <a16:creationId xmlns:a16="http://schemas.microsoft.com/office/drawing/2014/main" id="{1C026455-CAB0-7107-5E06-73B62BD22F6E}"/>
+              </a:ext>
+            </a:extLst>
+          </p:cNvPr>
+          <p:cNvSpPr/>
+          <p:nvPr/>
+        </p:nvSpPr>
+        <p:spPr>
+          <a:xfrm>
+            <a:off x="4158792" y="1480201"/>
+            <a:ext cx="3233595" cy="269288"/>
+          </a:xfrm>
+          <a:prstGeom prst="rect">
+            <a:avLst/>
+          </a:prstGeom>
+          <a:solidFill>
+            <a:schemeClr val="accent6">
+              <a:lumMod val="40000"/>
+              <a:lumOff val="60000"/>
+            </a:schemeClr>
+          </a:solidFill>
+          <a:ln>
+            <a:noFill/>
+          </a:ln>
+        </p:spPr>
+        <p:style>
+          <a:lnRef idx="2">
+            <a:schemeClr val="accent1">
+              <a:shade val="15000"/>
+            </a:schemeClr>
+          </a:lnRef>
+          <a:fillRef idx="1">
+            <a:schemeClr val="accent1"/>
+          </a:fillRef>
+          <a:effectRef idx="0">
+            <a:schemeClr val="accent1"/>
+          </a:effectRef>
+          <a:fontRef idx="minor">
+            <a:schemeClr val="lt1"/>
+          </a:fontRef>
+        </p:style>
+        <p:txBody>
+          <a:bodyPr rtlCol="0" anchor="ctr"/>
+          <a:lstStyle/>
+          <a:p>
+            <a:pPr algn="ctr"/>
+            <a:endParaRPr lang="en-US"/>
+          </a:p>
+        </p:txBody>
+      </p:sp>
+      <p:sp>
+        <p:nvSpPr>
+          <p:cNvPr id="7" name="Rectangle 6">
+            <a:extLst>
+              <a:ext uri="{FF2B5EF4-FFF2-40B4-BE49-F238E27FC236}">
+                <a16:creationId xmlns:a16="http://schemas.microsoft.com/office/drawing/2014/main" id="{790F2CA3-19A2-C7F6-C82D-20112C0EFFC8}"/>
+              </a:ext>
+            </a:extLst>
+          </p:cNvPr>
+          <p:cNvSpPr/>
+          <p:nvPr/>
+        </p:nvSpPr>
+        <p:spPr>
+          <a:xfrm>
+            <a:off x="4158792" y="1256969"/>
+            <a:ext cx="2177618" cy="190634"/>
+          </a:xfrm>
+          <a:prstGeom prst="rect">
+            <a:avLst/>
+          </a:prstGeom>
+          <a:solidFill>
+            <a:schemeClr val="accent1">
+              <a:lumMod val="40000"/>
+              <a:lumOff val="60000"/>
+            </a:schemeClr>
+          </a:solidFill>
+          <a:ln>
+            <a:noFill/>
+          </a:ln>
+        </p:spPr>
+        <p:style>
+          <a:lnRef idx="2">
+            <a:schemeClr val="accent1">
+              <a:shade val="15000"/>
+            </a:schemeClr>
+          </a:lnRef>
+          <a:fillRef idx="1">
+            <a:schemeClr val="accent1"/>
+          </a:fillRef>
+          <a:effectRef idx="0">
+            <a:schemeClr val="accent1"/>
+          </a:effectRef>
+          <a:fontRef idx="minor">
+            <a:schemeClr val="lt1"/>
+          </a:fontRef>
+        </p:style>
+        <p:txBody>
+          <a:bodyPr rtlCol="0" anchor="ctr"/>
+          <a:lstStyle/>
+          <a:p>
+            <a:pPr algn="ctr"/>
+            <a:endParaRPr lang="en-US"/>
+          </a:p>
+        </p:txBody>
+      </p:sp>
+      <p:sp>
+        <p:nvSpPr>
+          <p:cNvPr id="6" name="Rectangle 5">
+            <a:extLst>
+              <a:ext uri="{FF2B5EF4-FFF2-40B4-BE49-F238E27FC236}">
+                <a16:creationId xmlns:a16="http://schemas.microsoft.com/office/drawing/2014/main" id="{5D85A8FA-8E6E-79A7-59E0-7676B5C606A4}"/>
+              </a:ext>
+            </a:extLst>
+          </p:cNvPr>
+          <p:cNvSpPr/>
+          <p:nvPr/>
+        </p:nvSpPr>
+        <p:spPr>
+          <a:xfrm>
+            <a:off x="3904298" y="659248"/>
+            <a:ext cx="6738360" cy="5238115"/>
+          </a:xfrm>
+          <a:prstGeom prst="rect">
+            <a:avLst/>
+          </a:prstGeom>
+          <a:noFill/>
+          <a:ln w="28575">
+            <a:solidFill>
+              <a:schemeClr val="accent1"/>
+            </a:solidFill>
+          </a:ln>
+        </p:spPr>
+        <p:style>
+          <a:lnRef idx="2">
+            <a:schemeClr val="dk1"/>
+          </a:lnRef>
+          <a:fillRef idx="1">
+            <a:schemeClr val="lt1"/>
+          </a:fillRef>
+          <a:effectRef idx="0">
+            <a:schemeClr val="dk1"/>
+          </a:effectRef>
+          <a:fontRef idx="minor">
+            <a:schemeClr val="dk1"/>
+          </a:fontRef>
+        </p:style>
+        <p:txBody>
+          <a:bodyPr rtlCol="0" anchor="t"/>
+          <a:lstStyle/>
+          <a:p>
+            <a:r>
+              <a:rPr lang="en-US" sz="1600" dirty="0"/>
+              <a:t>class </a:t>
+            </a:r>
+            <a:r>
+              <a:rPr lang="en-US" sz="1600" dirty="0" err="1"/>
+              <a:t>ArchitectureName</a:t>
+            </a:r>
+            <a:r>
+              <a:rPr lang="en-US" sz="1600" dirty="0"/>
+              <a:t>(</a:t>
+            </a:r>
+            <a:r>
+              <a:rPr lang="en-US" sz="1600" dirty="0" err="1"/>
+              <a:t>FunctionArchitecture</a:t>
+            </a:r>
+            <a:r>
+              <a:rPr lang="en-US" sz="1600" dirty="0"/>
+              <a:t>):</a:t>
+            </a:r>
+          </a:p>
+          <a:p>
+            <a:r>
+              <a:rPr lang="en-US" sz="1600" dirty="0"/>
+              <a:t>    __slots__ = ()</a:t>
+            </a:r>
+          </a:p>
+          <a:p>
+            <a:r>
+              <a:rPr lang="en-US" sz="1600" dirty="0"/>
+              <a:t>    </a:t>
+            </a:r>
+            <a:r>
+              <a:rPr lang="en-US" sz="1600" dirty="0" err="1"/>
+              <a:t>container_p</a:t>
+            </a:r>
+            <a:r>
+              <a:rPr lang="en-US" sz="1600" dirty="0"/>
+              <a:t>= </a:t>
+            </a:r>
+            <a:r>
+              <a:rPr lang="en-US" sz="1600" dirty="0" err="1"/>
+              <a:t>ModelParam</a:t>
+            </a:r>
+            <a:endParaRPr lang="en-US" sz="1600" dirty="0"/>
+          </a:p>
+          <a:p>
+            <a:r>
+              <a:rPr lang="en-US" sz="1600" dirty="0"/>
+              <a:t>    </a:t>
+            </a:r>
+            <a:r>
+              <a:rPr lang="en-US" sz="1600" dirty="0" err="1"/>
+              <a:t>default_sp</a:t>
+            </a:r>
+            <a:r>
+              <a:rPr lang="en-US" sz="1600" dirty="0"/>
+              <a:t> = {‘</a:t>
+            </a:r>
+            <a:r>
+              <a:rPr lang="en-US" sz="1600" dirty="0" err="1"/>
+              <a:t>end_time</a:t>
+            </a:r>
+            <a:r>
+              <a:rPr lang="en-US" sz="1600" dirty="0"/>
+              <a:t>’:</a:t>
+            </a:r>
+            <a:r>
+              <a:rPr lang="en-US" sz="1600" dirty="0">
+                <a:sym typeface="Wingdings" panose="05000000000000000000" pitchFamily="2" charset="2"/>
+              </a:rPr>
+              <a:t> 100</a:t>
+            </a:r>
+            <a:r>
+              <a:rPr lang="en-US" sz="1600" dirty="0"/>
+              <a:t>}</a:t>
+            </a:r>
+          </a:p>
+          <a:p>
+            <a:r>
+              <a:rPr lang="en-US" sz="1600" dirty="0"/>
+              <a:t>    </a:t>
+            </a:r>
+            <a:r>
+              <a:rPr lang="en-US" sz="1600" dirty="0" err="1"/>
+              <a:t>default_track</a:t>
+            </a:r>
+            <a:r>
+              <a:rPr lang="en-US" sz="1600" dirty="0"/>
+              <a:t> = [“</a:t>
+            </a:r>
+            <a:r>
+              <a:rPr lang="en-US" sz="1600" dirty="0" err="1"/>
+              <a:t>fxns</a:t>
+            </a:r>
+            <a:r>
+              <a:rPr lang="en-US" sz="1600" dirty="0"/>
+              <a:t>”, “flows]</a:t>
+            </a:r>
+          </a:p>
+          <a:p>
+            <a:r>
+              <a:rPr lang="en-US" sz="1600" dirty="0"/>
+              <a:t>    </a:t>
+            </a:r>
+          </a:p>
+          <a:p>
+            <a:r>
+              <a:rPr lang="en-US" sz="1600" dirty="0"/>
+              <a:t>    def </a:t>
+            </a:r>
+            <a:r>
+              <a:rPr lang="en-US" sz="1600" dirty="0" err="1"/>
+              <a:t>init_architecture</a:t>
+            </a:r>
+            <a:r>
+              <a:rPr lang="en-US" sz="1600" dirty="0"/>
+              <a:t>(self, **</a:t>
+            </a:r>
+            <a:r>
+              <a:rPr lang="en-US" sz="1600" dirty="0" err="1"/>
+              <a:t>kwargs</a:t>
+            </a:r>
+            <a:r>
+              <a:rPr lang="en-US" sz="1600" dirty="0"/>
+              <a:t>):</a:t>
+            </a:r>
+          </a:p>
+          <a:p>
+            <a:r>
+              <a:rPr lang="en-US" sz="1600" dirty="0"/>
+              <a:t>        </a:t>
+            </a:r>
+            <a:r>
+              <a:rPr lang="en-US" sz="1600" dirty="0" err="1"/>
+              <a:t>self.add_flow</a:t>
+            </a:r>
+            <a:r>
+              <a:rPr lang="en-US" sz="1600" dirty="0"/>
+              <a:t>(“</a:t>
+            </a:r>
+            <a:r>
+              <a:rPr lang="en-US" sz="1600" dirty="0" err="1"/>
+              <a:t>flowname</a:t>
+            </a:r>
+            <a:r>
+              <a:rPr lang="en-US" sz="1600" dirty="0"/>
+              <a:t>”, </a:t>
+            </a:r>
+            <a:r>
+              <a:rPr lang="en-US" sz="1600" dirty="0" err="1"/>
+              <a:t>FlowClass</a:t>
+            </a:r>
+            <a:r>
+              <a:rPr lang="en-US" sz="1600" dirty="0"/>
+              <a:t>)</a:t>
+            </a:r>
+          </a:p>
+          <a:p>
+            <a:r>
+              <a:rPr lang="en-US" sz="1600" dirty="0"/>
+              <a:t>        …</a:t>
+            </a:r>
+          </a:p>
+          <a:p>
+            <a:r>
+              <a:rPr lang="en-US" sz="1600" dirty="0"/>
+              <a:t>        </a:t>
+            </a:r>
+            <a:r>
+              <a:rPr lang="en-US" sz="1600" dirty="0" err="1"/>
+              <a:t>self.add_fxn</a:t>
+            </a:r>
+            <a:r>
+              <a:rPr lang="en-US" sz="1600" dirty="0"/>
+              <a:t>(“</a:t>
+            </a:r>
+            <a:r>
+              <a:rPr lang="en-US" sz="1600" dirty="0" err="1"/>
+              <a:t>functionname</a:t>
+            </a:r>
+            <a:r>
+              <a:rPr lang="en-US" sz="1600" dirty="0"/>
+              <a:t>”, </a:t>
+            </a:r>
+            <a:r>
+              <a:rPr lang="en-US" sz="1600" dirty="0" err="1"/>
+              <a:t>FunctionClass</a:t>
+            </a:r>
+            <a:r>
+              <a:rPr lang="en-US" sz="1600" dirty="0"/>
+              <a:t>, “flowname1”, “flowname2”)</a:t>
+            </a:r>
+          </a:p>
+          <a:p>
+            <a:r>
+              <a:rPr lang="en-US" sz="1600" dirty="0"/>
+              <a:t>        …</a:t>
+            </a:r>
+          </a:p>
+          <a:p>
+            <a:endParaRPr lang="en-US" sz="1600" dirty="0"/>
+          </a:p>
+          <a:p>
+            <a:endParaRPr lang="en-US" sz="1600" dirty="0"/>
+          </a:p>
+          <a:p>
+            <a:r>
+              <a:rPr lang="en-US" sz="1600" dirty="0"/>
+              <a:t>def </a:t>
+            </a:r>
+            <a:r>
+              <a:rPr lang="en-US" sz="1600" dirty="0" err="1"/>
+              <a:t>indicate_XXX</a:t>
+            </a:r>
+            <a:r>
+              <a:rPr lang="en-US" sz="1600" dirty="0"/>
+              <a:t>(self, time):</a:t>
+            </a:r>
+          </a:p>
+          <a:p>
+            <a:r>
+              <a:rPr lang="en-US" sz="1600" dirty="0"/>
+              <a:t>        </a:t>
+            </a:r>
+            <a:r>
+              <a:rPr lang="en-US" sz="1600" dirty="0">
+                <a:highlight>
+                  <a:srgbClr val="00FF00"/>
+                </a:highlight>
+              </a:rPr>
+              <a:t>Conditional statement </a:t>
+            </a:r>
+          </a:p>
+          <a:p>
+            <a:r>
+              <a:rPr lang="en-US" sz="1600" dirty="0"/>
+              <a:t>        </a:t>
+            </a:r>
+            <a:r>
+              <a:rPr lang="en-US" sz="1600" dirty="0">
+                <a:highlight>
+                  <a:srgbClr val="00FF00"/>
+                </a:highlight>
+              </a:rPr>
+              <a:t>(e.g., </a:t>
+            </a:r>
+            <a:r>
+              <a:rPr lang="en-US" sz="1600" dirty="0" err="1">
+                <a:highlight>
+                  <a:srgbClr val="00FF00"/>
+                </a:highlight>
+              </a:rPr>
+              <a:t>self.fxns</a:t>
+            </a:r>
+            <a:r>
+              <a:rPr lang="en-US" sz="1600" dirty="0">
+                <a:highlight>
+                  <a:srgbClr val="00FF00"/>
+                </a:highlight>
+              </a:rPr>
+              <a:t>[“</a:t>
+            </a:r>
+            <a:r>
+              <a:rPr lang="en-US" sz="1600" dirty="0" err="1">
+                <a:highlight>
+                  <a:srgbClr val="00FF00"/>
+                </a:highlight>
+              </a:rPr>
+              <a:t>functionname</a:t>
+            </a:r>
+            <a:r>
+              <a:rPr lang="en-US" sz="1600" dirty="0">
+                <a:highlight>
+                  <a:srgbClr val="00FF00"/>
+                </a:highlight>
+              </a:rPr>
+              <a:t>”].</a:t>
+            </a:r>
+            <a:r>
+              <a:rPr lang="en-US" sz="1600" dirty="0" err="1">
+                <a:highlight>
+                  <a:srgbClr val="00FF00"/>
+                </a:highlight>
+              </a:rPr>
+              <a:t>s.state</a:t>
+            </a:r>
+            <a:r>
+              <a:rPr lang="en-US" sz="1600" dirty="0">
+                <a:highlight>
+                  <a:srgbClr val="00FF00"/>
+                </a:highlight>
+              </a:rPr>
+              <a:t>&gt;threshold)</a:t>
+            </a:r>
+          </a:p>
+          <a:p>
+            <a:r>
+              <a:rPr lang="en-US" sz="1600" dirty="0">
+                <a:highlight>
+                  <a:srgbClr val="00FF00"/>
+                </a:highlight>
+              </a:rPr>
+              <a:t> which is logged in the history and may be used to terminate simulations</a:t>
+            </a:r>
+          </a:p>
+          <a:p>
+            <a:r>
+              <a:rPr lang="en-US" sz="1600" dirty="0"/>
+              <a:t>    </a:t>
+            </a:r>
+          </a:p>
+          <a:p>
+            <a:r>
+              <a:rPr lang="en-US" sz="1600" dirty="0"/>
+              <a:t>def </a:t>
+            </a:r>
+            <a:r>
+              <a:rPr lang="en-US" sz="1600" dirty="0" err="1"/>
+              <a:t>find_classification</a:t>
+            </a:r>
+            <a:r>
+              <a:rPr lang="en-US" sz="1600" dirty="0"/>
+              <a:t>(self, time):</a:t>
+            </a:r>
+          </a:p>
+          <a:p>
+            <a:r>
+              <a:rPr lang="en-US" sz="1600" dirty="0">
+                <a:highlight>
+                  <a:srgbClr val="E997E9"/>
+                </a:highlight>
+              </a:rPr>
+              <a:t>        Returns a Result dictionary (calculated at completion)</a:t>
+            </a:r>
+          </a:p>
+        </p:txBody>
+      </p:sp>
+      <p:sp>
+        <p:nvSpPr>
+          <p:cNvPr id="10" name="Rectangle 9">
+            <a:extLst>
+              <a:ext uri="{FF2B5EF4-FFF2-40B4-BE49-F238E27FC236}">
+                <a16:creationId xmlns:a16="http://schemas.microsoft.com/office/drawing/2014/main" id="{FF99E59A-7941-6350-EE6B-CB334F86800C}"/>
+              </a:ext>
+            </a:extLst>
+          </p:cNvPr>
+          <p:cNvSpPr/>
+          <p:nvPr/>
+        </p:nvSpPr>
+        <p:spPr>
+          <a:xfrm>
+            <a:off x="7917287" y="1646681"/>
+            <a:ext cx="4076593" cy="940685"/>
+          </a:xfrm>
+          <a:prstGeom prst="rect">
+            <a:avLst/>
+          </a:prstGeom>
+          <a:solidFill>
+            <a:schemeClr val="accent2">
+              <a:lumMod val="40000"/>
+              <a:lumOff val="60000"/>
+            </a:schemeClr>
+          </a:solidFill>
+          <a:ln>
+            <a:noFill/>
+          </a:ln>
+        </p:spPr>
+        <p:style>
+          <a:lnRef idx="2">
+            <a:schemeClr val="accent1">
+              <a:shade val="15000"/>
+            </a:schemeClr>
+          </a:lnRef>
+          <a:fillRef idx="1">
+            <a:schemeClr val="accent1"/>
+          </a:fillRef>
+          <a:effectRef idx="0">
+            <a:schemeClr val="accent1"/>
+          </a:effectRef>
+          <a:fontRef idx="minor">
+            <a:schemeClr val="lt1"/>
+          </a:fontRef>
+        </p:style>
+        <p:txBody>
+          <a:bodyPr rtlCol="0" anchor="ctr"/>
+          <a:lstStyle/>
+          <a:p>
+            <a:pPr algn="ctr"/>
+            <a:r>
+              <a:rPr lang="en-US" sz="1400" dirty="0">
+                <a:solidFill>
+                  <a:schemeClr val="tx1"/>
+                </a:solidFill>
+              </a:rPr>
+              <a:t>Specifies </a:t>
+            </a:r>
+            <a:r>
+              <a:rPr lang="en-US" sz="1400" b="1" dirty="0">
+                <a:solidFill>
+                  <a:schemeClr val="tx1"/>
+                </a:solidFill>
+              </a:rPr>
+              <a:t>what should be tracked</a:t>
+            </a:r>
+            <a:r>
+              <a:rPr lang="en-US" sz="1400" dirty="0">
+                <a:solidFill>
+                  <a:schemeClr val="tx1"/>
+                </a:solidFill>
+              </a:rPr>
+              <a:t> in the Model history by default. May be a </a:t>
+            </a:r>
+            <a:r>
+              <a:rPr lang="en-US" sz="1400" dirty="0" err="1">
+                <a:solidFill>
+                  <a:schemeClr val="tx1"/>
+                </a:solidFill>
+              </a:rPr>
+              <a:t>dict</a:t>
+            </a:r>
+            <a:r>
+              <a:rPr lang="en-US" sz="1400" dirty="0">
+                <a:solidFill>
+                  <a:schemeClr val="tx1"/>
+                </a:solidFill>
+              </a:rPr>
+              <a:t> ({</a:t>
+            </a:r>
+            <a:r>
+              <a:rPr lang="en-US" sz="1400" dirty="0" err="1">
+                <a:solidFill>
+                  <a:schemeClr val="tx1"/>
+                </a:solidFill>
+              </a:rPr>
+              <a:t>role:value</a:t>
+            </a:r>
+            <a:r>
+              <a:rPr lang="en-US" sz="1400" dirty="0">
+                <a:solidFill>
+                  <a:schemeClr val="tx1"/>
+                </a:solidFill>
+              </a:rPr>
+              <a:t>}), list ([role1, role2]), or string (“</a:t>
+            </a:r>
+            <a:r>
+              <a:rPr lang="en-US" sz="1400" dirty="0" err="1">
+                <a:solidFill>
+                  <a:schemeClr val="tx1"/>
+                </a:solidFill>
+              </a:rPr>
+              <a:t>all”,”none</a:t>
+            </a:r>
+            <a:r>
+              <a:rPr lang="en-US" sz="1400" dirty="0">
+                <a:solidFill>
+                  <a:schemeClr val="tx1"/>
+                </a:solidFill>
+              </a:rPr>
+              <a:t>”, </a:t>
+            </a:r>
+            <a:r>
+              <a:rPr lang="en-US" sz="1400" dirty="0" err="1">
+                <a:solidFill>
+                  <a:schemeClr val="tx1"/>
+                </a:solidFill>
+              </a:rPr>
+              <a:t>etc</a:t>
+            </a:r>
+            <a:r>
+              <a:rPr lang="en-US" sz="1400" dirty="0">
+                <a:solidFill>
+                  <a:schemeClr val="tx1"/>
+                </a:solidFill>
+              </a:rPr>
+              <a:t>). Overwritten by the track option in propagate. </a:t>
+            </a:r>
+          </a:p>
+        </p:txBody>
+      </p:sp>
+      <p:sp>
+        <p:nvSpPr>
+          <p:cNvPr id="14" name="Rectangle 13">
+            <a:extLst>
+              <a:ext uri="{FF2B5EF4-FFF2-40B4-BE49-F238E27FC236}">
+                <a16:creationId xmlns:a16="http://schemas.microsoft.com/office/drawing/2014/main" id="{0D391646-A2EB-6DB7-673E-EBCE48A81170}"/>
+              </a:ext>
+            </a:extLst>
+          </p:cNvPr>
+          <p:cNvSpPr/>
+          <p:nvPr/>
+        </p:nvSpPr>
+        <p:spPr>
+          <a:xfrm>
+            <a:off x="7391562" y="1200510"/>
+            <a:ext cx="4602318" cy="488526"/>
+          </a:xfrm>
+          <a:prstGeom prst="rect">
+            <a:avLst/>
+          </a:prstGeom>
+          <a:solidFill>
+            <a:schemeClr val="accent1">
+              <a:lumMod val="40000"/>
+              <a:lumOff val="60000"/>
+            </a:schemeClr>
+          </a:solidFill>
+          <a:ln>
+            <a:noFill/>
+          </a:ln>
+        </p:spPr>
+        <p:style>
+          <a:lnRef idx="2">
+            <a:schemeClr val="accent1">
+              <a:shade val="15000"/>
+            </a:schemeClr>
+          </a:lnRef>
+          <a:fillRef idx="1">
+            <a:schemeClr val="accent1"/>
+          </a:fillRef>
+          <a:effectRef idx="0">
+            <a:schemeClr val="accent1"/>
+          </a:effectRef>
+          <a:fontRef idx="minor">
+            <a:schemeClr val="lt1"/>
+          </a:fontRef>
+        </p:style>
+        <p:txBody>
+          <a:bodyPr rtlCol="0" anchor="ctr"/>
+          <a:lstStyle/>
+          <a:p>
+            <a:pPr algn="ctr"/>
+            <a:r>
+              <a:rPr lang="en-US" sz="1400" dirty="0">
+                <a:solidFill>
+                  <a:schemeClr val="tx1"/>
+                </a:solidFill>
+              </a:rPr>
+              <a:t>Points to a Parameter representing immutable model characteristics instantiated at the start of the simulation</a:t>
+            </a:r>
+          </a:p>
+        </p:txBody>
+      </p:sp>
+      <p:sp>
+        <p:nvSpPr>
+          <p:cNvPr id="15" name="Rectangle 14">
+            <a:extLst>
+              <a:ext uri="{FF2B5EF4-FFF2-40B4-BE49-F238E27FC236}">
+                <a16:creationId xmlns:a16="http://schemas.microsoft.com/office/drawing/2014/main" id="{1F890D35-88DD-C827-1F33-F89FED5D13D0}"/>
+              </a:ext>
+            </a:extLst>
+          </p:cNvPr>
+          <p:cNvSpPr/>
+          <p:nvPr/>
+        </p:nvSpPr>
+        <p:spPr>
+          <a:xfrm>
+            <a:off x="206463" y="2237173"/>
+            <a:ext cx="3505864" cy="1265321"/>
+          </a:xfrm>
+          <a:prstGeom prst="rect">
+            <a:avLst/>
+          </a:prstGeom>
+          <a:solidFill>
+            <a:schemeClr val="bg2">
+              <a:lumMod val="90000"/>
+            </a:schemeClr>
+          </a:solidFill>
+          <a:ln>
+            <a:noFill/>
+          </a:ln>
+        </p:spPr>
+        <p:style>
+          <a:lnRef idx="2">
+            <a:schemeClr val="accent1">
+              <a:shade val="15000"/>
+            </a:schemeClr>
+          </a:lnRef>
+          <a:fillRef idx="1">
+            <a:schemeClr val="accent1"/>
+          </a:fillRef>
+          <a:effectRef idx="0">
+            <a:schemeClr val="accent1"/>
+          </a:effectRef>
+          <a:fontRef idx="minor">
+            <a:schemeClr val="lt1"/>
+          </a:fontRef>
+        </p:style>
+        <p:txBody>
+          <a:bodyPr rtlCol="0" anchor="ctr"/>
+          <a:lstStyle/>
+          <a:p>
+            <a:pPr algn="ctr"/>
+            <a:r>
+              <a:rPr lang="en-US" sz="1400" dirty="0">
+                <a:solidFill>
+                  <a:schemeClr val="tx1"/>
+                </a:solidFill>
+              </a:rPr>
+              <a:t>Method to </a:t>
+            </a:r>
+            <a:r>
+              <a:rPr lang="en-US" sz="1400" b="1" dirty="0">
+                <a:solidFill>
+                  <a:schemeClr val="tx1"/>
+                </a:solidFill>
+              </a:rPr>
+              <a:t>instantiate the model and define its structure:</a:t>
+            </a:r>
+            <a:r>
+              <a:rPr lang="en-US" sz="1400" dirty="0">
+                <a:solidFill>
+                  <a:schemeClr val="tx1"/>
+                </a:solidFill>
+              </a:rPr>
+              <a:t>,</a:t>
+            </a:r>
+          </a:p>
+          <a:p>
+            <a:pPr marL="285750" indent="-285750">
+              <a:buFontTx/>
+              <a:buChar char="-"/>
+            </a:pPr>
+            <a:r>
+              <a:rPr lang="en-US" sz="1400" b="1" dirty="0">
+                <a:solidFill>
+                  <a:schemeClr val="tx1"/>
+                </a:solidFill>
+              </a:rPr>
+              <a:t>.</a:t>
+            </a:r>
+            <a:r>
+              <a:rPr lang="en-US" sz="1400" b="1" dirty="0" err="1">
+                <a:solidFill>
+                  <a:schemeClr val="tx1"/>
+                </a:solidFill>
+              </a:rPr>
+              <a:t>add_flow</a:t>
+            </a:r>
+            <a:r>
+              <a:rPr lang="en-US" sz="1400" b="1" dirty="0">
+                <a:solidFill>
+                  <a:schemeClr val="tx1"/>
+                </a:solidFill>
+              </a:rPr>
+              <a:t> </a:t>
+            </a:r>
+            <a:r>
+              <a:rPr lang="en-US" sz="1400" dirty="0">
+                <a:solidFill>
+                  <a:schemeClr val="tx1"/>
+                </a:solidFill>
+              </a:rPr>
+              <a:t>is used to instantiate a flow</a:t>
+            </a:r>
+          </a:p>
+          <a:p>
+            <a:pPr marL="285750" indent="-285750">
+              <a:buFontTx/>
+              <a:buChar char="-"/>
+            </a:pPr>
+            <a:r>
+              <a:rPr lang="en-US" sz="1400" dirty="0">
+                <a:solidFill>
+                  <a:schemeClr val="tx1"/>
+                </a:solidFill>
+              </a:rPr>
+              <a:t>.</a:t>
+            </a:r>
+            <a:r>
+              <a:rPr lang="en-US" sz="1400" b="1" dirty="0" err="1">
+                <a:solidFill>
+                  <a:schemeClr val="tx1"/>
+                </a:solidFill>
+              </a:rPr>
+              <a:t>add_fxn</a:t>
+            </a:r>
+            <a:r>
+              <a:rPr lang="en-US" sz="1400" b="1" dirty="0">
+                <a:solidFill>
+                  <a:schemeClr val="tx1"/>
+                </a:solidFill>
+              </a:rPr>
+              <a:t> </a:t>
+            </a:r>
+            <a:r>
+              <a:rPr lang="en-US" sz="1400" dirty="0">
+                <a:solidFill>
+                  <a:schemeClr val="tx1"/>
+                </a:solidFill>
+              </a:rPr>
+              <a:t>is used to instantiate a function and attach connected flows</a:t>
+            </a:r>
+          </a:p>
+        </p:txBody>
+      </p:sp>
+      <p:cxnSp>
+        <p:nvCxnSpPr>
+          <p:cNvPr id="18" name="Straight Arrow Connector 17">
+            <a:extLst>
+              <a:ext uri="{FF2B5EF4-FFF2-40B4-BE49-F238E27FC236}">
+                <a16:creationId xmlns:a16="http://schemas.microsoft.com/office/drawing/2014/main" id="{C412D98A-A8CB-E5EE-CD28-4B2D28CA3DD0}"/>
+              </a:ext>
+            </a:extLst>
+          </p:cNvPr>
+          <p:cNvCxnSpPr>
+            <a:cxnSpLocks/>
+          </p:cNvCxnSpPr>
+          <p:nvPr/>
+        </p:nvCxnSpPr>
+        <p:spPr>
+          <a:xfrm flipH="1">
+            <a:off x="6550429" y="1391515"/>
+            <a:ext cx="841131" cy="0"/>
+          </a:xfrm>
+          <a:prstGeom prst="straightConnector1">
+            <a:avLst/>
+          </a:prstGeom>
+          <a:ln w="38100">
+            <a:tailEnd type="triangle"/>
+          </a:ln>
+        </p:spPr>
+        <p:style>
+          <a:lnRef idx="1">
+            <a:schemeClr val="accent1"/>
+          </a:lnRef>
+          <a:fillRef idx="0">
+            <a:schemeClr val="accent1"/>
+          </a:fillRef>
+          <a:effectRef idx="0">
+            <a:schemeClr val="accent1"/>
+          </a:effectRef>
+          <a:fontRef idx="minor">
+            <a:schemeClr val="tx1"/>
+          </a:fontRef>
+        </p:style>
+      </p:cxnSp>
+      <p:cxnSp>
+        <p:nvCxnSpPr>
+          <p:cNvPr id="25" name="Straight Arrow Connector 24">
+            <a:extLst>
+              <a:ext uri="{FF2B5EF4-FFF2-40B4-BE49-F238E27FC236}">
+                <a16:creationId xmlns:a16="http://schemas.microsoft.com/office/drawing/2014/main" id="{331E180F-8F33-EF2F-BF23-D21BBB7BD54A}"/>
+              </a:ext>
+            </a:extLst>
+          </p:cNvPr>
+          <p:cNvCxnSpPr>
+            <a:cxnSpLocks/>
+          </p:cNvCxnSpPr>
+          <p:nvPr/>
+        </p:nvCxnSpPr>
+        <p:spPr>
+          <a:xfrm>
+            <a:off x="6868160" y="1865950"/>
+            <a:ext cx="1049127" cy="0"/>
+          </a:xfrm>
+          <a:prstGeom prst="straightConnector1">
+            <a:avLst/>
+          </a:prstGeom>
+          <a:ln w="38100">
+            <a:solidFill>
+              <a:schemeClr val="accent2">
+                <a:lumMod val="75000"/>
+              </a:schemeClr>
+            </a:solidFill>
+            <a:tailEnd type="triangle"/>
+          </a:ln>
+        </p:spPr>
+        <p:style>
+          <a:lnRef idx="1">
+            <a:schemeClr val="accent1"/>
+          </a:lnRef>
+          <a:fillRef idx="0">
+            <a:schemeClr val="accent1"/>
+          </a:fillRef>
+          <a:effectRef idx="0">
+            <a:schemeClr val="accent1"/>
+          </a:effectRef>
+          <a:fontRef idx="minor">
+            <a:schemeClr val="tx1"/>
+          </a:fontRef>
+        </p:style>
+      </p:cxnSp>
+      <p:cxnSp>
+        <p:nvCxnSpPr>
+          <p:cNvPr id="30" name="Straight Arrow Connector 29">
+            <a:extLst>
+              <a:ext uri="{FF2B5EF4-FFF2-40B4-BE49-F238E27FC236}">
+                <a16:creationId xmlns:a16="http://schemas.microsoft.com/office/drawing/2014/main" id="{EA0BCC97-D1D8-DF39-176F-86523512AC28}"/>
+              </a:ext>
+            </a:extLst>
+          </p:cNvPr>
+          <p:cNvCxnSpPr>
+            <a:cxnSpLocks/>
+          </p:cNvCxnSpPr>
+          <p:nvPr/>
+        </p:nvCxnSpPr>
+        <p:spPr>
+          <a:xfrm>
+            <a:off x="3232338" y="1588244"/>
+            <a:ext cx="887340" cy="2318"/>
+          </a:xfrm>
+          <a:prstGeom prst="straightConnector1">
+            <a:avLst/>
+          </a:prstGeom>
+          <a:ln w="38100">
+            <a:solidFill>
+              <a:schemeClr val="accent6"/>
+            </a:solidFill>
+            <a:tailEnd type="triangle"/>
+          </a:ln>
+        </p:spPr>
+        <p:style>
+          <a:lnRef idx="1">
+            <a:schemeClr val="accent1"/>
+          </a:lnRef>
+          <a:fillRef idx="0">
+            <a:schemeClr val="accent1"/>
+          </a:fillRef>
+          <a:effectRef idx="0">
+            <a:schemeClr val="accent1"/>
+          </a:effectRef>
+          <a:fontRef idx="minor">
+            <a:schemeClr val="tx1"/>
+          </a:fontRef>
+        </p:style>
+      </p:cxnSp>
+      <p:cxnSp>
+        <p:nvCxnSpPr>
+          <p:cNvPr id="33" name="Straight Arrow Connector 32">
+            <a:extLst>
+              <a:ext uri="{FF2B5EF4-FFF2-40B4-BE49-F238E27FC236}">
+                <a16:creationId xmlns:a16="http://schemas.microsoft.com/office/drawing/2014/main" id="{8FFE40E2-32A7-0D24-42D4-DDDE4CCAA3E9}"/>
+              </a:ext>
+            </a:extLst>
+          </p:cNvPr>
+          <p:cNvCxnSpPr>
+            <a:cxnSpLocks/>
+          </p:cNvCxnSpPr>
+          <p:nvPr/>
+        </p:nvCxnSpPr>
+        <p:spPr>
+          <a:xfrm>
+            <a:off x="3655541" y="2976800"/>
+            <a:ext cx="302149" cy="0"/>
+          </a:xfrm>
+          <a:prstGeom prst="straightConnector1">
+            <a:avLst/>
+          </a:prstGeom>
+          <a:ln w="38100">
+            <a:solidFill>
+              <a:schemeClr val="bg1">
+                <a:lumMod val="50000"/>
+              </a:schemeClr>
+            </a:solidFill>
+            <a:tailEnd type="triangle"/>
+          </a:ln>
+        </p:spPr>
+        <p:style>
+          <a:lnRef idx="1">
+            <a:schemeClr val="accent1"/>
+          </a:lnRef>
+          <a:fillRef idx="0">
+            <a:schemeClr val="accent1"/>
+          </a:fillRef>
+          <a:effectRef idx="0">
+            <a:schemeClr val="accent1"/>
+          </a:effectRef>
+          <a:fontRef idx="minor">
+            <a:schemeClr val="tx1"/>
+          </a:fontRef>
+        </p:style>
+      </p:cxnSp>
+      <p:sp>
+        <p:nvSpPr>
+          <p:cNvPr id="41" name="Rectangle 40">
+            <a:extLst>
+              <a:ext uri="{FF2B5EF4-FFF2-40B4-BE49-F238E27FC236}">
+                <a16:creationId xmlns:a16="http://schemas.microsoft.com/office/drawing/2014/main" id="{0C53CCF7-9DEF-5A5C-C935-E0DC29EA5CAC}"/>
+              </a:ext>
+            </a:extLst>
+          </p:cNvPr>
+          <p:cNvSpPr/>
+          <p:nvPr/>
+        </p:nvSpPr>
+        <p:spPr>
+          <a:xfrm>
+            <a:off x="380854" y="4106849"/>
+            <a:ext cx="3040112" cy="740651"/>
+          </a:xfrm>
+          <a:prstGeom prst="rect">
+            <a:avLst/>
+          </a:prstGeom>
+          <a:solidFill>
+            <a:schemeClr val="accent6">
+              <a:lumMod val="20000"/>
+              <a:lumOff val="80000"/>
+            </a:schemeClr>
+          </a:solidFill>
+          <a:ln>
+            <a:noFill/>
+          </a:ln>
+        </p:spPr>
+        <p:style>
+          <a:lnRef idx="2">
+            <a:schemeClr val="accent1">
+              <a:shade val="15000"/>
+            </a:schemeClr>
+          </a:lnRef>
+          <a:fillRef idx="1">
+            <a:schemeClr val="accent1"/>
+          </a:fillRef>
+          <a:effectRef idx="0">
+            <a:schemeClr val="accent1"/>
+          </a:effectRef>
+          <a:fontRef idx="minor">
+            <a:schemeClr val="lt1"/>
+          </a:fontRef>
+        </p:style>
+        <p:txBody>
+          <a:bodyPr rtlCol="0" anchor="ctr"/>
+          <a:lstStyle/>
+          <a:p>
+            <a:pPr algn="ctr"/>
+            <a:r>
+              <a:rPr lang="en-US" sz="1400" dirty="0">
+                <a:solidFill>
+                  <a:schemeClr val="tx1"/>
+                </a:solidFill>
+              </a:rPr>
+              <a:t>These methods define Model </a:t>
+            </a:r>
+            <a:r>
+              <a:rPr lang="en-US" sz="1400" b="1" dirty="0">
+                <a:solidFill>
+                  <a:schemeClr val="tx1"/>
+                </a:solidFill>
+              </a:rPr>
+              <a:t>indicators</a:t>
+            </a:r>
+            <a:r>
+              <a:rPr lang="en-US" sz="1400" dirty="0">
+                <a:solidFill>
+                  <a:schemeClr val="tx1"/>
+                </a:solidFill>
+              </a:rPr>
+              <a:t> and are called/tracked during simulation (in </a:t>
+            </a:r>
+            <a:r>
+              <a:rPr lang="en-US" sz="1400" dirty="0" err="1">
+                <a:solidFill>
+                  <a:schemeClr val="tx1"/>
+                </a:solidFill>
+              </a:rPr>
+              <a:t>modelname.i</a:t>
+            </a:r>
+            <a:r>
+              <a:rPr lang="en-US" sz="1400" dirty="0">
+                <a:solidFill>
+                  <a:schemeClr val="tx1"/>
+                </a:solidFill>
+              </a:rPr>
+              <a:t>)</a:t>
+            </a:r>
+          </a:p>
+        </p:txBody>
+      </p:sp>
+      <p:sp>
+        <p:nvSpPr>
+          <p:cNvPr id="42" name="Rectangle 41">
+            <a:extLst>
+              <a:ext uri="{FF2B5EF4-FFF2-40B4-BE49-F238E27FC236}">
+                <a16:creationId xmlns:a16="http://schemas.microsoft.com/office/drawing/2014/main" id="{8CDCE0CD-812F-C5E1-0CB4-58D9C56432A5}"/>
+              </a:ext>
+            </a:extLst>
+          </p:cNvPr>
+          <p:cNvSpPr/>
+          <p:nvPr/>
+        </p:nvSpPr>
+        <p:spPr>
+          <a:xfrm>
+            <a:off x="170143" y="1049485"/>
+            <a:ext cx="3391491" cy="740658"/>
+          </a:xfrm>
+          <a:prstGeom prst="rect">
+            <a:avLst/>
+          </a:prstGeom>
+          <a:solidFill>
+            <a:schemeClr val="accent6">
+              <a:lumMod val="40000"/>
+              <a:lumOff val="60000"/>
+            </a:schemeClr>
+          </a:solidFill>
+          <a:ln>
+            <a:noFill/>
+          </a:ln>
+        </p:spPr>
+        <p:style>
+          <a:lnRef idx="2">
+            <a:schemeClr val="accent1">
+              <a:shade val="15000"/>
+            </a:schemeClr>
+          </a:lnRef>
+          <a:fillRef idx="1">
+            <a:schemeClr val="accent1"/>
+          </a:fillRef>
+          <a:effectRef idx="0">
+            <a:schemeClr val="accent1"/>
+          </a:effectRef>
+          <a:fontRef idx="minor">
+            <a:schemeClr val="lt1"/>
+          </a:fontRef>
+        </p:style>
+        <p:txBody>
+          <a:bodyPr rtlCol="0" anchor="ctr"/>
+          <a:lstStyle/>
+          <a:p>
+            <a:pPr algn="ctr"/>
+            <a:r>
+              <a:rPr lang="en-US" sz="1400" dirty="0">
+                <a:solidFill>
+                  <a:schemeClr val="tx1"/>
+                </a:solidFill>
+              </a:rPr>
+              <a:t>Default </a:t>
+            </a:r>
+            <a:r>
+              <a:rPr lang="en-US" sz="1400" b="1" dirty="0">
+                <a:solidFill>
+                  <a:schemeClr val="tx1"/>
+                </a:solidFill>
+              </a:rPr>
+              <a:t>keyword arguments for </a:t>
+            </a:r>
+            <a:r>
+              <a:rPr lang="en-US" sz="1400" b="1" dirty="0" err="1">
+                <a:solidFill>
+                  <a:schemeClr val="tx1"/>
+                </a:solidFill>
+              </a:rPr>
+              <a:t>SimParam</a:t>
+            </a:r>
+            <a:r>
+              <a:rPr lang="en-US" sz="1400" dirty="0">
+                <a:solidFill>
+                  <a:schemeClr val="tx1"/>
+                </a:solidFill>
+              </a:rPr>
+              <a:t>. Defines max time of the simulation, along with phases, timestep, units, etc.</a:t>
+            </a:r>
+          </a:p>
+        </p:txBody>
+      </p:sp>
+      <p:cxnSp>
+        <p:nvCxnSpPr>
+          <p:cNvPr id="44" name="Straight Arrow Connector 43">
+            <a:extLst>
+              <a:ext uri="{FF2B5EF4-FFF2-40B4-BE49-F238E27FC236}">
+                <a16:creationId xmlns:a16="http://schemas.microsoft.com/office/drawing/2014/main" id="{2F39350D-8555-F1AE-2F34-766C9EE33104}"/>
+              </a:ext>
+            </a:extLst>
+          </p:cNvPr>
+          <p:cNvCxnSpPr>
+            <a:cxnSpLocks/>
+          </p:cNvCxnSpPr>
+          <p:nvPr/>
+        </p:nvCxnSpPr>
+        <p:spPr>
+          <a:xfrm>
+            <a:off x="3418989" y="4542303"/>
+            <a:ext cx="538701" cy="0"/>
+          </a:xfrm>
+          <a:prstGeom prst="straightConnector1">
+            <a:avLst/>
+          </a:prstGeom>
+          <a:ln w="38100">
+            <a:solidFill>
+              <a:schemeClr val="accent6"/>
+            </a:solidFill>
+            <a:tailEnd type="triangle"/>
+          </a:ln>
+        </p:spPr>
+        <p:style>
+          <a:lnRef idx="1">
+            <a:schemeClr val="accent1"/>
+          </a:lnRef>
+          <a:fillRef idx="0">
+            <a:schemeClr val="accent1"/>
+          </a:fillRef>
+          <a:effectRef idx="0">
+            <a:schemeClr val="accent1"/>
+          </a:effectRef>
+          <a:fontRef idx="minor">
+            <a:schemeClr val="tx1"/>
+          </a:fontRef>
+        </p:style>
+      </p:cxnSp>
+      <p:sp>
+        <p:nvSpPr>
+          <p:cNvPr id="45" name="Rectangle 44">
+            <a:extLst>
+              <a:ext uri="{FF2B5EF4-FFF2-40B4-BE49-F238E27FC236}">
+                <a16:creationId xmlns:a16="http://schemas.microsoft.com/office/drawing/2014/main" id="{D45EAE9F-3FFE-CF4A-26AA-8D2A61746450}"/>
+              </a:ext>
+            </a:extLst>
+          </p:cNvPr>
+          <p:cNvSpPr/>
+          <p:nvPr/>
+        </p:nvSpPr>
+        <p:spPr>
+          <a:xfrm>
+            <a:off x="380854" y="5119296"/>
+            <a:ext cx="3038135" cy="665117"/>
+          </a:xfrm>
+          <a:prstGeom prst="rect">
+            <a:avLst/>
+          </a:prstGeom>
+          <a:solidFill>
+            <a:srgbClr val="F1D9F1"/>
+          </a:solidFill>
+          <a:ln>
+            <a:noFill/>
+          </a:ln>
+        </p:spPr>
+        <p:style>
+          <a:lnRef idx="2">
+            <a:schemeClr val="accent1">
+              <a:shade val="15000"/>
+            </a:schemeClr>
+          </a:lnRef>
+          <a:fillRef idx="1">
+            <a:schemeClr val="accent1"/>
+          </a:fillRef>
+          <a:effectRef idx="0">
+            <a:schemeClr val="accent1"/>
+          </a:effectRef>
+          <a:fontRef idx="minor">
+            <a:schemeClr val="lt1"/>
+          </a:fontRef>
+        </p:style>
+        <p:txBody>
+          <a:bodyPr rtlCol="0" anchor="ctr"/>
+          <a:lstStyle/>
+          <a:p>
+            <a:pPr algn="ctr"/>
+            <a:r>
+              <a:rPr lang="en-US" sz="1400" dirty="0">
+                <a:solidFill>
+                  <a:schemeClr val="tx1"/>
+                </a:solidFill>
+              </a:rPr>
+              <a:t>This method defines the Result to be returned </a:t>
+            </a:r>
+            <a:r>
+              <a:rPr lang="en-US" sz="1400" b="1" dirty="0">
+                <a:solidFill>
+                  <a:schemeClr val="tx1"/>
+                </a:solidFill>
+              </a:rPr>
+              <a:t> </a:t>
+            </a:r>
+            <a:r>
+              <a:rPr lang="en-US" sz="1400" dirty="0">
+                <a:solidFill>
+                  <a:schemeClr val="tx1"/>
+                </a:solidFill>
+              </a:rPr>
+              <a:t>by the model.</a:t>
+            </a:r>
+          </a:p>
+        </p:txBody>
+      </p:sp>
+      <p:cxnSp>
+        <p:nvCxnSpPr>
+          <p:cNvPr id="47" name="Straight Arrow Connector 46">
+            <a:extLst>
+              <a:ext uri="{FF2B5EF4-FFF2-40B4-BE49-F238E27FC236}">
+                <a16:creationId xmlns:a16="http://schemas.microsoft.com/office/drawing/2014/main" id="{63F352AD-414C-473F-B963-608E7ABC775D}"/>
+              </a:ext>
+            </a:extLst>
+          </p:cNvPr>
+          <p:cNvCxnSpPr>
+            <a:cxnSpLocks/>
+          </p:cNvCxnSpPr>
+          <p:nvPr/>
+        </p:nvCxnSpPr>
+        <p:spPr>
+          <a:xfrm>
+            <a:off x="3439456" y="5468115"/>
+            <a:ext cx="538701" cy="0"/>
+          </a:xfrm>
+          <a:prstGeom prst="straightConnector1">
+            <a:avLst/>
+          </a:prstGeom>
+          <a:ln w="38100">
+            <a:solidFill>
+              <a:srgbClr val="E890E8"/>
+            </a:solidFill>
+            <a:tailEnd type="triangle"/>
+          </a:ln>
+        </p:spPr>
+        <p:style>
+          <a:lnRef idx="1">
+            <a:schemeClr val="accent1"/>
+          </a:lnRef>
+          <a:fillRef idx="0">
+            <a:schemeClr val="accent1"/>
+          </a:fillRef>
+          <a:effectRef idx="0">
+            <a:schemeClr val="accent1"/>
+          </a:effectRef>
+          <a:fontRef idx="minor">
+            <a:schemeClr val="tx1"/>
+          </a:fontRef>
+        </p:style>
+      </p:cxnSp>
+      <p:sp>
+        <p:nvSpPr>
+          <p:cNvPr id="2" name="Rectangle 1">
+            <a:extLst>
+              <a:ext uri="{FF2B5EF4-FFF2-40B4-BE49-F238E27FC236}">
+                <a16:creationId xmlns:a16="http://schemas.microsoft.com/office/drawing/2014/main" id="{FB04EC17-F5F6-0A39-5B99-E68F6BE22164}"/>
+              </a:ext>
+            </a:extLst>
+          </p:cNvPr>
+          <p:cNvSpPr/>
+          <p:nvPr/>
+        </p:nvSpPr>
+        <p:spPr>
+          <a:xfrm>
+            <a:off x="7716416" y="900686"/>
+            <a:ext cx="4208105" cy="323245"/>
+          </a:xfrm>
+          <a:prstGeom prst="rect">
+            <a:avLst/>
+          </a:prstGeom>
+          <a:solidFill>
+            <a:srgbClr val="FA7676"/>
+          </a:solidFill>
+          <a:ln>
+            <a:noFill/>
+          </a:ln>
+        </p:spPr>
+        <p:style>
+          <a:lnRef idx="0">
+            <a:scrgbClr r="0" g="0" b="0"/>
+          </a:lnRef>
+          <a:fillRef idx="0">
+            <a:scrgbClr r="0" g="0" b="0"/>
+          </a:fillRef>
+          <a:effectRef idx="0">
+            <a:scrgbClr r="0" g="0" b="0"/>
+          </a:effectRef>
+          <a:fontRef idx="minor">
+            <a:schemeClr val="lt1"/>
+          </a:fontRef>
+        </p:style>
+        <p:txBody>
+          <a:bodyPr rtlCol="0" anchor="ctr"/>
+          <a:lstStyle/>
+          <a:p>
+            <a:pPr marL="0" marR="0" lvl="0" indent="0" algn="ctr" defTabSz="914400" rtl="0" eaLnBrk="1" fontAlgn="auto" latinLnBrk="0" hangingPunct="1">
+              <a:lnSpc>
+                <a:spcPct val="100000"/>
+              </a:lnSpc>
+              <a:spcBef>
+                <a:spcPts val="0"/>
+              </a:spcBef>
+              <a:spcAft>
+                <a:spcPts val="0"/>
+              </a:spcAft>
+              <a:buClrTx/>
+              <a:buSzTx/>
+              <a:buFontTx/>
+              <a:buNone/>
+              <a:tabLst/>
+              <a:defRPr/>
+            </a:pPr>
+            <a:r>
+              <a:rPr lang="en-US" sz="1400" dirty="0">
+                <a:solidFill>
+                  <a:prstClr val="black"/>
+                </a:solidFill>
+                <a:latin typeface="Calibri" panose="020F0502020204030204"/>
+              </a:rPr>
+              <a:t>Architecture classes are usually given empty __slots__</a:t>
+            </a:r>
+            <a:endParaRPr lang="en-US" dirty="0"/>
+          </a:p>
+        </p:txBody>
+      </p:sp>
+      <p:cxnSp>
+        <p:nvCxnSpPr>
+          <p:cNvPr id="3" name="Straight Arrow Connector 2">
+            <a:extLst>
+              <a:ext uri="{FF2B5EF4-FFF2-40B4-BE49-F238E27FC236}">
+                <a16:creationId xmlns:a16="http://schemas.microsoft.com/office/drawing/2014/main" id="{0CE01FD0-30F7-753A-50DC-A9D1A9D4403A}"/>
+              </a:ext>
+            </a:extLst>
+          </p:cNvPr>
+          <p:cNvCxnSpPr>
+            <a:cxnSpLocks/>
+            <a:stCxn id="2" idx="1"/>
+          </p:cNvCxnSpPr>
+          <p:nvPr/>
+        </p:nvCxnSpPr>
+        <p:spPr>
+          <a:xfrm flipH="1">
+            <a:off x="5467739" y="1062309"/>
+            <a:ext cx="2248677" cy="21740"/>
+          </a:xfrm>
+          <a:prstGeom prst="straightConnector1">
+            <a:avLst/>
+          </a:prstGeom>
+          <a:ln w="38100">
+            <a:solidFill>
+              <a:srgbClr val="FA7676"/>
             </a:solidFill>
             <a:tailEnd type="triangle"/>
           </a:ln>
@@ -11423,7 +14613,7 @@
 </p:sld>
 </file>
 
-<file path=ppt/slides/slide14.xml><?xml version="1.0" encoding="utf-8"?>
+<file path=ppt/slides/slide16.xml><?xml version="1.0" encoding="utf-8"?>
 <p:sld xmlns:a="http://schemas.openxmlformats.org/drawingml/2006/main" xmlns:r="http://schemas.openxmlformats.org/officeDocument/2006/relationships" xmlns:p="http://schemas.openxmlformats.org/presentationml/2006/main">
   <p:cSld>
     <p:spTree>
@@ -19814,7 +23004,7 @@
           <a:p>
             <a:fld id="{5B2B2ECE-C27A-4FBC-A5B7-24ADD502157D}" type="datetime1">
               <a:rPr lang="en-US" smtClean="0"/>
-              <a:t>5/10/2024</a:t>
+              <a:t>5/16/2024</a:t>
             </a:fld>
             <a:endParaRPr lang="en-US"/>
           </a:p>
@@ -20034,7 +23224,7 @@
           <a:p>
             <a:fld id="{C8D67213-7DC7-4566-B4E8-39CBEF03CE40}" type="datetime1">
               <a:rPr lang="en-US" smtClean="0"/>
-              <a:t>5/10/2024</a:t>
+              <a:t>5/16/2024</a:t>
             </a:fld>
             <a:endParaRPr lang="en-US"/>
           </a:p>
@@ -20361,7 +23551,7 @@
           <a:p>
             <a:fld id="{7DBF9849-58D3-4F19-9398-5C19541DD8B5}" type="datetime1">
               <a:rPr lang="en-US" smtClean="0"/>
-              <a:t>5/10/2024</a:t>
+              <a:t>5/16/2024</a:t>
             </a:fld>
             <a:endParaRPr lang="en-US"/>
           </a:p>
@@ -21749,7 +24939,7 @@
           <a:p>
             <a:fld id="{97B5B71A-C210-4A41-9D4A-E72BF6E30274}" type="datetime1">
               <a:rPr lang="en-US" smtClean="0"/>
-              <a:t>5/10/2024</a:t>
+              <a:t>5/16/2024</a:t>
             </a:fld>
             <a:endParaRPr lang="en-US"/>
           </a:p>
@@ -22388,12 +25578,6 @@
 </file>
 
 <file path=customXml/item1.xml><?xml version="1.0" encoding="utf-8"?>
-<p:properties xmlns:p="http://schemas.microsoft.com/office/2006/metadata/properties" xmlns:xsi="http://www.w3.org/2001/XMLSchema-instance" xmlns:pc="http://schemas.microsoft.com/office/infopath/2007/PartnerControls">
-  <documentManagement/>
-</p:properties>
-</file>
-
-<file path=customXml/item2.xml><?xml version="1.0" encoding="utf-8"?>
 <ct:contentTypeSchema xmlns:ct="http://schemas.microsoft.com/office/2006/metadata/contentType" xmlns:ma="http://schemas.microsoft.com/office/2006/metadata/properties/metaAttributes" ct:_="" ma:_="" ma:contentTypeName="Document" ma:contentTypeID="0x0101002F0B4413AAFFE34B9A5E0B87EBB2BF4F" ma:contentTypeVersion="0" ma:contentTypeDescription="Create a new document." ma:contentTypeScope="" ma:versionID="9632435baf965c6c093711282b9a8698">
   <xsd:schema xmlns:xsd="http://www.w3.org/2001/XMLSchema" xmlns:xs="http://www.w3.org/2001/XMLSchema" xmlns:p="http://schemas.microsoft.com/office/2006/metadata/properties" targetNamespace="http://schemas.microsoft.com/office/2006/metadata/properties" ma:root="true" ma:fieldsID="ad47a0f10127d9e30d85633090e6731d">
     <xsd:element name="properties">
@@ -22507,6 +25691,12 @@
 </ct:contentTypeSchema>
 </file>
 
+<file path=customXml/item2.xml><?xml version="1.0" encoding="utf-8"?>
+<p:properties xmlns:p="http://schemas.microsoft.com/office/2006/metadata/properties" xmlns:xsi="http://www.w3.org/2001/XMLSchema-instance" xmlns:pc="http://schemas.microsoft.com/office/infopath/2007/PartnerControls">
+  <documentManagement/>
+</p:properties>
+</file>
+
 <file path=customXml/item3.xml><?xml version="1.0" encoding="utf-8"?>
 <?mso-contentType ?>
 <FormTemplates xmlns="http://schemas.microsoft.com/sharepoint/v3/contenttype/forms">
@@ -22517,21 +25707,6 @@
 </file>
 
 <file path=customXml/itemProps1.xml><?xml version="1.0" encoding="utf-8"?>
-<ds:datastoreItem xmlns:ds="http://schemas.openxmlformats.org/officeDocument/2006/customXml" ds:itemID="{92B7266E-DF44-460A-A16F-F5ABEAF9A56A}">
-  <ds:schemaRefs>
-    <ds:schemaRef ds:uri="http://schemas.microsoft.com/office/2006/metadata/properties"/>
-    <ds:schemaRef ds:uri="http://purl.org/dc/terms/"/>
-    <ds:schemaRef ds:uri="http://schemas.openxmlformats.org/package/2006/metadata/core-properties"/>
-    <ds:schemaRef ds:uri="http://schemas.microsoft.com/office/2006/documentManagement/types"/>
-    <ds:schemaRef ds:uri="http://schemas.microsoft.com/office/infopath/2007/PartnerControls"/>
-    <ds:schemaRef ds:uri="http://purl.org/dc/elements/1.1/"/>
-    <ds:schemaRef ds:uri="http://www.w3.org/XML/1998/namespace"/>
-    <ds:schemaRef ds:uri="http://purl.org/dc/dcmitype/"/>
-  </ds:schemaRefs>
-</ds:datastoreItem>
-</file>
-
-<file path=customXml/itemProps2.xml><?xml version="1.0" encoding="utf-8"?>
 <ds:datastoreItem xmlns:ds="http://schemas.openxmlformats.org/officeDocument/2006/customXml" ds:itemID="{8807AEC1-3868-4489-99AA-F6101CBA6951}">
   <ds:schemaRefs>
     <ds:schemaRef ds:uri="http://schemas.microsoft.com/office/2006/metadata/contentType"/>
@@ -22547,6 +25722,21 @@
 </ds:datastoreItem>
 </file>
 
+<file path=customXml/itemProps2.xml><?xml version="1.0" encoding="utf-8"?>
+<ds:datastoreItem xmlns:ds="http://schemas.openxmlformats.org/officeDocument/2006/customXml" ds:itemID="{92B7266E-DF44-460A-A16F-F5ABEAF9A56A}">
+  <ds:schemaRefs>
+    <ds:schemaRef ds:uri="http://purl.org/dc/terms/"/>
+    <ds:schemaRef ds:uri="http://schemas.openxmlformats.org/package/2006/metadata/core-properties"/>
+    <ds:schemaRef ds:uri="http://purl.org/dc/dcmitype/"/>
+    <ds:schemaRef ds:uri="http://schemas.microsoft.com/office/infopath/2007/PartnerControls"/>
+    <ds:schemaRef ds:uri="http://schemas.microsoft.com/office/2006/documentManagement/types"/>
+    <ds:schemaRef ds:uri="http://purl.org/dc/elements/1.1/"/>
+    <ds:schemaRef ds:uri="http://schemas.microsoft.com/office/2006/metadata/properties"/>
+    <ds:schemaRef ds:uri="http://www.w3.org/XML/1998/namespace"/>
+  </ds:schemaRefs>
+</ds:datastoreItem>
+</file>
+
 <file path=customXml/itemProps3.xml><?xml version="1.0" encoding="utf-8"?>
 <ds:datastoreItem xmlns:ds="http://schemas.openxmlformats.org/officeDocument/2006/customXml" ds:itemID="{D3728C9A-7C9B-4A99-A7F5-4857043C7DB3}">
   <ds:schemaRefs>
